--- a/simplifying-git/overview/simplifying-git-overview.es.pptx
+++ b/simplifying-git/overview/simplifying-git-overview.es.pptx
@@ -5,10 +5,10 @@
     <p:sldMasterId id="2147483648" r:id="rId1"/>
   </p:sldMasterIdLst>
   <p:notesMasterIdLst>
-    <p:notesMasterId r:id="rId85"/>
+    <p:notesMasterId r:id="rId88"/>
   </p:notesMasterIdLst>
   <p:handoutMasterIdLst>
-    <p:handoutMasterId r:id="rId86"/>
+    <p:handoutMasterId r:id="rId89"/>
   </p:handoutMasterIdLst>
   <p:sldIdLst>
     <p:sldId id="256" r:id="rId2"/>
@@ -37,63 +37,66 @@
     <p:sldId id="285" r:id="rId25"/>
     <p:sldId id="286" r:id="rId26"/>
     <p:sldId id="339" r:id="rId27"/>
-    <p:sldId id="287" r:id="rId28"/>
-    <p:sldId id="288" r:id="rId29"/>
-    <p:sldId id="328" r:id="rId30"/>
-    <p:sldId id="329" r:id="rId31"/>
-    <p:sldId id="314" r:id="rId32"/>
-    <p:sldId id="341" r:id="rId33"/>
-    <p:sldId id="342" r:id="rId34"/>
-    <p:sldId id="316" r:id="rId35"/>
-    <p:sldId id="315" r:id="rId36"/>
-    <p:sldId id="264" r:id="rId37"/>
-    <p:sldId id="326" r:id="rId38"/>
-    <p:sldId id="327" r:id="rId39"/>
-    <p:sldId id="305" r:id="rId40"/>
-    <p:sldId id="306" r:id="rId41"/>
-    <p:sldId id="304" r:id="rId42"/>
-    <p:sldId id="324" r:id="rId43"/>
-    <p:sldId id="325" r:id="rId44"/>
-    <p:sldId id="308" r:id="rId45"/>
-    <p:sldId id="307" r:id="rId46"/>
-    <p:sldId id="322" r:id="rId47"/>
-    <p:sldId id="323" r:id="rId48"/>
-    <p:sldId id="340" r:id="rId49"/>
-    <p:sldId id="313" r:id="rId50"/>
-    <p:sldId id="320" r:id="rId51"/>
-    <p:sldId id="321" r:id="rId52"/>
-    <p:sldId id="311" r:id="rId53"/>
-    <p:sldId id="309" r:id="rId54"/>
-    <p:sldId id="310" r:id="rId55"/>
-    <p:sldId id="312" r:id="rId56"/>
-    <p:sldId id="302" r:id="rId57"/>
-    <p:sldId id="303" r:id="rId58"/>
-    <p:sldId id="290" r:id="rId59"/>
-    <p:sldId id="291" r:id="rId60"/>
-    <p:sldId id="333" r:id="rId61"/>
-    <p:sldId id="334" r:id="rId62"/>
-    <p:sldId id="299" r:id="rId63"/>
-    <p:sldId id="300" r:id="rId64"/>
-    <p:sldId id="296" r:id="rId65"/>
-    <p:sldId id="298" r:id="rId66"/>
-    <p:sldId id="297" r:id="rId67"/>
-    <p:sldId id="301" r:id="rId68"/>
-    <p:sldId id="318" r:id="rId69"/>
-    <p:sldId id="319" r:id="rId70"/>
-    <p:sldId id="294" r:id="rId71"/>
-    <p:sldId id="292" r:id="rId72"/>
-    <p:sldId id="293" r:id="rId73"/>
-    <p:sldId id="295" r:id="rId74"/>
-    <p:sldId id="332" r:id="rId75"/>
-    <p:sldId id="331" r:id="rId76"/>
-    <p:sldId id="338" r:id="rId77"/>
-    <p:sldId id="261" r:id="rId78"/>
-    <p:sldId id="337" r:id="rId79"/>
-    <p:sldId id="262" r:id="rId80"/>
-    <p:sldId id="263" r:id="rId81"/>
-    <p:sldId id="257" r:id="rId82"/>
-    <p:sldId id="258" r:id="rId83"/>
-    <p:sldId id="259" r:id="rId84"/>
+    <p:sldId id="344" r:id="rId28"/>
+    <p:sldId id="287" r:id="rId29"/>
+    <p:sldId id="288" r:id="rId30"/>
+    <p:sldId id="328" r:id="rId31"/>
+    <p:sldId id="329" r:id="rId32"/>
+    <p:sldId id="314" r:id="rId33"/>
+    <p:sldId id="341" r:id="rId34"/>
+    <p:sldId id="342" r:id="rId35"/>
+    <p:sldId id="316" r:id="rId36"/>
+    <p:sldId id="315" r:id="rId37"/>
+    <p:sldId id="264" r:id="rId38"/>
+    <p:sldId id="326" r:id="rId39"/>
+    <p:sldId id="327" r:id="rId40"/>
+    <p:sldId id="305" r:id="rId41"/>
+    <p:sldId id="306" r:id="rId42"/>
+    <p:sldId id="304" r:id="rId43"/>
+    <p:sldId id="324" r:id="rId44"/>
+    <p:sldId id="325" r:id="rId45"/>
+    <p:sldId id="308" r:id="rId46"/>
+    <p:sldId id="307" r:id="rId47"/>
+    <p:sldId id="322" r:id="rId48"/>
+    <p:sldId id="323" r:id="rId49"/>
+    <p:sldId id="340" r:id="rId50"/>
+    <p:sldId id="313" r:id="rId51"/>
+    <p:sldId id="320" r:id="rId52"/>
+    <p:sldId id="321" r:id="rId53"/>
+    <p:sldId id="311" r:id="rId54"/>
+    <p:sldId id="309" r:id="rId55"/>
+    <p:sldId id="310" r:id="rId56"/>
+    <p:sldId id="312" r:id="rId57"/>
+    <p:sldId id="302" r:id="rId58"/>
+    <p:sldId id="303" r:id="rId59"/>
+    <p:sldId id="290" r:id="rId60"/>
+    <p:sldId id="291" r:id="rId61"/>
+    <p:sldId id="333" r:id="rId62"/>
+    <p:sldId id="334" r:id="rId63"/>
+    <p:sldId id="299" r:id="rId64"/>
+    <p:sldId id="300" r:id="rId65"/>
+    <p:sldId id="296" r:id="rId66"/>
+    <p:sldId id="298" r:id="rId67"/>
+    <p:sldId id="297" r:id="rId68"/>
+    <p:sldId id="301" r:id="rId69"/>
+    <p:sldId id="318" r:id="rId70"/>
+    <p:sldId id="319" r:id="rId71"/>
+    <p:sldId id="294" r:id="rId72"/>
+    <p:sldId id="292" r:id="rId73"/>
+    <p:sldId id="293" r:id="rId74"/>
+    <p:sldId id="295" r:id="rId75"/>
+    <p:sldId id="332" r:id="rId76"/>
+    <p:sldId id="331" r:id="rId77"/>
+    <p:sldId id="343" r:id="rId78"/>
+    <p:sldId id="345" r:id="rId79"/>
+    <p:sldId id="338" r:id="rId80"/>
+    <p:sldId id="261" r:id="rId81"/>
+    <p:sldId id="337" r:id="rId82"/>
+    <p:sldId id="262" r:id="rId83"/>
+    <p:sldId id="263" r:id="rId84"/>
+    <p:sldId id="257" r:id="rId85"/>
+    <p:sldId id="258" r:id="rId86"/>
+    <p:sldId id="259" r:id="rId87"/>
   </p:sldIdLst>
   <p:sldSz cx="12192000" cy="6858000"/>
   <p:notesSz cx="6858000" cy="9144000"/>
@@ -239,6 +242,7 @@
             <p14:sldId id="285"/>
             <p14:sldId id="286"/>
             <p14:sldId id="339"/>
+            <p14:sldId id="344"/>
             <p14:sldId id="287"/>
             <p14:sldId id="288"/>
           </p14:sldIdLst>
@@ -324,6 +328,8 @@
           <p14:sldIdLst>
             <p14:sldId id="332"/>
             <p14:sldId id="331"/>
+            <p14:sldId id="343"/>
+            <p14:sldId id="345"/>
           </p14:sldIdLst>
         </p14:section>
         <p14:section name="XIV - cierre" id="{4FD1C0A2-490B-4A53-B099-8874DD8C1C65}">
@@ -448,7 +454,7 @@
           <a:p>
             <a:fld id="{105CE9BC-CE5E-4099-AD41-9A21F324BD5E}" type="datetimeFigureOut">
               <a:rPr lang="es-ES" smtClean="0"/>
-              <a:t>28/09/2024</a:t>
+              <a:t>06/10/2024</a:t>
             </a:fld>
             <a:endParaRPr lang="es-ES"/>
           </a:p>
@@ -625,7 +631,7 @@
           <a:p>
             <a:fld id="{C74798C2-ECA2-4467-8A75-A07470F08486}" type="datetimeFigureOut">
               <a:rPr lang="es-ES" smtClean="0"/>
-              <a:t>28/09/2024</a:t>
+              <a:t>06/10/2024</a:t>
             </a:fld>
             <a:endParaRPr lang="es-ES"/>
           </a:p>
@@ -1039,7 +1045,7 @@
           <a:p>
             <a:fld id="{82E37956-1D7D-4407-B556-3C2F806857B8}" type="datetime1">
               <a:rPr lang="es-ES" smtClean="0"/>
-              <a:t>28/09/2024</a:t>
+              <a:t>06/10/2024</a:t>
             </a:fld>
             <a:endParaRPr lang="es-ES"/>
           </a:p>
@@ -1237,7 +1243,7 @@
           <a:p>
             <a:fld id="{627B9E0B-B57E-450D-9364-ECD0C981F8A4}" type="datetime1">
               <a:rPr lang="es-ES" smtClean="0"/>
-              <a:t>28/09/2024</a:t>
+              <a:t>06/10/2024</a:t>
             </a:fld>
             <a:endParaRPr lang="es-ES"/>
           </a:p>
@@ -1445,7 +1451,7 @@
           <a:p>
             <a:fld id="{C15A38B1-F2AE-4F29-950E-0964F66A489C}" type="datetime1">
               <a:rPr lang="es-ES" smtClean="0"/>
-              <a:t>28/09/2024</a:t>
+              <a:t>06/10/2024</a:t>
             </a:fld>
             <a:endParaRPr lang="es-ES"/>
           </a:p>
@@ -1647,7 +1653,7 @@
           <a:p>
             <a:fld id="{BFB4D695-BD48-4D6C-A440-50A8187326E2}" type="datetime1">
               <a:rPr lang="es-ES" smtClean="0"/>
-              <a:t>28/09/2024</a:t>
+              <a:t>06/10/2024</a:t>
             </a:fld>
             <a:endParaRPr lang="es-ES"/>
           </a:p>
@@ -1932,7 +1938,7 @@
           <a:p>
             <a:fld id="{F3B24618-3053-4E01-9AC4-A9AE0C7FA9F7}" type="datetime1">
               <a:rPr lang="es-ES" smtClean="0"/>
-              <a:t>28/09/2024</a:t>
+              <a:t>06/10/2024</a:t>
             </a:fld>
             <a:endParaRPr lang="es-ES"/>
           </a:p>
@@ -2168,7 +2174,7 @@
           <a:p>
             <a:fld id="{03F2570C-6BE3-4C05-831E-23275E67FEC3}" type="datetime1">
               <a:rPr lang="es-ES" smtClean="0"/>
-              <a:t>28/09/2024</a:t>
+              <a:t>06/10/2024</a:t>
             </a:fld>
             <a:endParaRPr lang="es-ES"/>
           </a:p>
@@ -2580,7 +2586,7 @@
           <a:p>
             <a:fld id="{E1727EFA-B7F9-49CD-A4A2-1F6586E01696}" type="datetime1">
               <a:rPr lang="es-ES" smtClean="0"/>
-              <a:t>28/09/2024</a:t>
+              <a:t>06/10/2024</a:t>
             </a:fld>
             <a:endParaRPr lang="es-ES"/>
           </a:p>
@@ -2721,7 +2727,7 @@
           <a:p>
             <a:fld id="{8B5E2C92-027B-4F5A-96C8-3C7F22A7B87E}" type="datetime1">
               <a:rPr lang="es-ES" smtClean="0"/>
-              <a:t>28/09/2024</a:t>
+              <a:t>06/10/2024</a:t>
             </a:fld>
             <a:endParaRPr lang="es-ES"/>
           </a:p>
@@ -2834,7 +2840,7 @@
           <a:p>
             <a:fld id="{AB7A77AC-372E-4C56-8F74-980EFED87C3C}" type="datetime1">
               <a:rPr lang="es-ES" smtClean="0"/>
-              <a:t>28/09/2024</a:t>
+              <a:t>06/10/2024</a:t>
             </a:fld>
             <a:endParaRPr lang="es-ES"/>
           </a:p>
@@ -3145,7 +3151,7 @@
           <a:p>
             <a:fld id="{7D7BDDE5-DC26-4CEB-AACA-108521E69216}" type="datetime1">
               <a:rPr lang="es-ES" smtClean="0"/>
-              <a:t>28/09/2024</a:t>
+              <a:t>06/10/2024</a:t>
             </a:fld>
             <a:endParaRPr lang="es-ES"/>
           </a:p>
@@ -3433,7 +3439,7 @@
           <a:p>
             <a:fld id="{EEDDEF65-910A-4FCE-9819-1430B860CCB6}" type="datetime1">
               <a:rPr lang="es-ES" smtClean="0"/>
-              <a:t>28/09/2024</a:t>
+              <a:t>06/10/2024</a:t>
             </a:fld>
             <a:endParaRPr lang="es-ES"/>
           </a:p>
@@ -3675,7 +3681,7 @@
           <a:p>
             <a:fld id="{EA6E819D-DF03-48F7-8BDA-E0D70CB715C4}" type="datetime1">
               <a:rPr lang="es-ES" smtClean="0"/>
-              <a:t>28/09/2024</a:t>
+              <a:t>06/10/2024</a:t>
             </a:fld>
             <a:endParaRPr lang="es-ES"/>
           </a:p>
@@ -5588,35 +5594,67 @@
               <a:buNone/>
             </a:pPr>
             <a:r>
-              <a:rPr lang="es-ES" dirty="0" err="1"/>
+              <a:rPr lang="es-ES" dirty="0" err="1">
+                <a:latin typeface="JetBrains Mono" panose="02000009000000000000" pitchFamily="49" charset="0"/>
+                <a:ea typeface="JetBrains Mono" panose="02000009000000000000" pitchFamily="49" charset="0"/>
+                <a:cs typeface="JetBrains Mono" panose="02000009000000000000" pitchFamily="49" charset="0"/>
+              </a:rPr>
               <a:t>git</a:t>
             </a:r>
             <a:r>
-              <a:rPr lang="es-ES" dirty="0"/>
+              <a:rPr lang="es-ES" dirty="0">
+                <a:latin typeface="JetBrains Mono" panose="02000009000000000000" pitchFamily="49" charset="0"/>
+                <a:ea typeface="JetBrains Mono" panose="02000009000000000000" pitchFamily="49" charset="0"/>
+                <a:cs typeface="JetBrains Mono" panose="02000009000000000000" pitchFamily="49" charset="0"/>
+              </a:rPr>
               <a:t> </a:t>
             </a:r>
             <a:r>
-              <a:rPr lang="es-ES" dirty="0" err="1"/>
+              <a:rPr lang="es-ES" dirty="0" err="1">
+                <a:latin typeface="JetBrains Mono" panose="02000009000000000000" pitchFamily="49" charset="0"/>
+                <a:ea typeface="JetBrains Mono" panose="02000009000000000000" pitchFamily="49" charset="0"/>
+                <a:cs typeface="JetBrains Mono" panose="02000009000000000000" pitchFamily="49" charset="0"/>
+              </a:rPr>
               <a:t>config</a:t>
             </a:r>
             <a:r>
-              <a:rPr lang="es-ES" dirty="0"/>
+              <a:rPr lang="es-ES" dirty="0">
+                <a:latin typeface="JetBrains Mono" panose="02000009000000000000" pitchFamily="49" charset="0"/>
+                <a:ea typeface="JetBrains Mono" panose="02000009000000000000" pitchFamily="49" charset="0"/>
+                <a:cs typeface="JetBrains Mono" panose="02000009000000000000" pitchFamily="49" charset="0"/>
+              </a:rPr>
               <a:t> [</a:t>
             </a:r>
             <a:r>
-              <a:rPr lang="es-ES" dirty="0" err="1"/>
+              <a:rPr lang="es-ES" dirty="0" err="1">
+                <a:latin typeface="JetBrains Mono" panose="02000009000000000000" pitchFamily="49" charset="0"/>
+                <a:ea typeface="JetBrains Mono" panose="02000009000000000000" pitchFamily="49" charset="0"/>
+                <a:cs typeface="JetBrains Mono" panose="02000009000000000000" pitchFamily="49" charset="0"/>
+              </a:rPr>
               <a:t>scope</a:t>
             </a:r>
             <a:r>
-              <a:rPr lang="es-ES" dirty="0"/>
+              <a:rPr lang="es-ES" dirty="0">
+                <a:latin typeface="JetBrains Mono" panose="02000009000000000000" pitchFamily="49" charset="0"/>
+                <a:ea typeface="JetBrains Mono" panose="02000009000000000000" pitchFamily="49" charset="0"/>
+                <a:cs typeface="JetBrains Mono" panose="02000009000000000000" pitchFamily="49" charset="0"/>
+              </a:rPr>
               <a:t>] </a:t>
             </a:r>
             <a:r>
-              <a:rPr lang="es-ES" dirty="0" err="1"/>
+              <a:rPr lang="es-ES" dirty="0" err="1">
+                <a:latin typeface="JetBrains Mono" panose="02000009000000000000" pitchFamily="49" charset="0"/>
+                <a:ea typeface="JetBrains Mono" panose="02000009000000000000" pitchFamily="49" charset="0"/>
+                <a:cs typeface="JetBrains Mono" panose="02000009000000000000" pitchFamily="49" charset="0"/>
+              </a:rPr>
               <a:t>core.ignorecase</a:t>
             </a:r>
             <a:r>
-              <a:rPr lang="es-ES" dirty="0"/>
+              <a:rPr lang="es-ES" dirty="0">
+                <a:latin typeface="JetBrains Mono" panose="02000009000000000000" pitchFamily="49" charset="0"/>
+                <a:ea typeface="JetBrains Mono" panose="02000009000000000000" pitchFamily="49" charset="0"/>
+                <a:cs typeface="JetBrains Mono" panose="02000009000000000000" pitchFamily="49" charset="0"/>
+              </a:rPr>
               <a:t> false</a:t>
             </a:r>
           </a:p>
@@ -5725,35 +5763,67 @@
               <a:buNone/>
             </a:pPr>
             <a:r>
-              <a:rPr lang="es-ES" dirty="0" err="1"/>
+              <a:rPr lang="es-ES" dirty="0" err="1">
+                <a:latin typeface="JetBrains Mono" panose="02000009000000000000" pitchFamily="49" charset="0"/>
+                <a:ea typeface="JetBrains Mono" panose="02000009000000000000" pitchFamily="49" charset="0"/>
+                <a:cs typeface="JetBrains Mono" panose="02000009000000000000" pitchFamily="49" charset="0"/>
+              </a:rPr>
               <a:t>git</a:t>
             </a:r>
             <a:r>
-              <a:rPr lang="es-ES" dirty="0"/>
+              <a:rPr lang="es-ES" dirty="0">
+                <a:latin typeface="JetBrains Mono" panose="02000009000000000000" pitchFamily="49" charset="0"/>
+                <a:ea typeface="JetBrains Mono" panose="02000009000000000000" pitchFamily="49" charset="0"/>
+                <a:cs typeface="JetBrains Mono" panose="02000009000000000000" pitchFamily="49" charset="0"/>
+              </a:rPr>
               <a:t> </a:t>
             </a:r>
             <a:r>
-              <a:rPr lang="es-ES" dirty="0" err="1"/>
+              <a:rPr lang="es-ES" dirty="0" err="1">
+                <a:latin typeface="JetBrains Mono" panose="02000009000000000000" pitchFamily="49" charset="0"/>
+                <a:ea typeface="JetBrains Mono" panose="02000009000000000000" pitchFamily="49" charset="0"/>
+                <a:cs typeface="JetBrains Mono" panose="02000009000000000000" pitchFamily="49" charset="0"/>
+              </a:rPr>
               <a:t>config</a:t>
             </a:r>
             <a:r>
-              <a:rPr lang="es-ES" dirty="0"/>
+              <a:rPr lang="es-ES" dirty="0">
+                <a:latin typeface="JetBrains Mono" panose="02000009000000000000" pitchFamily="49" charset="0"/>
+                <a:ea typeface="JetBrains Mono" panose="02000009000000000000" pitchFamily="49" charset="0"/>
+                <a:cs typeface="JetBrains Mono" panose="02000009000000000000" pitchFamily="49" charset="0"/>
+              </a:rPr>
               <a:t> [</a:t>
             </a:r>
             <a:r>
-              <a:rPr lang="es-ES" dirty="0" err="1"/>
+              <a:rPr lang="es-ES" dirty="0" err="1">
+                <a:latin typeface="JetBrains Mono" panose="02000009000000000000" pitchFamily="49" charset="0"/>
+                <a:ea typeface="JetBrains Mono" panose="02000009000000000000" pitchFamily="49" charset="0"/>
+                <a:cs typeface="JetBrains Mono" panose="02000009000000000000" pitchFamily="49" charset="0"/>
+              </a:rPr>
               <a:t>scope</a:t>
             </a:r>
             <a:r>
-              <a:rPr lang="es-ES" dirty="0"/>
+              <a:rPr lang="es-ES" dirty="0">
+                <a:latin typeface="JetBrains Mono" panose="02000009000000000000" pitchFamily="49" charset="0"/>
+                <a:ea typeface="JetBrains Mono" panose="02000009000000000000" pitchFamily="49" charset="0"/>
+                <a:cs typeface="JetBrains Mono" panose="02000009000000000000" pitchFamily="49" charset="0"/>
+              </a:rPr>
               <a:t>] </a:t>
             </a:r>
             <a:r>
-              <a:rPr lang="es-ES" dirty="0" err="1"/>
+              <a:rPr lang="es-ES" dirty="0" err="1">
+                <a:latin typeface="JetBrains Mono" panose="02000009000000000000" pitchFamily="49" charset="0"/>
+                <a:ea typeface="JetBrains Mono" panose="02000009000000000000" pitchFamily="49" charset="0"/>
+                <a:cs typeface="JetBrains Mono" panose="02000009000000000000" pitchFamily="49" charset="0"/>
+              </a:rPr>
               <a:t>rerere.enabled</a:t>
             </a:r>
             <a:r>
-              <a:rPr lang="es-ES" dirty="0"/>
+              <a:rPr lang="es-ES" dirty="0">
+                <a:latin typeface="JetBrains Mono" panose="02000009000000000000" pitchFamily="49" charset="0"/>
+                <a:ea typeface="JetBrains Mono" panose="02000009000000000000" pitchFamily="49" charset="0"/>
+                <a:cs typeface="JetBrains Mono" panose="02000009000000000000" pitchFamily="49" charset="0"/>
+              </a:rPr>
               <a:t> true</a:t>
             </a:r>
           </a:p>
@@ -5862,35 +5932,67 @@
               <a:buNone/>
             </a:pPr>
             <a:r>
-              <a:rPr lang="es-ES" dirty="0" err="1"/>
+              <a:rPr lang="es-ES" dirty="0" err="1">
+                <a:latin typeface="JetBrains Mono" panose="02000009000000000000" pitchFamily="49" charset="0"/>
+                <a:ea typeface="JetBrains Mono" panose="02000009000000000000" pitchFamily="49" charset="0"/>
+                <a:cs typeface="JetBrains Mono" panose="02000009000000000000" pitchFamily="49" charset="0"/>
+              </a:rPr>
               <a:t>git</a:t>
             </a:r>
             <a:r>
-              <a:rPr lang="es-ES" dirty="0"/>
+              <a:rPr lang="es-ES" dirty="0">
+                <a:latin typeface="JetBrains Mono" panose="02000009000000000000" pitchFamily="49" charset="0"/>
+                <a:ea typeface="JetBrains Mono" panose="02000009000000000000" pitchFamily="49" charset="0"/>
+                <a:cs typeface="JetBrains Mono" panose="02000009000000000000" pitchFamily="49" charset="0"/>
+              </a:rPr>
               <a:t> </a:t>
             </a:r>
             <a:r>
-              <a:rPr lang="es-ES" dirty="0" err="1"/>
+              <a:rPr lang="es-ES" dirty="0" err="1">
+                <a:latin typeface="JetBrains Mono" panose="02000009000000000000" pitchFamily="49" charset="0"/>
+                <a:ea typeface="JetBrains Mono" panose="02000009000000000000" pitchFamily="49" charset="0"/>
+                <a:cs typeface="JetBrains Mono" panose="02000009000000000000" pitchFamily="49" charset="0"/>
+              </a:rPr>
               <a:t>config</a:t>
             </a:r>
             <a:r>
-              <a:rPr lang="es-ES" dirty="0"/>
+              <a:rPr lang="es-ES" dirty="0">
+                <a:latin typeface="JetBrains Mono" panose="02000009000000000000" pitchFamily="49" charset="0"/>
+                <a:ea typeface="JetBrains Mono" panose="02000009000000000000" pitchFamily="49" charset="0"/>
+                <a:cs typeface="JetBrains Mono" panose="02000009000000000000" pitchFamily="49" charset="0"/>
+              </a:rPr>
               <a:t> [</a:t>
             </a:r>
             <a:r>
-              <a:rPr lang="es-ES" dirty="0" err="1"/>
+              <a:rPr lang="es-ES" dirty="0" err="1">
+                <a:latin typeface="JetBrains Mono" panose="02000009000000000000" pitchFamily="49" charset="0"/>
+                <a:ea typeface="JetBrains Mono" panose="02000009000000000000" pitchFamily="49" charset="0"/>
+                <a:cs typeface="JetBrains Mono" panose="02000009000000000000" pitchFamily="49" charset="0"/>
+              </a:rPr>
               <a:t>scope</a:t>
             </a:r>
             <a:r>
-              <a:rPr lang="es-ES" dirty="0"/>
+              <a:rPr lang="es-ES" dirty="0">
+                <a:latin typeface="JetBrains Mono" panose="02000009000000000000" pitchFamily="49" charset="0"/>
+                <a:ea typeface="JetBrains Mono" panose="02000009000000000000" pitchFamily="49" charset="0"/>
+                <a:cs typeface="JetBrains Mono" panose="02000009000000000000" pitchFamily="49" charset="0"/>
+              </a:rPr>
               <a:t>] </a:t>
             </a:r>
             <a:r>
-              <a:rPr lang="es-ES" dirty="0" err="1"/>
+              <a:rPr lang="es-ES" dirty="0" err="1">
+                <a:latin typeface="JetBrains Mono" panose="02000009000000000000" pitchFamily="49" charset="0"/>
+                <a:ea typeface="JetBrains Mono" panose="02000009000000000000" pitchFamily="49" charset="0"/>
+                <a:cs typeface="JetBrains Mono" panose="02000009000000000000" pitchFamily="49" charset="0"/>
+              </a:rPr>
               <a:t>rerere.enabled</a:t>
             </a:r>
             <a:r>
-              <a:rPr lang="es-ES" dirty="0"/>
+              <a:rPr lang="es-ES" dirty="0">
+                <a:latin typeface="JetBrains Mono" panose="02000009000000000000" pitchFamily="49" charset="0"/>
+                <a:ea typeface="JetBrains Mono" panose="02000009000000000000" pitchFamily="49" charset="0"/>
+                <a:cs typeface="JetBrains Mono" panose="02000009000000000000" pitchFamily="49" charset="0"/>
+              </a:rPr>
               <a:t> true</a:t>
             </a:r>
           </a:p>
@@ -8065,7 +8167,7 @@
           <p:cNvPr id="2" name="Título 1">
             <a:extLst>
               <a:ext uri="{FF2B5EF4-FFF2-40B4-BE49-F238E27FC236}">
-                <a16:creationId xmlns:a16="http://schemas.microsoft.com/office/drawing/2014/main" id="{9430078E-8338-90B8-6057-E08D10AFF566}"/>
+                <a16:creationId xmlns:a16="http://schemas.microsoft.com/office/drawing/2014/main" id="{D93E08D5-CBDE-BFA0-5BAE-3F40E5BA1E62}"/>
               </a:ext>
             </a:extLst>
           </p:cNvPr>
@@ -8083,8 +8185,13 @@
           <a:p>
             <a:r>
               <a:rPr lang="es-ES" dirty="0"/>
-              <a:t>02 puntero (HEAD)</a:t>
-            </a:r>
+              <a:t>01 </a:t>
+            </a:r>
+            <a:r>
+              <a:rPr lang="es-ES" dirty="0" err="1"/>
+              <a:t>commit</a:t>
+            </a:r>
+            <a:endParaRPr lang="es-ES" dirty="0"/>
           </a:p>
         </p:txBody>
       </p:sp>
@@ -8093,7 +8200,7 @@
           <p:cNvPr id="3" name="Marcador de contenido 2">
             <a:extLst>
               <a:ext uri="{FF2B5EF4-FFF2-40B4-BE49-F238E27FC236}">
-                <a16:creationId xmlns:a16="http://schemas.microsoft.com/office/drawing/2014/main" id="{69CA4132-0850-71E5-D4BD-A5036F4249F6}"/>
+                <a16:creationId xmlns:a16="http://schemas.microsoft.com/office/drawing/2014/main" id="{2B3BD645-7BEC-6A7B-AE93-6C11F3A6ADF6}"/>
               </a:ext>
             </a:extLst>
           </p:cNvPr>
@@ -8109,14 +8216,24 @@
           <a:bodyPr/>
           <a:lstStyle/>
           <a:p>
-            <a:endParaRPr lang="es-ES"/>
+            <a:pPr marL="0" indent="0">
+              <a:buNone/>
+            </a:pPr>
+            <a:r>
+              <a:rPr lang="es-ES" dirty="0" err="1"/>
+              <a:t>Commits</a:t>
+            </a:r>
+            <a:r>
+              <a:rPr lang="es-ES" dirty="0"/>
+              <a:t> semánticos</a:t>
+            </a:r>
           </a:p>
         </p:txBody>
       </p:sp>
     </p:spTree>
     <p:extLst>
       <p:ext uri="{BB962C8B-B14F-4D97-AF65-F5344CB8AC3E}">
-        <p14:creationId xmlns:p14="http://schemas.microsoft.com/office/powerpoint/2010/main" val="647390302"/>
+        <p14:creationId xmlns:p14="http://schemas.microsoft.com/office/powerpoint/2010/main" val="1979518532"/>
       </p:ext>
     </p:extLst>
   </p:cSld>
@@ -8148,7 +8265,7 @@
           <p:cNvPr id="2" name="Título 1">
             <a:extLst>
               <a:ext uri="{FF2B5EF4-FFF2-40B4-BE49-F238E27FC236}">
-                <a16:creationId xmlns:a16="http://schemas.microsoft.com/office/drawing/2014/main" id="{CEC7EF3C-67D3-5A6A-6E84-6D63E39D7DF9}"/>
+                <a16:creationId xmlns:a16="http://schemas.microsoft.com/office/drawing/2014/main" id="{9430078E-8338-90B8-6057-E08D10AFF566}"/>
               </a:ext>
             </a:extLst>
           </p:cNvPr>
@@ -8166,7 +8283,7 @@
           <a:p>
             <a:r>
               <a:rPr lang="es-ES" dirty="0"/>
-              <a:t>03 movimiento</a:t>
+              <a:t>02 puntero (HEAD)</a:t>
             </a:r>
           </a:p>
         </p:txBody>
@@ -8176,7 +8293,7 @@
           <p:cNvPr id="3" name="Marcador de contenido 2">
             <a:extLst>
               <a:ext uri="{FF2B5EF4-FFF2-40B4-BE49-F238E27FC236}">
-                <a16:creationId xmlns:a16="http://schemas.microsoft.com/office/drawing/2014/main" id="{DF74B432-A865-257A-55FF-E68C9417FDE6}"/>
+                <a16:creationId xmlns:a16="http://schemas.microsoft.com/office/drawing/2014/main" id="{69CA4132-0850-71E5-D4BD-A5036F4249F6}"/>
               </a:ext>
             </a:extLst>
           </p:cNvPr>
@@ -8199,7 +8316,7 @@
     </p:spTree>
     <p:extLst>
       <p:ext uri="{BB962C8B-B14F-4D97-AF65-F5344CB8AC3E}">
-        <p14:creationId xmlns:p14="http://schemas.microsoft.com/office/powerpoint/2010/main" val="1186539010"/>
+        <p14:creationId xmlns:p14="http://schemas.microsoft.com/office/powerpoint/2010/main" val="647390302"/>
       </p:ext>
     </p:extLst>
   </p:cSld>
@@ -8228,10 +8345,10 @@
       </p:grpSpPr>
       <p:sp>
         <p:nvSpPr>
-          <p:cNvPr id="4" name="Título 3">
-            <a:extLst>
-              <a:ext uri="{FF2B5EF4-FFF2-40B4-BE49-F238E27FC236}">
-                <a16:creationId xmlns:a16="http://schemas.microsoft.com/office/drawing/2014/main" id="{6368BCFD-3DDA-008F-ABD9-B8A0FE7F8A10}"/>
+          <p:cNvPr id="2" name="Título 1">
+            <a:extLst>
+              <a:ext uri="{FF2B5EF4-FFF2-40B4-BE49-F238E27FC236}">
+                <a16:creationId xmlns:a16="http://schemas.microsoft.com/office/drawing/2014/main" id="{CEC7EF3C-67D3-5A6A-6E84-6D63E39D7DF9}"/>
               </a:ext>
             </a:extLst>
           </p:cNvPr>
@@ -8249,25 +8366,25 @@
           <a:p>
             <a:r>
               <a:rPr lang="es-ES" dirty="0"/>
-              <a:t>ramas y movimientos</a:t>
-            </a:r>
-          </a:p>
-        </p:txBody>
-      </p:sp>
-      <p:sp>
-        <p:nvSpPr>
-          <p:cNvPr id="5" name="Marcador de texto 4">
-            <a:extLst>
-              <a:ext uri="{FF2B5EF4-FFF2-40B4-BE49-F238E27FC236}">
-                <a16:creationId xmlns:a16="http://schemas.microsoft.com/office/drawing/2014/main" id="{FC10CEA5-03D8-6473-263D-B1A30B2DB4E2}"/>
-              </a:ext>
-            </a:extLst>
-          </p:cNvPr>
-          <p:cNvSpPr>
-            <a:spLocks noGrp="1"/>
-          </p:cNvSpPr>
-          <p:nvPr>
-            <p:ph type="body" idx="1"/>
+              <a:t>03 movimiento</a:t>
+            </a:r>
+          </a:p>
+        </p:txBody>
+      </p:sp>
+      <p:sp>
+        <p:nvSpPr>
+          <p:cNvPr id="3" name="Marcador de contenido 2">
+            <a:extLst>
+              <a:ext uri="{FF2B5EF4-FFF2-40B4-BE49-F238E27FC236}">
+                <a16:creationId xmlns:a16="http://schemas.microsoft.com/office/drawing/2014/main" id="{DF74B432-A865-257A-55FF-E68C9417FDE6}"/>
+              </a:ext>
+            </a:extLst>
+          </p:cNvPr>
+          <p:cNvSpPr>
+            <a:spLocks noGrp="1"/>
+          </p:cNvSpPr>
+          <p:nvPr>
+            <p:ph idx="1"/>
           </p:nvPr>
         </p:nvSpPr>
         <p:spPr/>
@@ -8282,7 +8399,7 @@
     </p:spTree>
     <p:extLst>
       <p:ext uri="{BB962C8B-B14F-4D97-AF65-F5344CB8AC3E}">
-        <p14:creationId xmlns:p14="http://schemas.microsoft.com/office/powerpoint/2010/main" val="435556102"/>
+        <p14:creationId xmlns:p14="http://schemas.microsoft.com/office/powerpoint/2010/main" val="1186539010"/>
       </p:ext>
     </p:extLst>
   </p:cSld>
@@ -8627,6 +8744,89 @@
       </p:grpSpPr>
       <p:sp>
         <p:nvSpPr>
+          <p:cNvPr id="4" name="Título 3">
+            <a:extLst>
+              <a:ext uri="{FF2B5EF4-FFF2-40B4-BE49-F238E27FC236}">
+                <a16:creationId xmlns:a16="http://schemas.microsoft.com/office/drawing/2014/main" id="{6368BCFD-3DDA-008F-ABD9-B8A0FE7F8A10}"/>
+              </a:ext>
+            </a:extLst>
+          </p:cNvPr>
+          <p:cNvSpPr>
+            <a:spLocks noGrp="1"/>
+          </p:cNvSpPr>
+          <p:nvPr>
+            <p:ph type="title"/>
+          </p:nvPr>
+        </p:nvSpPr>
+        <p:spPr/>
+        <p:txBody>
+          <a:bodyPr/>
+          <a:lstStyle/>
+          <a:p>
+            <a:r>
+              <a:rPr lang="es-ES" dirty="0"/>
+              <a:t>ramas y movimientos</a:t>
+            </a:r>
+          </a:p>
+        </p:txBody>
+      </p:sp>
+      <p:sp>
+        <p:nvSpPr>
+          <p:cNvPr id="5" name="Marcador de texto 4">
+            <a:extLst>
+              <a:ext uri="{FF2B5EF4-FFF2-40B4-BE49-F238E27FC236}">
+                <a16:creationId xmlns:a16="http://schemas.microsoft.com/office/drawing/2014/main" id="{FC10CEA5-03D8-6473-263D-B1A30B2DB4E2}"/>
+              </a:ext>
+            </a:extLst>
+          </p:cNvPr>
+          <p:cNvSpPr>
+            <a:spLocks noGrp="1"/>
+          </p:cNvSpPr>
+          <p:nvPr>
+            <p:ph type="body" idx="1"/>
+          </p:nvPr>
+        </p:nvSpPr>
+        <p:spPr/>
+        <p:txBody>
+          <a:bodyPr/>
+          <a:lstStyle/>
+          <a:p>
+            <a:endParaRPr lang="es-ES"/>
+          </a:p>
+        </p:txBody>
+      </p:sp>
+    </p:spTree>
+    <p:extLst>
+      <p:ext uri="{BB962C8B-B14F-4D97-AF65-F5344CB8AC3E}">
+        <p14:creationId xmlns:p14="http://schemas.microsoft.com/office/powerpoint/2010/main" val="435556102"/>
+      </p:ext>
+    </p:extLst>
+  </p:cSld>
+  <p:clrMapOvr>
+    <a:masterClrMapping/>
+  </p:clrMapOvr>
+</p:sld>
+</file>
+
+<file path=ppt/slides/slide31.xml><?xml version="1.0" encoding="utf-8"?>
+<p:sld xmlns:a="http://schemas.openxmlformats.org/drawingml/2006/main" xmlns:r="http://schemas.openxmlformats.org/officeDocument/2006/relationships" xmlns:p="http://schemas.openxmlformats.org/presentationml/2006/main">
+  <p:cSld>
+    <p:spTree>
+      <p:nvGrpSpPr>
+        <p:cNvPr id="1" name=""/>
+        <p:cNvGrpSpPr/>
+        <p:nvPr/>
+      </p:nvGrpSpPr>
+      <p:grpSpPr>
+        <a:xfrm>
+          <a:off x="0" y="0"/>
+          <a:ext cx="0" cy="0"/>
+          <a:chOff x="0" y="0"/>
+          <a:chExt cx="0" cy="0"/>
+        </a:xfrm>
+      </p:grpSpPr>
+      <p:sp>
+        <p:nvSpPr>
           <p:cNvPr id="13" name="Rectángulo 12">
             <a:extLst>
               <a:ext uri="{FF2B5EF4-FFF2-40B4-BE49-F238E27FC236}">
@@ -9138,89 +9338,6 @@
 </p:sld>
 </file>
 
-<file path=ppt/slides/slide31.xml><?xml version="1.0" encoding="utf-8"?>
-<p:sld xmlns:a="http://schemas.openxmlformats.org/drawingml/2006/main" xmlns:r="http://schemas.openxmlformats.org/officeDocument/2006/relationships" xmlns:p="http://schemas.openxmlformats.org/presentationml/2006/main">
-  <p:cSld>
-    <p:spTree>
-      <p:nvGrpSpPr>
-        <p:cNvPr id="1" name=""/>
-        <p:cNvGrpSpPr/>
-        <p:nvPr/>
-      </p:nvGrpSpPr>
-      <p:grpSpPr>
-        <a:xfrm>
-          <a:off x="0" y="0"/>
-          <a:ext cx="0" cy="0"/>
-          <a:chOff x="0" y="0"/>
-          <a:chExt cx="0" cy="0"/>
-        </a:xfrm>
-      </p:grpSpPr>
-      <p:sp>
-        <p:nvSpPr>
-          <p:cNvPr id="2" name="Título 1">
-            <a:extLst>
-              <a:ext uri="{FF2B5EF4-FFF2-40B4-BE49-F238E27FC236}">
-                <a16:creationId xmlns:a16="http://schemas.microsoft.com/office/drawing/2014/main" id="{3957B47F-D6D3-D4A0-D77C-1C86F6793017}"/>
-              </a:ext>
-            </a:extLst>
-          </p:cNvPr>
-          <p:cNvSpPr>
-            <a:spLocks noGrp="1"/>
-          </p:cNvSpPr>
-          <p:nvPr>
-            <p:ph type="title"/>
-          </p:nvPr>
-        </p:nvSpPr>
-        <p:spPr/>
-        <p:txBody>
-          <a:bodyPr/>
-          <a:lstStyle/>
-          <a:p>
-            <a:r>
-              <a:rPr lang="es-ES" dirty="0"/>
-              <a:t>01 ramas</a:t>
-            </a:r>
-          </a:p>
-        </p:txBody>
-      </p:sp>
-      <p:sp>
-        <p:nvSpPr>
-          <p:cNvPr id="3" name="Marcador de contenido 2">
-            <a:extLst>
-              <a:ext uri="{FF2B5EF4-FFF2-40B4-BE49-F238E27FC236}">
-                <a16:creationId xmlns:a16="http://schemas.microsoft.com/office/drawing/2014/main" id="{F3FC3CBE-B84F-1FAF-EFFD-FC74C2390B41}"/>
-              </a:ext>
-            </a:extLst>
-          </p:cNvPr>
-          <p:cNvSpPr>
-            <a:spLocks noGrp="1"/>
-          </p:cNvSpPr>
-          <p:nvPr>
-            <p:ph idx="1"/>
-          </p:nvPr>
-        </p:nvSpPr>
-        <p:spPr/>
-        <p:txBody>
-          <a:bodyPr/>
-          <a:lstStyle/>
-          <a:p>
-            <a:endParaRPr lang="es-ES"/>
-          </a:p>
-        </p:txBody>
-      </p:sp>
-    </p:spTree>
-    <p:extLst>
-      <p:ext uri="{BB962C8B-B14F-4D97-AF65-F5344CB8AC3E}">
-        <p14:creationId xmlns:p14="http://schemas.microsoft.com/office/powerpoint/2010/main" val="662518184"/>
-      </p:ext>
-    </p:extLst>
-  </p:cSld>
-  <p:clrMapOvr>
-    <a:masterClrMapping/>
-  </p:clrMapOvr>
-</p:sld>
-</file>
-
 <file path=ppt/slides/slide32.xml><?xml version="1.0" encoding="utf-8"?>
 <p:sld xmlns:a="http://schemas.openxmlformats.org/drawingml/2006/main" xmlns:r="http://schemas.openxmlformats.org/officeDocument/2006/relationships" xmlns:p="http://schemas.openxmlformats.org/presentationml/2006/main">
   <p:cSld>
@@ -9243,7 +9360,7 @@
           <p:cNvPr id="2" name="Título 1">
             <a:extLst>
               <a:ext uri="{FF2B5EF4-FFF2-40B4-BE49-F238E27FC236}">
-                <a16:creationId xmlns:a16="http://schemas.microsoft.com/office/drawing/2014/main" id="{64B57F69-6BCF-7B40-C644-EFADE679B0C1}"/>
+                <a16:creationId xmlns:a16="http://schemas.microsoft.com/office/drawing/2014/main" id="{3957B47F-D6D3-D4A0-D77C-1C86F6793017}"/>
               </a:ext>
             </a:extLst>
           </p:cNvPr>
@@ -9271,7 +9388,7 @@
           <p:cNvPr id="3" name="Marcador de contenido 2">
             <a:extLst>
               <a:ext uri="{FF2B5EF4-FFF2-40B4-BE49-F238E27FC236}">
-                <a16:creationId xmlns:a16="http://schemas.microsoft.com/office/drawing/2014/main" id="{668874AD-38E5-F2FD-08AB-15DB1A08DDB2}"/>
+                <a16:creationId xmlns:a16="http://schemas.microsoft.com/office/drawing/2014/main" id="{F3FC3CBE-B84F-1FAF-EFFD-FC74C2390B41}"/>
               </a:ext>
             </a:extLst>
           </p:cNvPr>
@@ -9287,20 +9404,14 @@
           <a:bodyPr/>
           <a:lstStyle/>
           <a:p>
-            <a:pPr marL="0" indent="0">
-              <a:buNone/>
-            </a:pPr>
-            <a:r>
-              <a:rPr lang="es-ES" dirty="0"/>
-              <a:t>Cómo crearlas</a:t>
-            </a:r>
+            <a:endParaRPr lang="es-ES"/>
           </a:p>
         </p:txBody>
       </p:sp>
     </p:spTree>
     <p:extLst>
       <p:ext uri="{BB962C8B-B14F-4D97-AF65-F5344CB8AC3E}">
-        <p14:creationId xmlns:p14="http://schemas.microsoft.com/office/powerpoint/2010/main" val="1275383212"/>
+        <p14:creationId xmlns:p14="http://schemas.microsoft.com/office/powerpoint/2010/main" val="662518184"/>
       </p:ext>
     </p:extLst>
   </p:cSld>
@@ -9332,7 +9443,7 @@
           <p:cNvPr id="2" name="Título 1">
             <a:extLst>
               <a:ext uri="{FF2B5EF4-FFF2-40B4-BE49-F238E27FC236}">
-                <a16:creationId xmlns:a16="http://schemas.microsoft.com/office/drawing/2014/main" id="{6100218B-20B9-1CD4-7E59-78122AD2AFA7}"/>
+                <a16:creationId xmlns:a16="http://schemas.microsoft.com/office/drawing/2014/main" id="{64B57F69-6BCF-7B40-C644-EFADE679B0C1}"/>
               </a:ext>
             </a:extLst>
           </p:cNvPr>
@@ -9360,7 +9471,7 @@
           <p:cNvPr id="3" name="Marcador de contenido 2">
             <a:extLst>
               <a:ext uri="{FF2B5EF4-FFF2-40B4-BE49-F238E27FC236}">
-                <a16:creationId xmlns:a16="http://schemas.microsoft.com/office/drawing/2014/main" id="{6076ED76-BD9A-FAB2-B71F-AD229423D0F8}"/>
+                <a16:creationId xmlns:a16="http://schemas.microsoft.com/office/drawing/2014/main" id="{668874AD-38E5-F2FD-08AB-15DB1A08DDB2}"/>
               </a:ext>
             </a:extLst>
           </p:cNvPr>
@@ -9381,7 +9492,7 @@
             </a:pPr>
             <a:r>
               <a:rPr lang="es-ES" dirty="0"/>
-              <a:t>Cómo eliminarlas</a:t>
+              <a:t>Cómo crearlas</a:t>
             </a:r>
           </a:p>
         </p:txBody>
@@ -9389,7 +9500,7 @@
     </p:spTree>
     <p:extLst>
       <p:ext uri="{BB962C8B-B14F-4D97-AF65-F5344CB8AC3E}">
-        <p14:creationId xmlns:p14="http://schemas.microsoft.com/office/powerpoint/2010/main" val="3348922251"/>
+        <p14:creationId xmlns:p14="http://schemas.microsoft.com/office/powerpoint/2010/main" val="1275383212"/>
       </p:ext>
     </p:extLst>
   </p:cSld>
@@ -9421,7 +9532,7 @@
           <p:cNvPr id="2" name="Título 1">
             <a:extLst>
               <a:ext uri="{FF2B5EF4-FFF2-40B4-BE49-F238E27FC236}">
-                <a16:creationId xmlns:a16="http://schemas.microsoft.com/office/drawing/2014/main" id="{2D0C623B-44CE-1D94-68E6-E9D92E3C1E4F}"/>
+                <a16:creationId xmlns:a16="http://schemas.microsoft.com/office/drawing/2014/main" id="{6100218B-20B9-1CD4-7E59-78122AD2AFA7}"/>
               </a:ext>
             </a:extLst>
           </p:cNvPr>
@@ -9439,7 +9550,7 @@
           <a:p>
             <a:r>
               <a:rPr lang="es-ES" dirty="0"/>
-              <a:t>01,5 ramas huérfanas</a:t>
+              <a:t>01 ramas</a:t>
             </a:r>
           </a:p>
         </p:txBody>
@@ -9449,7 +9560,7 @@
           <p:cNvPr id="3" name="Marcador de contenido 2">
             <a:extLst>
               <a:ext uri="{FF2B5EF4-FFF2-40B4-BE49-F238E27FC236}">
-                <a16:creationId xmlns:a16="http://schemas.microsoft.com/office/drawing/2014/main" id="{1A706015-2A56-9AA3-2FA3-9D91AEA7EBFD}"/>
+                <a16:creationId xmlns:a16="http://schemas.microsoft.com/office/drawing/2014/main" id="{6076ED76-BD9A-FAB2-B71F-AD229423D0F8}"/>
               </a:ext>
             </a:extLst>
           </p:cNvPr>
@@ -9465,14 +9576,20 @@
           <a:bodyPr/>
           <a:lstStyle/>
           <a:p>
-            <a:endParaRPr lang="es-ES"/>
+            <a:pPr marL="0" indent="0">
+              <a:buNone/>
+            </a:pPr>
+            <a:r>
+              <a:rPr lang="es-ES" dirty="0"/>
+              <a:t>Cómo eliminarlas</a:t>
+            </a:r>
           </a:p>
         </p:txBody>
       </p:sp>
     </p:spTree>
     <p:extLst>
       <p:ext uri="{BB962C8B-B14F-4D97-AF65-F5344CB8AC3E}">
-        <p14:creationId xmlns:p14="http://schemas.microsoft.com/office/powerpoint/2010/main" val="99208961"/>
+        <p14:creationId xmlns:p14="http://schemas.microsoft.com/office/powerpoint/2010/main" val="3348922251"/>
       </p:ext>
     </p:extLst>
   </p:cSld>
@@ -9504,7 +9621,7 @@
           <p:cNvPr id="2" name="Título 1">
             <a:extLst>
               <a:ext uri="{FF2B5EF4-FFF2-40B4-BE49-F238E27FC236}">
-                <a16:creationId xmlns:a16="http://schemas.microsoft.com/office/drawing/2014/main" id="{7F41FB62-8F95-3FF1-EF9C-FA34B5FDAC7D}"/>
+                <a16:creationId xmlns:a16="http://schemas.microsoft.com/office/drawing/2014/main" id="{2D0C623B-44CE-1D94-68E6-E9D92E3C1E4F}"/>
               </a:ext>
             </a:extLst>
           </p:cNvPr>
@@ -9522,7 +9639,7 @@
           <a:p>
             <a:r>
               <a:rPr lang="es-ES" dirty="0"/>
-              <a:t>02 movimiento</a:t>
+              <a:t>01,5 ramas huérfanas</a:t>
             </a:r>
           </a:p>
         </p:txBody>
@@ -9532,7 +9649,7 @@
           <p:cNvPr id="3" name="Marcador de contenido 2">
             <a:extLst>
               <a:ext uri="{FF2B5EF4-FFF2-40B4-BE49-F238E27FC236}">
-                <a16:creationId xmlns:a16="http://schemas.microsoft.com/office/drawing/2014/main" id="{52B07F85-91F6-44B1-61E4-645E46FF47A3}"/>
+                <a16:creationId xmlns:a16="http://schemas.microsoft.com/office/drawing/2014/main" id="{1A706015-2A56-9AA3-2FA3-9D91AEA7EBFD}"/>
               </a:ext>
             </a:extLst>
           </p:cNvPr>
@@ -9555,7 +9672,7 @@
     </p:spTree>
     <p:extLst>
       <p:ext uri="{BB962C8B-B14F-4D97-AF65-F5344CB8AC3E}">
-        <p14:creationId xmlns:p14="http://schemas.microsoft.com/office/powerpoint/2010/main" val="1552523445"/>
+        <p14:creationId xmlns:p14="http://schemas.microsoft.com/office/powerpoint/2010/main" val="99208961"/>
       </p:ext>
     </p:extLst>
   </p:cSld>
@@ -9587,7 +9704,7 @@
           <p:cNvPr id="2" name="Título 1">
             <a:extLst>
               <a:ext uri="{FF2B5EF4-FFF2-40B4-BE49-F238E27FC236}">
-                <a16:creationId xmlns:a16="http://schemas.microsoft.com/office/drawing/2014/main" id="{AE7F9722-3421-BA2E-2E63-6F46194C864F}"/>
+                <a16:creationId xmlns:a16="http://schemas.microsoft.com/office/drawing/2014/main" id="{7F41FB62-8F95-3FF1-EF9C-FA34B5FDAC7D}"/>
               </a:ext>
             </a:extLst>
           </p:cNvPr>
@@ -9615,7 +9732,7 @@
           <p:cNvPr id="3" name="Marcador de contenido 2">
             <a:extLst>
               <a:ext uri="{FF2B5EF4-FFF2-40B4-BE49-F238E27FC236}">
-                <a16:creationId xmlns:a16="http://schemas.microsoft.com/office/drawing/2014/main" id="{84FFF846-A9BC-DC96-B345-1361B7B47265}"/>
+                <a16:creationId xmlns:a16="http://schemas.microsoft.com/office/drawing/2014/main" id="{52B07F85-91F6-44B1-61E4-645E46FF47A3}"/>
               </a:ext>
             </a:extLst>
           </p:cNvPr>
@@ -9631,44 +9748,14 @@
           <a:bodyPr/>
           <a:lstStyle/>
           <a:p>
-            <a:pPr marL="0" indent="0">
-              <a:buNone/>
-            </a:pPr>
-            <a:r>
-              <a:rPr lang="es-ES" b="1" dirty="0"/>
-              <a:t>Práctica:</a:t>
-            </a:r>
-            <a:r>
-              <a:rPr lang="es-ES" dirty="0"/>
-              <a:t> </a:t>
-            </a:r>
-            <a:r>
-              <a:rPr lang="es-ES" dirty="0">
-                <a:solidFill>
-                  <a:srgbClr val="80B3FF"/>
-                </a:solidFill>
-                <a:hlinkClick r:id="rId2">
-                  <a:extLst>
-                    <a:ext uri="{A12FA001-AC4F-418D-AE19-62706E023703}">
-                      <ahyp:hlinkClr xmlns:ahyp="http://schemas.microsoft.com/office/drawing/2018/hyperlinkcolor" val="tx"/>
-                    </a:ext>
-                  </a:extLst>
-                </a:hlinkClick>
-              </a:rPr>
-              <a:t>https://learngitbranching.js.org/</a:t>
-            </a:r>
-            <a:endParaRPr lang="es-ES" dirty="0">
-              <a:solidFill>
-                <a:srgbClr val="80B3FF"/>
-              </a:solidFill>
-            </a:endParaRPr>
+            <a:endParaRPr lang="es-ES"/>
           </a:p>
         </p:txBody>
       </p:sp>
     </p:spTree>
     <p:extLst>
       <p:ext uri="{BB962C8B-B14F-4D97-AF65-F5344CB8AC3E}">
-        <p14:creationId xmlns:p14="http://schemas.microsoft.com/office/powerpoint/2010/main" val="608947471"/>
+        <p14:creationId xmlns:p14="http://schemas.microsoft.com/office/powerpoint/2010/main" val="1552523445"/>
       </p:ext>
     </p:extLst>
   </p:cSld>
@@ -9697,6 +9784,119 @@
       </p:grpSpPr>
       <p:sp>
         <p:nvSpPr>
+          <p:cNvPr id="2" name="Título 1">
+            <a:extLst>
+              <a:ext uri="{FF2B5EF4-FFF2-40B4-BE49-F238E27FC236}">
+                <a16:creationId xmlns:a16="http://schemas.microsoft.com/office/drawing/2014/main" id="{AE7F9722-3421-BA2E-2E63-6F46194C864F}"/>
+              </a:ext>
+            </a:extLst>
+          </p:cNvPr>
+          <p:cNvSpPr>
+            <a:spLocks noGrp="1"/>
+          </p:cNvSpPr>
+          <p:nvPr>
+            <p:ph type="title"/>
+          </p:nvPr>
+        </p:nvSpPr>
+        <p:spPr/>
+        <p:txBody>
+          <a:bodyPr/>
+          <a:lstStyle/>
+          <a:p>
+            <a:r>
+              <a:rPr lang="es-ES" dirty="0"/>
+              <a:t>02 movimiento</a:t>
+            </a:r>
+          </a:p>
+        </p:txBody>
+      </p:sp>
+      <p:sp>
+        <p:nvSpPr>
+          <p:cNvPr id="3" name="Marcador de contenido 2">
+            <a:extLst>
+              <a:ext uri="{FF2B5EF4-FFF2-40B4-BE49-F238E27FC236}">
+                <a16:creationId xmlns:a16="http://schemas.microsoft.com/office/drawing/2014/main" id="{84FFF846-A9BC-DC96-B345-1361B7B47265}"/>
+              </a:ext>
+            </a:extLst>
+          </p:cNvPr>
+          <p:cNvSpPr>
+            <a:spLocks noGrp="1"/>
+          </p:cNvSpPr>
+          <p:nvPr>
+            <p:ph idx="1"/>
+          </p:nvPr>
+        </p:nvSpPr>
+        <p:spPr/>
+        <p:txBody>
+          <a:bodyPr/>
+          <a:lstStyle/>
+          <a:p>
+            <a:pPr marL="0" indent="0">
+              <a:buNone/>
+            </a:pPr>
+            <a:r>
+              <a:rPr lang="es-ES" b="1" dirty="0"/>
+              <a:t>Práctica:</a:t>
+            </a:r>
+            <a:r>
+              <a:rPr lang="es-ES" dirty="0"/>
+              <a:t> </a:t>
+            </a:r>
+            <a:r>
+              <a:rPr lang="es-ES" dirty="0">
+                <a:solidFill>
+                  <a:srgbClr val="80B3FF"/>
+                </a:solidFill>
+                <a:hlinkClick r:id="rId2">
+                  <a:extLst>
+                    <a:ext uri="{A12FA001-AC4F-418D-AE19-62706E023703}">
+                      <ahyp:hlinkClr xmlns:ahyp="http://schemas.microsoft.com/office/drawing/2018/hyperlinkcolor" val="tx"/>
+                    </a:ext>
+                  </a:extLst>
+                </a:hlinkClick>
+              </a:rPr>
+              <a:t>https://learngitbranching.js.org/</a:t>
+            </a:r>
+            <a:endParaRPr lang="es-ES" dirty="0">
+              <a:solidFill>
+                <a:srgbClr val="80B3FF"/>
+              </a:solidFill>
+            </a:endParaRPr>
+          </a:p>
+        </p:txBody>
+      </p:sp>
+    </p:spTree>
+    <p:extLst>
+      <p:ext uri="{BB962C8B-B14F-4D97-AF65-F5344CB8AC3E}">
+        <p14:creationId xmlns:p14="http://schemas.microsoft.com/office/powerpoint/2010/main" val="608947471"/>
+      </p:ext>
+    </p:extLst>
+  </p:cSld>
+  <p:clrMapOvr>
+    <a:masterClrMapping/>
+  </p:clrMapOvr>
+</p:sld>
+</file>
+
+<file path=ppt/slides/slide38.xml><?xml version="1.0" encoding="utf-8"?>
+<p:sld xmlns:a="http://schemas.openxmlformats.org/drawingml/2006/main" xmlns:r="http://schemas.openxmlformats.org/officeDocument/2006/relationships" xmlns:p="http://schemas.openxmlformats.org/presentationml/2006/main">
+  <p:cSld>
+    <p:spTree>
+      <p:nvGrpSpPr>
+        <p:cNvPr id="1" name=""/>
+        <p:cNvGrpSpPr/>
+        <p:nvPr/>
+      </p:nvGrpSpPr>
+      <p:grpSpPr>
+        <a:xfrm>
+          <a:off x="0" y="0"/>
+          <a:ext cx="0" cy="0"/>
+          <a:chOff x="0" y="0"/>
+          <a:chExt cx="0" cy="0"/>
+        </a:xfrm>
+      </p:grpSpPr>
+      <p:sp>
+        <p:nvSpPr>
           <p:cNvPr id="4" name="Título 3">
             <a:extLst>
               <a:ext uri="{FF2B5EF4-FFF2-40B4-BE49-F238E27FC236}">
@@ -9765,7 +9965,7 @@
 </p:sld>
 </file>
 
-<file path=ppt/slides/slide38.xml><?xml version="1.0" encoding="utf-8"?>
+<file path=ppt/slides/slide39.xml><?xml version="1.0" encoding="utf-8"?>
 <p:sld xmlns:a="http://schemas.openxmlformats.org/drawingml/2006/main" xmlns:r="http://schemas.openxmlformats.org/officeDocument/2006/relationships" xmlns:p="http://schemas.openxmlformats.org/presentationml/2006/main">
   <p:cSld>
     <p:spTree>
@@ -10308,94 +10508,6 @@
 </p:sld>
 </file>
 
-<file path=ppt/slides/slide39.xml><?xml version="1.0" encoding="utf-8"?>
-<p:sld xmlns:a="http://schemas.openxmlformats.org/drawingml/2006/main" xmlns:r="http://schemas.openxmlformats.org/officeDocument/2006/relationships" xmlns:p="http://schemas.openxmlformats.org/presentationml/2006/main">
-  <p:cSld>
-    <p:spTree>
-      <p:nvGrpSpPr>
-        <p:cNvPr id="1" name=""/>
-        <p:cNvGrpSpPr/>
-        <p:nvPr/>
-      </p:nvGrpSpPr>
-      <p:grpSpPr>
-        <a:xfrm>
-          <a:off x="0" y="0"/>
-          <a:ext cx="0" cy="0"/>
-          <a:chOff x="0" y="0"/>
-          <a:chExt cx="0" cy="0"/>
-        </a:xfrm>
-      </p:grpSpPr>
-      <p:sp>
-        <p:nvSpPr>
-          <p:cNvPr id="2" name="Título 1">
-            <a:extLst>
-              <a:ext uri="{FF2B5EF4-FFF2-40B4-BE49-F238E27FC236}">
-                <a16:creationId xmlns:a16="http://schemas.microsoft.com/office/drawing/2014/main" id="{954D8330-25DB-1D47-5639-92A5820F0378}"/>
-              </a:ext>
-            </a:extLst>
-          </p:cNvPr>
-          <p:cNvSpPr>
-            <a:spLocks noGrp="1"/>
-          </p:cNvSpPr>
-          <p:nvPr>
-            <p:ph type="title"/>
-          </p:nvPr>
-        </p:nvSpPr>
-        <p:spPr/>
-        <p:txBody>
-          <a:bodyPr/>
-          <a:lstStyle/>
-          <a:p>
-            <a:r>
-              <a:rPr lang="es-ES" dirty="0"/>
-              <a:t>01 </a:t>
-            </a:r>
-            <a:r>
-              <a:rPr lang="es-ES" dirty="0" err="1"/>
-              <a:t>merge</a:t>
-            </a:r>
-            <a:endParaRPr lang="es-ES" dirty="0"/>
-          </a:p>
-        </p:txBody>
-      </p:sp>
-      <p:sp>
-        <p:nvSpPr>
-          <p:cNvPr id="3" name="Marcador de contenido 2">
-            <a:extLst>
-              <a:ext uri="{FF2B5EF4-FFF2-40B4-BE49-F238E27FC236}">
-                <a16:creationId xmlns:a16="http://schemas.microsoft.com/office/drawing/2014/main" id="{9A6B4E83-596F-A6CE-C8AE-6A314D0C3CA0}"/>
-              </a:ext>
-            </a:extLst>
-          </p:cNvPr>
-          <p:cNvSpPr>
-            <a:spLocks noGrp="1"/>
-          </p:cNvSpPr>
-          <p:nvPr>
-            <p:ph idx="1"/>
-          </p:nvPr>
-        </p:nvSpPr>
-        <p:spPr/>
-        <p:txBody>
-          <a:bodyPr/>
-          <a:lstStyle/>
-          <a:p>
-            <a:endParaRPr lang="es-ES"/>
-          </a:p>
-        </p:txBody>
-      </p:sp>
-    </p:spTree>
-    <p:extLst>
-      <p:ext uri="{BB962C8B-B14F-4D97-AF65-F5344CB8AC3E}">
-        <p14:creationId xmlns:p14="http://schemas.microsoft.com/office/powerpoint/2010/main" val="2586876609"/>
-      </p:ext>
-    </p:extLst>
-  </p:cSld>
-  <p:clrMapOvr>
-    <a:masterClrMapping/>
-  </p:clrMapOvr>
-</p:sld>
-</file>
-
 <file path=ppt/slides/slide4.xml><?xml version="1.0" encoding="utf-8"?>
 <p:sld xmlns:a="http://schemas.openxmlformats.org/drawingml/2006/main" xmlns:r="http://schemas.openxmlformats.org/officeDocument/2006/relationships" xmlns:p="http://schemas.openxmlformats.org/presentationml/2006/main">
   <p:cSld>
@@ -10501,7 +10613,7 @@
           <p:cNvPr id="2" name="Título 1">
             <a:extLst>
               <a:ext uri="{FF2B5EF4-FFF2-40B4-BE49-F238E27FC236}">
-                <a16:creationId xmlns:a16="http://schemas.microsoft.com/office/drawing/2014/main" id="{5B9E16C9-BB1C-9FAB-F218-69DFCA009840}"/>
+                <a16:creationId xmlns:a16="http://schemas.microsoft.com/office/drawing/2014/main" id="{954D8330-25DB-1D47-5639-92A5820F0378}"/>
               </a:ext>
             </a:extLst>
           </p:cNvPr>
@@ -10519,8 +10631,13 @@
           <a:p>
             <a:r>
               <a:rPr lang="es-ES" dirty="0"/>
-              <a:t>02 rebase</a:t>
-            </a:r>
+              <a:t>01 </a:t>
+            </a:r>
+            <a:r>
+              <a:rPr lang="es-ES" dirty="0" err="1"/>
+              <a:t>merge</a:t>
+            </a:r>
+            <a:endParaRPr lang="es-ES" dirty="0"/>
           </a:p>
         </p:txBody>
       </p:sp>
@@ -10529,7 +10646,7 @@
           <p:cNvPr id="3" name="Marcador de contenido 2">
             <a:extLst>
               <a:ext uri="{FF2B5EF4-FFF2-40B4-BE49-F238E27FC236}">
-                <a16:creationId xmlns:a16="http://schemas.microsoft.com/office/drawing/2014/main" id="{81DBD08B-7D5F-316C-8923-03B8E9E446D8}"/>
+                <a16:creationId xmlns:a16="http://schemas.microsoft.com/office/drawing/2014/main" id="{9A6B4E83-596F-A6CE-C8AE-6A314D0C3CA0}"/>
               </a:ext>
             </a:extLst>
           </p:cNvPr>
@@ -10552,7 +10669,7 @@
     </p:spTree>
     <p:extLst>
       <p:ext uri="{BB962C8B-B14F-4D97-AF65-F5344CB8AC3E}">
-        <p14:creationId xmlns:p14="http://schemas.microsoft.com/office/powerpoint/2010/main" val="3869083706"/>
+        <p14:creationId xmlns:p14="http://schemas.microsoft.com/office/powerpoint/2010/main" val="2586876609"/>
       </p:ext>
     </p:extLst>
   </p:cSld>
@@ -10584,7 +10701,7 @@
           <p:cNvPr id="2" name="Título 1">
             <a:extLst>
               <a:ext uri="{FF2B5EF4-FFF2-40B4-BE49-F238E27FC236}">
-                <a16:creationId xmlns:a16="http://schemas.microsoft.com/office/drawing/2014/main" id="{EB892813-CE23-B706-E1ED-2E08CA9B3036}"/>
+                <a16:creationId xmlns:a16="http://schemas.microsoft.com/office/drawing/2014/main" id="{5B9E16C9-BB1C-9FAB-F218-69DFCA009840}"/>
               </a:ext>
             </a:extLst>
           </p:cNvPr>
@@ -10602,7 +10719,7 @@
           <a:p>
             <a:r>
               <a:rPr lang="es-ES" dirty="0"/>
-              <a:t>03 rebase interactivo</a:t>
+              <a:t>02 rebase</a:t>
             </a:r>
           </a:p>
         </p:txBody>
@@ -10612,7 +10729,7 @@
           <p:cNvPr id="3" name="Marcador de contenido 2">
             <a:extLst>
               <a:ext uri="{FF2B5EF4-FFF2-40B4-BE49-F238E27FC236}">
-                <a16:creationId xmlns:a16="http://schemas.microsoft.com/office/drawing/2014/main" id="{12E26B81-2409-C9E4-799A-298290033D5F}"/>
+                <a16:creationId xmlns:a16="http://schemas.microsoft.com/office/drawing/2014/main" id="{81DBD08B-7D5F-316C-8923-03B8E9E446D8}"/>
               </a:ext>
             </a:extLst>
           </p:cNvPr>
@@ -10635,7 +10752,7 @@
     </p:spTree>
     <p:extLst>
       <p:ext uri="{BB962C8B-B14F-4D97-AF65-F5344CB8AC3E}">
-        <p14:creationId xmlns:p14="http://schemas.microsoft.com/office/powerpoint/2010/main" val="293980382"/>
+        <p14:creationId xmlns:p14="http://schemas.microsoft.com/office/powerpoint/2010/main" val="3869083706"/>
       </p:ext>
     </p:extLst>
   </p:cSld>
@@ -10664,6 +10781,89 @@
       </p:grpSpPr>
       <p:sp>
         <p:nvSpPr>
+          <p:cNvPr id="2" name="Título 1">
+            <a:extLst>
+              <a:ext uri="{FF2B5EF4-FFF2-40B4-BE49-F238E27FC236}">
+                <a16:creationId xmlns:a16="http://schemas.microsoft.com/office/drawing/2014/main" id="{EB892813-CE23-B706-E1ED-2E08CA9B3036}"/>
+              </a:ext>
+            </a:extLst>
+          </p:cNvPr>
+          <p:cNvSpPr>
+            <a:spLocks noGrp="1"/>
+          </p:cNvSpPr>
+          <p:nvPr>
+            <p:ph type="title"/>
+          </p:nvPr>
+        </p:nvSpPr>
+        <p:spPr/>
+        <p:txBody>
+          <a:bodyPr/>
+          <a:lstStyle/>
+          <a:p>
+            <a:r>
+              <a:rPr lang="es-ES" dirty="0"/>
+              <a:t>03 rebase interactivo</a:t>
+            </a:r>
+          </a:p>
+        </p:txBody>
+      </p:sp>
+      <p:sp>
+        <p:nvSpPr>
+          <p:cNvPr id="3" name="Marcador de contenido 2">
+            <a:extLst>
+              <a:ext uri="{FF2B5EF4-FFF2-40B4-BE49-F238E27FC236}">
+                <a16:creationId xmlns:a16="http://schemas.microsoft.com/office/drawing/2014/main" id="{12E26B81-2409-C9E4-799A-298290033D5F}"/>
+              </a:ext>
+            </a:extLst>
+          </p:cNvPr>
+          <p:cNvSpPr>
+            <a:spLocks noGrp="1"/>
+          </p:cNvSpPr>
+          <p:nvPr>
+            <p:ph idx="1"/>
+          </p:nvPr>
+        </p:nvSpPr>
+        <p:spPr/>
+        <p:txBody>
+          <a:bodyPr/>
+          <a:lstStyle/>
+          <a:p>
+            <a:endParaRPr lang="es-ES"/>
+          </a:p>
+        </p:txBody>
+      </p:sp>
+    </p:spTree>
+    <p:extLst>
+      <p:ext uri="{BB962C8B-B14F-4D97-AF65-F5344CB8AC3E}">
+        <p14:creationId xmlns:p14="http://schemas.microsoft.com/office/powerpoint/2010/main" val="293980382"/>
+      </p:ext>
+    </p:extLst>
+  </p:cSld>
+  <p:clrMapOvr>
+    <a:masterClrMapping/>
+  </p:clrMapOvr>
+</p:sld>
+</file>
+
+<file path=ppt/slides/slide43.xml><?xml version="1.0" encoding="utf-8"?>
+<p:sld xmlns:a="http://schemas.openxmlformats.org/drawingml/2006/main" xmlns:r="http://schemas.openxmlformats.org/officeDocument/2006/relationships" xmlns:p="http://schemas.openxmlformats.org/presentationml/2006/main">
+  <p:cSld>
+    <p:spTree>
+      <p:nvGrpSpPr>
+        <p:cNvPr id="1" name=""/>
+        <p:cNvGrpSpPr/>
+        <p:nvPr/>
+      </p:nvGrpSpPr>
+      <p:grpSpPr>
+        <a:xfrm>
+          <a:off x="0" y="0"/>
+          <a:ext cx="0" cy="0"/>
+          <a:chOff x="0" y="0"/>
+          <a:chExt cx="0" cy="0"/>
+        </a:xfrm>
+      </p:grpSpPr>
+      <p:sp>
+        <p:nvSpPr>
           <p:cNvPr id="4" name="Título 3">
             <a:extLst>
               <a:ext uri="{FF2B5EF4-FFF2-40B4-BE49-F238E27FC236}">
@@ -10732,7 +10932,7 @@
 </p:sld>
 </file>
 
-<file path=ppt/slides/slide43.xml><?xml version="1.0" encoding="utf-8"?>
+<file path=ppt/slides/slide44.xml><?xml version="1.0" encoding="utf-8"?>
 <p:sld xmlns:a="http://schemas.openxmlformats.org/drawingml/2006/main" xmlns:r="http://schemas.openxmlformats.org/officeDocument/2006/relationships" xmlns:p="http://schemas.openxmlformats.org/presentationml/2006/main">
   <p:cSld>
     <p:spTree>
@@ -11287,97 +11487,6 @@
 </p:sld>
 </file>
 
-<file path=ppt/slides/slide44.xml><?xml version="1.0" encoding="utf-8"?>
-<p:sld xmlns:a="http://schemas.openxmlformats.org/drawingml/2006/main" xmlns:r="http://schemas.openxmlformats.org/officeDocument/2006/relationships" xmlns:p="http://schemas.openxmlformats.org/presentationml/2006/main">
-  <p:cSld>
-    <p:spTree>
-      <p:nvGrpSpPr>
-        <p:cNvPr id="1" name=""/>
-        <p:cNvGrpSpPr/>
-        <p:nvPr/>
-      </p:nvGrpSpPr>
-      <p:grpSpPr>
-        <a:xfrm>
-          <a:off x="0" y="0"/>
-          <a:ext cx="0" cy="0"/>
-          <a:chOff x="0" y="0"/>
-          <a:chExt cx="0" cy="0"/>
-        </a:xfrm>
-      </p:grpSpPr>
-      <p:sp>
-        <p:nvSpPr>
-          <p:cNvPr id="2" name="Título 1">
-            <a:extLst>
-              <a:ext uri="{FF2B5EF4-FFF2-40B4-BE49-F238E27FC236}">
-                <a16:creationId xmlns:a16="http://schemas.microsoft.com/office/drawing/2014/main" id="{13B70823-78CA-2F8A-2440-EE5141637D1B}"/>
-              </a:ext>
-            </a:extLst>
-          </p:cNvPr>
-          <p:cNvSpPr>
-            <a:spLocks noGrp="1"/>
-          </p:cNvSpPr>
-          <p:nvPr>
-            <p:ph type="title"/>
-          </p:nvPr>
-        </p:nvSpPr>
-        <p:spPr/>
-        <p:txBody>
-          <a:bodyPr/>
-          <a:lstStyle/>
-          <a:p>
-            <a:r>
-              <a:rPr lang="es-ES" dirty="0"/>
-              <a:t>01 </a:t>
-            </a:r>
-            <a:r>
-              <a:rPr lang="es-ES" dirty="0" err="1"/>
-              <a:t>cherry</a:t>
-            </a:r>
-            <a:r>
-              <a:rPr lang="es-ES" dirty="0"/>
-              <a:t>-pick</a:t>
-            </a:r>
-          </a:p>
-        </p:txBody>
-      </p:sp>
-      <p:sp>
-        <p:nvSpPr>
-          <p:cNvPr id="3" name="Marcador de contenido 2">
-            <a:extLst>
-              <a:ext uri="{FF2B5EF4-FFF2-40B4-BE49-F238E27FC236}">
-                <a16:creationId xmlns:a16="http://schemas.microsoft.com/office/drawing/2014/main" id="{50E042CF-CC30-2C17-2047-CFB4777E791D}"/>
-              </a:ext>
-            </a:extLst>
-          </p:cNvPr>
-          <p:cNvSpPr>
-            <a:spLocks noGrp="1"/>
-          </p:cNvSpPr>
-          <p:nvPr>
-            <p:ph idx="1"/>
-          </p:nvPr>
-        </p:nvSpPr>
-        <p:spPr/>
-        <p:txBody>
-          <a:bodyPr/>
-          <a:lstStyle/>
-          <a:p>
-            <a:endParaRPr lang="es-ES"/>
-          </a:p>
-        </p:txBody>
-      </p:sp>
-    </p:spTree>
-    <p:extLst>
-      <p:ext uri="{BB962C8B-B14F-4D97-AF65-F5344CB8AC3E}">
-        <p14:creationId xmlns:p14="http://schemas.microsoft.com/office/powerpoint/2010/main" val="97862118"/>
-      </p:ext>
-    </p:extLst>
-  </p:cSld>
-  <p:clrMapOvr>
-    <a:masterClrMapping/>
-  </p:clrMapOvr>
-</p:sld>
-</file>
-
 <file path=ppt/slides/slide45.xml><?xml version="1.0" encoding="utf-8"?>
 <p:sld xmlns:a="http://schemas.openxmlformats.org/drawingml/2006/main" xmlns:r="http://schemas.openxmlformats.org/officeDocument/2006/relationships" xmlns:p="http://schemas.openxmlformats.org/presentationml/2006/main">
   <p:cSld>
@@ -11400,7 +11509,7 @@
           <p:cNvPr id="2" name="Título 1">
             <a:extLst>
               <a:ext uri="{FF2B5EF4-FFF2-40B4-BE49-F238E27FC236}">
-                <a16:creationId xmlns:a16="http://schemas.microsoft.com/office/drawing/2014/main" id="{B6EB567C-6992-E394-CF7E-D55E400D8F2F}"/>
+                <a16:creationId xmlns:a16="http://schemas.microsoft.com/office/drawing/2014/main" id="{13B70823-78CA-2F8A-2440-EE5141637D1B}"/>
               </a:ext>
             </a:extLst>
           </p:cNvPr>
@@ -11418,13 +11527,16 @@
           <a:p>
             <a:r>
               <a:rPr lang="es-ES" dirty="0"/>
-              <a:t>02 </a:t>
+              <a:t>01 </a:t>
             </a:r>
             <a:r>
               <a:rPr lang="es-ES" dirty="0" err="1"/>
-              <a:t>rev-parse</a:t>
-            </a:r>
-            <a:endParaRPr lang="es-ES" dirty="0"/>
+              <a:t>cherry</a:t>
+            </a:r>
+            <a:r>
+              <a:rPr lang="es-ES" dirty="0"/>
+              <a:t>-pick</a:t>
+            </a:r>
           </a:p>
         </p:txBody>
       </p:sp>
@@ -11433,7 +11545,7 @@
           <p:cNvPr id="3" name="Marcador de contenido 2">
             <a:extLst>
               <a:ext uri="{FF2B5EF4-FFF2-40B4-BE49-F238E27FC236}">
-                <a16:creationId xmlns:a16="http://schemas.microsoft.com/office/drawing/2014/main" id="{7C7C0383-6EB0-AEA8-8BE0-68B8CAF5E8E7}"/>
+                <a16:creationId xmlns:a16="http://schemas.microsoft.com/office/drawing/2014/main" id="{50E042CF-CC30-2C17-2047-CFB4777E791D}"/>
               </a:ext>
             </a:extLst>
           </p:cNvPr>
@@ -11449,14 +11561,14 @@
           <a:bodyPr/>
           <a:lstStyle/>
           <a:p>
-            <a:endParaRPr lang="es-ES" dirty="0"/>
+            <a:endParaRPr lang="es-ES"/>
           </a:p>
         </p:txBody>
       </p:sp>
     </p:spTree>
     <p:extLst>
       <p:ext uri="{BB962C8B-B14F-4D97-AF65-F5344CB8AC3E}">
-        <p14:creationId xmlns:p14="http://schemas.microsoft.com/office/powerpoint/2010/main" val="1976904517"/>
+        <p14:creationId xmlns:p14="http://schemas.microsoft.com/office/powerpoint/2010/main" val="97862118"/>
       </p:ext>
     </p:extLst>
   </p:cSld>
@@ -11485,6 +11597,94 @@
       </p:grpSpPr>
       <p:sp>
         <p:nvSpPr>
+          <p:cNvPr id="2" name="Título 1">
+            <a:extLst>
+              <a:ext uri="{FF2B5EF4-FFF2-40B4-BE49-F238E27FC236}">
+                <a16:creationId xmlns:a16="http://schemas.microsoft.com/office/drawing/2014/main" id="{B6EB567C-6992-E394-CF7E-D55E400D8F2F}"/>
+              </a:ext>
+            </a:extLst>
+          </p:cNvPr>
+          <p:cNvSpPr>
+            <a:spLocks noGrp="1"/>
+          </p:cNvSpPr>
+          <p:nvPr>
+            <p:ph type="title"/>
+          </p:nvPr>
+        </p:nvSpPr>
+        <p:spPr/>
+        <p:txBody>
+          <a:bodyPr/>
+          <a:lstStyle/>
+          <a:p>
+            <a:r>
+              <a:rPr lang="es-ES" dirty="0"/>
+              <a:t>02 </a:t>
+            </a:r>
+            <a:r>
+              <a:rPr lang="es-ES" dirty="0" err="1"/>
+              <a:t>rev-parse</a:t>
+            </a:r>
+            <a:endParaRPr lang="es-ES" dirty="0"/>
+          </a:p>
+        </p:txBody>
+      </p:sp>
+      <p:sp>
+        <p:nvSpPr>
+          <p:cNvPr id="3" name="Marcador de contenido 2">
+            <a:extLst>
+              <a:ext uri="{FF2B5EF4-FFF2-40B4-BE49-F238E27FC236}">
+                <a16:creationId xmlns:a16="http://schemas.microsoft.com/office/drawing/2014/main" id="{7C7C0383-6EB0-AEA8-8BE0-68B8CAF5E8E7}"/>
+              </a:ext>
+            </a:extLst>
+          </p:cNvPr>
+          <p:cNvSpPr>
+            <a:spLocks noGrp="1"/>
+          </p:cNvSpPr>
+          <p:nvPr>
+            <p:ph idx="1"/>
+          </p:nvPr>
+        </p:nvSpPr>
+        <p:spPr/>
+        <p:txBody>
+          <a:bodyPr/>
+          <a:lstStyle/>
+          <a:p>
+            <a:endParaRPr lang="es-ES" dirty="0"/>
+          </a:p>
+        </p:txBody>
+      </p:sp>
+    </p:spTree>
+    <p:extLst>
+      <p:ext uri="{BB962C8B-B14F-4D97-AF65-F5344CB8AC3E}">
+        <p14:creationId xmlns:p14="http://schemas.microsoft.com/office/powerpoint/2010/main" val="1976904517"/>
+      </p:ext>
+    </p:extLst>
+  </p:cSld>
+  <p:clrMapOvr>
+    <a:masterClrMapping/>
+  </p:clrMapOvr>
+</p:sld>
+</file>
+
+<file path=ppt/slides/slide47.xml><?xml version="1.0" encoding="utf-8"?>
+<p:sld xmlns:a="http://schemas.openxmlformats.org/drawingml/2006/main" xmlns:r="http://schemas.openxmlformats.org/officeDocument/2006/relationships" xmlns:p="http://schemas.openxmlformats.org/presentationml/2006/main">
+  <p:cSld>
+    <p:spTree>
+      <p:nvGrpSpPr>
+        <p:cNvPr id="1" name=""/>
+        <p:cNvGrpSpPr/>
+        <p:nvPr/>
+      </p:nvGrpSpPr>
+      <p:grpSpPr>
+        <a:xfrm>
+          <a:off x="0" y="0"/>
+          <a:ext cx="0" cy="0"/>
+          <a:chOff x="0" y="0"/>
+          <a:chExt cx="0" cy="0"/>
+        </a:xfrm>
+      </p:grpSpPr>
+      <p:sp>
+        <p:nvSpPr>
           <p:cNvPr id="4" name="Título 3">
             <a:extLst>
               <a:ext uri="{FF2B5EF4-FFF2-40B4-BE49-F238E27FC236}">
@@ -11549,7 +11749,7 @@
 </p:sld>
 </file>
 
-<file path=ppt/slides/slide47.xml><?xml version="1.0" encoding="utf-8"?>
+<file path=ppt/slides/slide48.xml><?xml version="1.0" encoding="utf-8"?>
 <p:sld xmlns:a="http://schemas.openxmlformats.org/drawingml/2006/main" xmlns:r="http://schemas.openxmlformats.org/officeDocument/2006/relationships" xmlns:p="http://schemas.openxmlformats.org/presentationml/2006/main">
   <p:cSld>
     <p:spTree>
@@ -12079,89 +12279,6 @@
 </p:sld>
 </file>
 
-<file path=ppt/slides/slide48.xml><?xml version="1.0" encoding="utf-8"?>
-<p:sld xmlns:a="http://schemas.openxmlformats.org/drawingml/2006/main" xmlns:r="http://schemas.openxmlformats.org/officeDocument/2006/relationships" xmlns:p="http://schemas.openxmlformats.org/presentationml/2006/main">
-  <p:cSld>
-    <p:spTree>
-      <p:nvGrpSpPr>
-        <p:cNvPr id="1" name=""/>
-        <p:cNvGrpSpPr/>
-        <p:nvPr/>
-      </p:nvGrpSpPr>
-      <p:grpSpPr>
-        <a:xfrm>
-          <a:off x="0" y="0"/>
-          <a:ext cx="0" cy="0"/>
-          <a:chOff x="0" y="0"/>
-          <a:chExt cx="0" cy="0"/>
-        </a:xfrm>
-      </p:grpSpPr>
-      <p:sp>
-        <p:nvSpPr>
-          <p:cNvPr id="4" name="Título 3">
-            <a:extLst>
-              <a:ext uri="{FF2B5EF4-FFF2-40B4-BE49-F238E27FC236}">
-                <a16:creationId xmlns:a16="http://schemas.microsoft.com/office/drawing/2014/main" id="{C2580E75-08F4-A258-A3E3-9A9532DB2FE4}"/>
-              </a:ext>
-            </a:extLst>
-          </p:cNvPr>
-          <p:cNvSpPr>
-            <a:spLocks noGrp="1"/>
-          </p:cNvSpPr>
-          <p:nvPr>
-            <p:ph type="title"/>
-          </p:nvPr>
-        </p:nvSpPr>
-        <p:spPr/>
-        <p:txBody>
-          <a:bodyPr/>
-          <a:lstStyle/>
-          <a:p>
-            <a:r>
-              <a:rPr lang="es-ES" dirty="0"/>
-              <a:t>01 conflicto</a:t>
-            </a:r>
-          </a:p>
-        </p:txBody>
-      </p:sp>
-      <p:sp>
-        <p:nvSpPr>
-          <p:cNvPr id="5" name="Marcador de contenido 4">
-            <a:extLst>
-              <a:ext uri="{FF2B5EF4-FFF2-40B4-BE49-F238E27FC236}">
-                <a16:creationId xmlns:a16="http://schemas.microsoft.com/office/drawing/2014/main" id="{A0017BC6-AC62-374A-0496-1101DA2F0A25}"/>
-              </a:ext>
-            </a:extLst>
-          </p:cNvPr>
-          <p:cNvSpPr>
-            <a:spLocks noGrp="1"/>
-          </p:cNvSpPr>
-          <p:nvPr>
-            <p:ph idx="1"/>
-          </p:nvPr>
-        </p:nvSpPr>
-        <p:spPr/>
-        <p:txBody>
-          <a:bodyPr/>
-          <a:lstStyle/>
-          <a:p>
-            <a:endParaRPr lang="es-ES"/>
-          </a:p>
-        </p:txBody>
-      </p:sp>
-    </p:spTree>
-    <p:extLst>
-      <p:ext uri="{BB962C8B-B14F-4D97-AF65-F5344CB8AC3E}">
-        <p14:creationId xmlns:p14="http://schemas.microsoft.com/office/powerpoint/2010/main" val="2084723107"/>
-      </p:ext>
-    </p:extLst>
-  </p:cSld>
-  <p:clrMapOvr>
-    <a:masterClrMapping/>
-  </p:clrMapOvr>
-</p:sld>
-</file>
-
 <file path=ppt/slides/slide49.xml><?xml version="1.0" encoding="utf-8"?>
 <p:sld xmlns:a="http://schemas.openxmlformats.org/drawingml/2006/main" xmlns:r="http://schemas.openxmlformats.org/officeDocument/2006/relationships" xmlns:p="http://schemas.openxmlformats.org/presentationml/2006/main">
   <p:cSld>
@@ -12181,10 +12298,10 @@
       </p:grpSpPr>
       <p:sp>
         <p:nvSpPr>
-          <p:cNvPr id="2" name="Título 1">
-            <a:extLst>
-              <a:ext uri="{FF2B5EF4-FFF2-40B4-BE49-F238E27FC236}">
-                <a16:creationId xmlns:a16="http://schemas.microsoft.com/office/drawing/2014/main" id="{B672AED2-D5C6-9F3D-BD1A-1ACC61346AFF}"/>
+          <p:cNvPr id="4" name="Título 3">
+            <a:extLst>
+              <a:ext uri="{FF2B5EF4-FFF2-40B4-BE49-F238E27FC236}">
+                <a16:creationId xmlns:a16="http://schemas.microsoft.com/office/drawing/2014/main" id="{C2580E75-08F4-A258-A3E3-9A9532DB2FE4}"/>
               </a:ext>
             </a:extLst>
           </p:cNvPr>
@@ -12202,17 +12319,17 @@
           <a:p>
             <a:r>
               <a:rPr lang="es-ES" dirty="0"/>
-              <a:t>02 resolución</a:t>
-            </a:r>
-          </a:p>
-        </p:txBody>
-      </p:sp>
-      <p:sp>
-        <p:nvSpPr>
-          <p:cNvPr id="3" name="Marcador de contenido 2">
-            <a:extLst>
-              <a:ext uri="{FF2B5EF4-FFF2-40B4-BE49-F238E27FC236}">
-                <a16:creationId xmlns:a16="http://schemas.microsoft.com/office/drawing/2014/main" id="{3CCF8A75-B70D-A3EC-70B2-B5B19C0B7489}"/>
+              <a:t>01 conflicto</a:t>
+            </a:r>
+          </a:p>
+        </p:txBody>
+      </p:sp>
+      <p:sp>
+        <p:nvSpPr>
+          <p:cNvPr id="5" name="Marcador de contenido 4">
+            <a:extLst>
+              <a:ext uri="{FF2B5EF4-FFF2-40B4-BE49-F238E27FC236}">
+                <a16:creationId xmlns:a16="http://schemas.microsoft.com/office/drawing/2014/main" id="{A0017BC6-AC62-374A-0496-1101DA2F0A25}"/>
               </a:ext>
             </a:extLst>
           </p:cNvPr>
@@ -12235,7 +12352,7 @@
     </p:spTree>
     <p:extLst>
       <p:ext uri="{BB962C8B-B14F-4D97-AF65-F5344CB8AC3E}">
-        <p14:creationId xmlns:p14="http://schemas.microsoft.com/office/powerpoint/2010/main" val="4007085675"/>
+        <p14:creationId xmlns:p14="http://schemas.microsoft.com/office/powerpoint/2010/main" val="2084723107"/>
       </p:ext>
     </p:extLst>
   </p:cSld>
@@ -12803,6 +12920,89 @@
       </p:grpSpPr>
       <p:sp>
         <p:nvSpPr>
+          <p:cNvPr id="2" name="Título 1">
+            <a:extLst>
+              <a:ext uri="{FF2B5EF4-FFF2-40B4-BE49-F238E27FC236}">
+                <a16:creationId xmlns:a16="http://schemas.microsoft.com/office/drawing/2014/main" id="{B672AED2-D5C6-9F3D-BD1A-1ACC61346AFF}"/>
+              </a:ext>
+            </a:extLst>
+          </p:cNvPr>
+          <p:cNvSpPr>
+            <a:spLocks noGrp="1"/>
+          </p:cNvSpPr>
+          <p:nvPr>
+            <p:ph type="title"/>
+          </p:nvPr>
+        </p:nvSpPr>
+        <p:spPr/>
+        <p:txBody>
+          <a:bodyPr/>
+          <a:lstStyle/>
+          <a:p>
+            <a:r>
+              <a:rPr lang="es-ES" dirty="0"/>
+              <a:t>02 resolución</a:t>
+            </a:r>
+          </a:p>
+        </p:txBody>
+      </p:sp>
+      <p:sp>
+        <p:nvSpPr>
+          <p:cNvPr id="3" name="Marcador de contenido 2">
+            <a:extLst>
+              <a:ext uri="{FF2B5EF4-FFF2-40B4-BE49-F238E27FC236}">
+                <a16:creationId xmlns:a16="http://schemas.microsoft.com/office/drawing/2014/main" id="{3CCF8A75-B70D-A3EC-70B2-B5B19C0B7489}"/>
+              </a:ext>
+            </a:extLst>
+          </p:cNvPr>
+          <p:cNvSpPr>
+            <a:spLocks noGrp="1"/>
+          </p:cNvSpPr>
+          <p:nvPr>
+            <p:ph idx="1"/>
+          </p:nvPr>
+        </p:nvSpPr>
+        <p:spPr/>
+        <p:txBody>
+          <a:bodyPr/>
+          <a:lstStyle/>
+          <a:p>
+            <a:endParaRPr lang="es-ES"/>
+          </a:p>
+        </p:txBody>
+      </p:sp>
+    </p:spTree>
+    <p:extLst>
+      <p:ext uri="{BB962C8B-B14F-4D97-AF65-F5344CB8AC3E}">
+        <p14:creationId xmlns:p14="http://schemas.microsoft.com/office/powerpoint/2010/main" val="4007085675"/>
+      </p:ext>
+    </p:extLst>
+  </p:cSld>
+  <p:clrMapOvr>
+    <a:masterClrMapping/>
+  </p:clrMapOvr>
+</p:sld>
+</file>
+
+<file path=ppt/slides/slide51.xml><?xml version="1.0" encoding="utf-8"?>
+<p:sld xmlns:a="http://schemas.openxmlformats.org/drawingml/2006/main" xmlns:r="http://schemas.openxmlformats.org/officeDocument/2006/relationships" xmlns:p="http://schemas.openxmlformats.org/presentationml/2006/main">
+  <p:cSld>
+    <p:spTree>
+      <p:nvGrpSpPr>
+        <p:cNvPr id="1" name=""/>
+        <p:cNvGrpSpPr/>
+        <p:nvPr/>
+      </p:nvGrpSpPr>
+      <p:grpSpPr>
+        <a:xfrm>
+          <a:off x="0" y="0"/>
+          <a:ext cx="0" cy="0"/>
+          <a:chOff x="0" y="0"/>
+          <a:chExt cx="0" cy="0"/>
+        </a:xfrm>
+      </p:grpSpPr>
+      <p:sp>
+        <p:nvSpPr>
           <p:cNvPr id="4" name="Título 3">
             <a:extLst>
               <a:ext uri="{FF2B5EF4-FFF2-40B4-BE49-F238E27FC236}">
@@ -12876,7 +13076,7 @@
 </p:sld>
 </file>
 
-<file path=ppt/slides/slide51.xml><?xml version="1.0" encoding="utf-8"?>
+<file path=ppt/slides/slide52.xml><?xml version="1.0" encoding="utf-8"?>
 <p:sld xmlns:a="http://schemas.openxmlformats.org/drawingml/2006/main" xmlns:r="http://schemas.openxmlformats.org/officeDocument/2006/relationships" xmlns:p="http://schemas.openxmlformats.org/presentationml/2006/main">
   <p:cSld>
     <p:spTree>
@@ -13442,94 +13642,6 @@
 </p:sld>
 </file>
 
-<file path=ppt/slides/slide52.xml><?xml version="1.0" encoding="utf-8"?>
-<p:sld xmlns:a="http://schemas.openxmlformats.org/drawingml/2006/main" xmlns:r="http://schemas.openxmlformats.org/officeDocument/2006/relationships" xmlns:p="http://schemas.openxmlformats.org/presentationml/2006/main">
-  <p:cSld>
-    <p:spTree>
-      <p:nvGrpSpPr>
-        <p:cNvPr id="1" name=""/>
-        <p:cNvGrpSpPr/>
-        <p:nvPr/>
-      </p:nvGrpSpPr>
-      <p:grpSpPr>
-        <a:xfrm>
-          <a:off x="0" y="0"/>
-          <a:ext cx="0" cy="0"/>
-          <a:chOff x="0" y="0"/>
-          <a:chExt cx="0" cy="0"/>
-        </a:xfrm>
-      </p:grpSpPr>
-      <p:sp>
-        <p:nvSpPr>
-          <p:cNvPr id="2" name="Título 1">
-            <a:extLst>
-              <a:ext uri="{FF2B5EF4-FFF2-40B4-BE49-F238E27FC236}">
-                <a16:creationId xmlns:a16="http://schemas.microsoft.com/office/drawing/2014/main" id="{5DCA31C2-5C7E-86DB-1922-4152CDF977D1}"/>
-              </a:ext>
-            </a:extLst>
-          </p:cNvPr>
-          <p:cNvSpPr>
-            <a:spLocks noGrp="1"/>
-          </p:cNvSpPr>
-          <p:nvPr>
-            <p:ph type="title"/>
-          </p:nvPr>
-        </p:nvSpPr>
-        <p:spPr/>
-        <p:txBody>
-          <a:bodyPr/>
-          <a:lstStyle/>
-          <a:p>
-            <a:r>
-              <a:rPr lang="es-ES" dirty="0"/>
-              <a:t>00 </a:t>
-            </a:r>
-            <a:r>
-              <a:rPr lang="es-ES" dirty="0" err="1"/>
-              <a:t>fetch</a:t>
-            </a:r>
-            <a:endParaRPr lang="es-ES" dirty="0"/>
-          </a:p>
-        </p:txBody>
-      </p:sp>
-      <p:sp>
-        <p:nvSpPr>
-          <p:cNvPr id="3" name="Marcador de contenido 2">
-            <a:extLst>
-              <a:ext uri="{FF2B5EF4-FFF2-40B4-BE49-F238E27FC236}">
-                <a16:creationId xmlns:a16="http://schemas.microsoft.com/office/drawing/2014/main" id="{E864D120-FF54-F131-B16C-81E5279341F7}"/>
-              </a:ext>
-            </a:extLst>
-          </p:cNvPr>
-          <p:cNvSpPr>
-            <a:spLocks noGrp="1"/>
-          </p:cNvSpPr>
-          <p:nvPr>
-            <p:ph idx="1"/>
-          </p:nvPr>
-        </p:nvSpPr>
-        <p:spPr/>
-        <p:txBody>
-          <a:bodyPr/>
-          <a:lstStyle/>
-          <a:p>
-            <a:endParaRPr lang="es-ES"/>
-          </a:p>
-        </p:txBody>
-      </p:sp>
-    </p:spTree>
-    <p:extLst>
-      <p:ext uri="{BB962C8B-B14F-4D97-AF65-F5344CB8AC3E}">
-        <p14:creationId xmlns:p14="http://schemas.microsoft.com/office/powerpoint/2010/main" val="2149970113"/>
-      </p:ext>
-    </p:extLst>
-  </p:cSld>
-  <p:clrMapOvr>
-    <a:masterClrMapping/>
-  </p:clrMapOvr>
-</p:sld>
-</file>
-
 <file path=ppt/slides/slide53.xml><?xml version="1.0" encoding="utf-8"?>
 <p:sld xmlns:a="http://schemas.openxmlformats.org/drawingml/2006/main" xmlns:r="http://schemas.openxmlformats.org/officeDocument/2006/relationships" xmlns:p="http://schemas.openxmlformats.org/presentationml/2006/main">
   <p:cSld>
@@ -13552,7 +13664,7 @@
           <p:cNvPr id="2" name="Título 1">
             <a:extLst>
               <a:ext uri="{FF2B5EF4-FFF2-40B4-BE49-F238E27FC236}">
-                <a16:creationId xmlns:a16="http://schemas.microsoft.com/office/drawing/2014/main" id="{4799C0FD-5D60-7518-211C-62AE2B65D02B}"/>
+                <a16:creationId xmlns:a16="http://schemas.microsoft.com/office/drawing/2014/main" id="{5DCA31C2-5C7E-86DB-1922-4152CDF977D1}"/>
               </a:ext>
             </a:extLst>
           </p:cNvPr>
@@ -13570,11 +13682,11 @@
           <a:p>
             <a:r>
               <a:rPr lang="es-ES" dirty="0"/>
-              <a:t>01 </a:t>
+              <a:t>00 </a:t>
             </a:r>
             <a:r>
               <a:rPr lang="es-ES" dirty="0" err="1"/>
-              <a:t>pull</a:t>
+              <a:t>fetch</a:t>
             </a:r>
             <a:endParaRPr lang="es-ES" dirty="0"/>
           </a:p>
@@ -13585,7 +13697,7 @@
           <p:cNvPr id="3" name="Marcador de contenido 2">
             <a:extLst>
               <a:ext uri="{FF2B5EF4-FFF2-40B4-BE49-F238E27FC236}">
-                <a16:creationId xmlns:a16="http://schemas.microsoft.com/office/drawing/2014/main" id="{D9152638-AAC1-D47A-95D0-BBBF620C0683}"/>
+                <a16:creationId xmlns:a16="http://schemas.microsoft.com/office/drawing/2014/main" id="{E864D120-FF54-F131-B16C-81E5279341F7}"/>
               </a:ext>
             </a:extLst>
           </p:cNvPr>
@@ -13608,7 +13720,7 @@
     </p:spTree>
     <p:extLst>
       <p:ext uri="{BB962C8B-B14F-4D97-AF65-F5344CB8AC3E}">
-        <p14:creationId xmlns:p14="http://schemas.microsoft.com/office/powerpoint/2010/main" val="2114597152"/>
+        <p14:creationId xmlns:p14="http://schemas.microsoft.com/office/powerpoint/2010/main" val="2149970113"/>
       </p:ext>
     </p:extLst>
   </p:cSld>
@@ -13640,7 +13752,7 @@
           <p:cNvPr id="2" name="Título 1">
             <a:extLst>
               <a:ext uri="{FF2B5EF4-FFF2-40B4-BE49-F238E27FC236}">
-                <a16:creationId xmlns:a16="http://schemas.microsoft.com/office/drawing/2014/main" id="{F6801370-BA04-F7EA-2F3C-1BB966F39DAD}"/>
+                <a16:creationId xmlns:a16="http://schemas.microsoft.com/office/drawing/2014/main" id="{4799C0FD-5D60-7518-211C-62AE2B65D02B}"/>
               </a:ext>
             </a:extLst>
           </p:cNvPr>
@@ -13658,11 +13770,11 @@
           <a:p>
             <a:r>
               <a:rPr lang="es-ES" dirty="0"/>
-              <a:t>02 </a:t>
+              <a:t>01 </a:t>
             </a:r>
             <a:r>
               <a:rPr lang="es-ES" dirty="0" err="1"/>
-              <a:t>push</a:t>
+              <a:t>pull</a:t>
             </a:r>
             <a:endParaRPr lang="es-ES" dirty="0"/>
           </a:p>
@@ -13673,7 +13785,7 @@
           <p:cNvPr id="3" name="Marcador de contenido 2">
             <a:extLst>
               <a:ext uri="{FF2B5EF4-FFF2-40B4-BE49-F238E27FC236}">
-                <a16:creationId xmlns:a16="http://schemas.microsoft.com/office/drawing/2014/main" id="{FE02F9BC-26A1-94A5-020C-F1D9D1937A54}"/>
+                <a16:creationId xmlns:a16="http://schemas.microsoft.com/office/drawing/2014/main" id="{D9152638-AAC1-D47A-95D0-BBBF620C0683}"/>
               </a:ext>
             </a:extLst>
           </p:cNvPr>
@@ -13696,7 +13808,7 @@
     </p:spTree>
     <p:extLst>
       <p:ext uri="{BB962C8B-B14F-4D97-AF65-F5344CB8AC3E}">
-        <p14:creationId xmlns:p14="http://schemas.microsoft.com/office/powerpoint/2010/main" val="1763825397"/>
+        <p14:creationId xmlns:p14="http://schemas.microsoft.com/office/powerpoint/2010/main" val="2114597152"/>
       </p:ext>
     </p:extLst>
   </p:cSld>
@@ -13728,7 +13840,7 @@
           <p:cNvPr id="2" name="Título 1">
             <a:extLst>
               <a:ext uri="{FF2B5EF4-FFF2-40B4-BE49-F238E27FC236}">
-                <a16:creationId xmlns:a16="http://schemas.microsoft.com/office/drawing/2014/main" id="{6A0800CB-28F0-6067-7A99-3DBFBA25F3F1}"/>
+                <a16:creationId xmlns:a16="http://schemas.microsoft.com/office/drawing/2014/main" id="{F6801370-BA04-F7EA-2F3C-1BB966F39DAD}"/>
               </a:ext>
             </a:extLst>
           </p:cNvPr>
@@ -13746,11 +13858,11 @@
           <a:p>
             <a:r>
               <a:rPr lang="es-ES" dirty="0"/>
-              <a:t>03 </a:t>
+              <a:t>02 </a:t>
             </a:r>
             <a:r>
               <a:rPr lang="es-ES" dirty="0" err="1"/>
-              <a:t>pull-request</a:t>
+              <a:t>push</a:t>
             </a:r>
             <a:endParaRPr lang="es-ES" dirty="0"/>
           </a:p>
@@ -13761,7 +13873,7 @@
           <p:cNvPr id="3" name="Marcador de contenido 2">
             <a:extLst>
               <a:ext uri="{FF2B5EF4-FFF2-40B4-BE49-F238E27FC236}">
-                <a16:creationId xmlns:a16="http://schemas.microsoft.com/office/drawing/2014/main" id="{27EFCD26-6929-1349-EA07-06C9D34C70B3}"/>
+                <a16:creationId xmlns:a16="http://schemas.microsoft.com/office/drawing/2014/main" id="{FE02F9BC-26A1-94A5-020C-F1D9D1937A54}"/>
               </a:ext>
             </a:extLst>
           </p:cNvPr>
@@ -13784,7 +13896,7 @@
     </p:spTree>
     <p:extLst>
       <p:ext uri="{BB962C8B-B14F-4D97-AF65-F5344CB8AC3E}">
-        <p14:creationId xmlns:p14="http://schemas.microsoft.com/office/powerpoint/2010/main" val="1016721480"/>
+        <p14:creationId xmlns:p14="http://schemas.microsoft.com/office/powerpoint/2010/main" val="1763825397"/>
       </p:ext>
     </p:extLst>
   </p:cSld>
@@ -13813,6 +13925,94 @@
       </p:grpSpPr>
       <p:sp>
         <p:nvSpPr>
+          <p:cNvPr id="2" name="Título 1">
+            <a:extLst>
+              <a:ext uri="{FF2B5EF4-FFF2-40B4-BE49-F238E27FC236}">
+                <a16:creationId xmlns:a16="http://schemas.microsoft.com/office/drawing/2014/main" id="{6A0800CB-28F0-6067-7A99-3DBFBA25F3F1}"/>
+              </a:ext>
+            </a:extLst>
+          </p:cNvPr>
+          <p:cNvSpPr>
+            <a:spLocks noGrp="1"/>
+          </p:cNvSpPr>
+          <p:nvPr>
+            <p:ph type="title"/>
+          </p:nvPr>
+        </p:nvSpPr>
+        <p:spPr/>
+        <p:txBody>
+          <a:bodyPr/>
+          <a:lstStyle/>
+          <a:p>
+            <a:r>
+              <a:rPr lang="es-ES" dirty="0"/>
+              <a:t>03 </a:t>
+            </a:r>
+            <a:r>
+              <a:rPr lang="es-ES" dirty="0" err="1"/>
+              <a:t>pull-request</a:t>
+            </a:r>
+            <a:endParaRPr lang="es-ES" dirty="0"/>
+          </a:p>
+        </p:txBody>
+      </p:sp>
+      <p:sp>
+        <p:nvSpPr>
+          <p:cNvPr id="3" name="Marcador de contenido 2">
+            <a:extLst>
+              <a:ext uri="{FF2B5EF4-FFF2-40B4-BE49-F238E27FC236}">
+                <a16:creationId xmlns:a16="http://schemas.microsoft.com/office/drawing/2014/main" id="{27EFCD26-6929-1349-EA07-06C9D34C70B3}"/>
+              </a:ext>
+            </a:extLst>
+          </p:cNvPr>
+          <p:cNvSpPr>
+            <a:spLocks noGrp="1"/>
+          </p:cNvSpPr>
+          <p:nvPr>
+            <p:ph idx="1"/>
+          </p:nvPr>
+        </p:nvSpPr>
+        <p:spPr/>
+        <p:txBody>
+          <a:bodyPr/>
+          <a:lstStyle/>
+          <a:p>
+            <a:endParaRPr lang="es-ES"/>
+          </a:p>
+        </p:txBody>
+      </p:sp>
+    </p:spTree>
+    <p:extLst>
+      <p:ext uri="{BB962C8B-B14F-4D97-AF65-F5344CB8AC3E}">
+        <p14:creationId xmlns:p14="http://schemas.microsoft.com/office/powerpoint/2010/main" val="1016721480"/>
+      </p:ext>
+    </p:extLst>
+  </p:cSld>
+  <p:clrMapOvr>
+    <a:masterClrMapping/>
+  </p:clrMapOvr>
+</p:sld>
+</file>
+
+<file path=ppt/slides/slide57.xml><?xml version="1.0" encoding="utf-8"?>
+<p:sld xmlns:a="http://schemas.openxmlformats.org/drawingml/2006/main" xmlns:r="http://schemas.openxmlformats.org/officeDocument/2006/relationships" xmlns:p="http://schemas.openxmlformats.org/presentationml/2006/main">
+  <p:cSld>
+    <p:spTree>
+      <p:nvGrpSpPr>
+        <p:cNvPr id="1" name=""/>
+        <p:cNvGrpSpPr/>
+        <p:nvPr/>
+      </p:nvGrpSpPr>
+      <p:grpSpPr>
+        <a:xfrm>
+          <a:off x="0" y="0"/>
+          <a:ext cx="0" cy="0"/>
+          <a:chOff x="0" y="0"/>
+          <a:chExt cx="0" cy="0"/>
+        </a:xfrm>
+      </p:grpSpPr>
+      <p:sp>
+        <p:nvSpPr>
           <p:cNvPr id="4" name="Título 3">
             <a:extLst>
               <a:ext uri="{FF2B5EF4-FFF2-40B4-BE49-F238E27FC236}">
@@ -13877,7 +14077,7 @@
 </p:sld>
 </file>
 
-<file path=ppt/slides/slide57.xml><?xml version="1.0" encoding="utf-8"?>
+<file path=ppt/slides/slide58.xml><?xml version="1.0" encoding="utf-8"?>
 <p:sld xmlns:a="http://schemas.openxmlformats.org/drawingml/2006/main" xmlns:r="http://schemas.openxmlformats.org/officeDocument/2006/relationships" xmlns:p="http://schemas.openxmlformats.org/presentationml/2006/main">
   <p:cSld>
     <p:spTree>
@@ -14425,89 +14625,6 @@
 </p:sld>
 </file>
 
-<file path=ppt/slides/slide58.xml><?xml version="1.0" encoding="utf-8"?>
-<p:sld xmlns:a="http://schemas.openxmlformats.org/drawingml/2006/main" xmlns:r="http://schemas.openxmlformats.org/officeDocument/2006/relationships" xmlns:p="http://schemas.openxmlformats.org/presentationml/2006/main">
-  <p:cSld>
-    <p:spTree>
-      <p:nvGrpSpPr>
-        <p:cNvPr id="1" name=""/>
-        <p:cNvGrpSpPr/>
-        <p:nvPr/>
-      </p:nvGrpSpPr>
-      <p:grpSpPr>
-        <a:xfrm>
-          <a:off x="0" y="0"/>
-          <a:ext cx="0" cy="0"/>
-          <a:chOff x="0" y="0"/>
-          <a:chExt cx="0" cy="0"/>
-        </a:xfrm>
-      </p:grpSpPr>
-      <p:sp>
-        <p:nvSpPr>
-          <p:cNvPr id="2" name="Título 1">
-            <a:extLst>
-              <a:ext uri="{FF2B5EF4-FFF2-40B4-BE49-F238E27FC236}">
-                <a16:creationId xmlns:a16="http://schemas.microsoft.com/office/drawing/2014/main" id="{32FB1343-6570-7F59-017A-6D0AD69B5FBF}"/>
-              </a:ext>
-            </a:extLst>
-          </p:cNvPr>
-          <p:cNvSpPr>
-            <a:spLocks noGrp="1"/>
-          </p:cNvSpPr>
-          <p:nvPr>
-            <p:ph type="title"/>
-          </p:nvPr>
-        </p:nvSpPr>
-        <p:spPr/>
-        <p:txBody>
-          <a:bodyPr/>
-          <a:lstStyle/>
-          <a:p>
-            <a:r>
-              <a:rPr lang="es-ES" dirty="0"/>
-              <a:t>01 tag</a:t>
-            </a:r>
-          </a:p>
-        </p:txBody>
-      </p:sp>
-      <p:sp>
-        <p:nvSpPr>
-          <p:cNvPr id="3" name="Marcador de contenido 2">
-            <a:extLst>
-              <a:ext uri="{FF2B5EF4-FFF2-40B4-BE49-F238E27FC236}">
-                <a16:creationId xmlns:a16="http://schemas.microsoft.com/office/drawing/2014/main" id="{7A44ED8E-9F38-BB0B-08F8-2FA56554D6FD}"/>
-              </a:ext>
-            </a:extLst>
-          </p:cNvPr>
-          <p:cNvSpPr>
-            <a:spLocks noGrp="1"/>
-          </p:cNvSpPr>
-          <p:nvPr>
-            <p:ph idx="1"/>
-          </p:nvPr>
-        </p:nvSpPr>
-        <p:spPr/>
-        <p:txBody>
-          <a:bodyPr/>
-          <a:lstStyle/>
-          <a:p>
-            <a:endParaRPr lang="es-ES"/>
-          </a:p>
-        </p:txBody>
-      </p:sp>
-    </p:spTree>
-    <p:extLst>
-      <p:ext uri="{BB962C8B-B14F-4D97-AF65-F5344CB8AC3E}">
-        <p14:creationId xmlns:p14="http://schemas.microsoft.com/office/powerpoint/2010/main" val="815447445"/>
-      </p:ext>
-    </p:extLst>
-  </p:cSld>
-  <p:clrMapOvr>
-    <a:masterClrMapping/>
-  </p:clrMapOvr>
-</p:sld>
-</file>
-
 <file path=ppt/slides/slide59.xml><?xml version="1.0" encoding="utf-8"?>
 <p:sld xmlns:a="http://schemas.openxmlformats.org/drawingml/2006/main" xmlns:r="http://schemas.openxmlformats.org/officeDocument/2006/relationships" xmlns:p="http://schemas.openxmlformats.org/presentationml/2006/main">
   <p:cSld>
@@ -14530,7 +14647,7 @@
           <p:cNvPr id="2" name="Título 1">
             <a:extLst>
               <a:ext uri="{FF2B5EF4-FFF2-40B4-BE49-F238E27FC236}">
-                <a16:creationId xmlns:a16="http://schemas.microsoft.com/office/drawing/2014/main" id="{DAC4B31B-FF1E-56EC-BADC-47CFC0D291CC}"/>
+                <a16:creationId xmlns:a16="http://schemas.microsoft.com/office/drawing/2014/main" id="{32FB1343-6570-7F59-017A-6D0AD69B5FBF}"/>
               </a:ext>
             </a:extLst>
           </p:cNvPr>
@@ -14548,7 +14665,7 @@
           <a:p>
             <a:r>
               <a:rPr lang="es-ES" dirty="0"/>
-              <a:t>00 tag desde otro tag</a:t>
+              <a:t>01 tag</a:t>
             </a:r>
           </a:p>
         </p:txBody>
@@ -14558,7 +14675,7 @@
           <p:cNvPr id="3" name="Marcador de contenido 2">
             <a:extLst>
               <a:ext uri="{FF2B5EF4-FFF2-40B4-BE49-F238E27FC236}">
-                <a16:creationId xmlns:a16="http://schemas.microsoft.com/office/drawing/2014/main" id="{7794AFEF-DAF2-D7E4-41BB-D5BB18810978}"/>
+                <a16:creationId xmlns:a16="http://schemas.microsoft.com/office/drawing/2014/main" id="{7A44ED8E-9F38-BB0B-08F8-2FA56554D6FD}"/>
               </a:ext>
             </a:extLst>
           </p:cNvPr>
@@ -14581,7 +14698,7 @@
     </p:spTree>
     <p:extLst>
       <p:ext uri="{BB962C8B-B14F-4D97-AF65-F5344CB8AC3E}">
-        <p14:creationId xmlns:p14="http://schemas.microsoft.com/office/powerpoint/2010/main" val="1365761619"/>
+        <p14:creationId xmlns:p14="http://schemas.microsoft.com/office/powerpoint/2010/main" val="815447445"/>
       </p:ext>
     </p:extLst>
   </p:cSld>
@@ -14707,7 +14824,7 @@
           <p:cNvPr id="2" name="Título 1">
             <a:extLst>
               <a:ext uri="{FF2B5EF4-FFF2-40B4-BE49-F238E27FC236}">
-                <a16:creationId xmlns:a16="http://schemas.microsoft.com/office/drawing/2014/main" id="{60E237DA-67AE-110D-837B-B097D3856F02}"/>
+                <a16:creationId xmlns:a16="http://schemas.microsoft.com/office/drawing/2014/main" id="{DAC4B31B-FF1E-56EC-BADC-47CFC0D291CC}"/>
               </a:ext>
             </a:extLst>
           </p:cNvPr>
@@ -14724,16 +14841,12 @@
           <a:lstStyle/>
           <a:p>
             <a:r>
+              <a:rPr lang="es-ES"/>
+              <a:t>02 </a:t>
+            </a:r>
+            <a:r>
               <a:rPr lang="es-ES" dirty="0"/>
-              <a:t>03 </a:t>
-            </a:r>
-            <a:r>
-              <a:rPr lang="es-ES" dirty="0" err="1"/>
-              <a:t>push</a:t>
-            </a:r>
-            <a:r>
-              <a:rPr lang="es-ES" dirty="0"/>
-              <a:t> tags</a:t>
+              <a:t>tag desde otro tag</a:t>
             </a:r>
           </a:p>
         </p:txBody>
@@ -14743,7 +14856,7 @@
           <p:cNvPr id="3" name="Marcador de contenido 2">
             <a:extLst>
               <a:ext uri="{FF2B5EF4-FFF2-40B4-BE49-F238E27FC236}">
-                <a16:creationId xmlns:a16="http://schemas.microsoft.com/office/drawing/2014/main" id="{35103DED-9702-A50D-0957-5A2B4F9F9C80}"/>
+                <a16:creationId xmlns:a16="http://schemas.microsoft.com/office/drawing/2014/main" id="{7794AFEF-DAF2-D7E4-41BB-D5BB18810978}"/>
               </a:ext>
             </a:extLst>
           </p:cNvPr>
@@ -14759,32 +14872,14 @@
           <a:bodyPr/>
           <a:lstStyle/>
           <a:p>
-            <a:pPr marL="0" indent="0">
-              <a:buNone/>
-            </a:pPr>
-            <a:r>
-              <a:rPr lang="es-ES" dirty="0" err="1"/>
-              <a:t>git</a:t>
-            </a:r>
-            <a:r>
-              <a:rPr lang="es-ES" dirty="0"/>
-              <a:t> </a:t>
-            </a:r>
-            <a:r>
-              <a:rPr lang="es-ES" dirty="0" err="1"/>
-              <a:t>push</a:t>
-            </a:r>
-            <a:r>
-              <a:rPr lang="es-ES" dirty="0"/>
-              <a:t> --tags [remote]</a:t>
-            </a:r>
+            <a:endParaRPr lang="es-ES"/>
           </a:p>
         </p:txBody>
       </p:sp>
     </p:spTree>
     <p:extLst>
       <p:ext uri="{BB962C8B-B14F-4D97-AF65-F5344CB8AC3E}">
-        <p14:creationId xmlns:p14="http://schemas.microsoft.com/office/powerpoint/2010/main" val="847557729"/>
+        <p14:creationId xmlns:p14="http://schemas.microsoft.com/office/powerpoint/2010/main" val="1365761619"/>
       </p:ext>
     </p:extLst>
   </p:cSld>
@@ -14816,7 +14911,7 @@
           <p:cNvPr id="2" name="Título 1">
             <a:extLst>
               <a:ext uri="{FF2B5EF4-FFF2-40B4-BE49-F238E27FC236}">
-                <a16:creationId xmlns:a16="http://schemas.microsoft.com/office/drawing/2014/main" id="{7C0ED10D-5D2B-C733-2D7E-024113D6A65F}"/>
+                <a16:creationId xmlns:a16="http://schemas.microsoft.com/office/drawing/2014/main" id="{60E237DA-67AE-110D-837B-B097D3856F02}"/>
               </a:ext>
             </a:extLst>
           </p:cNvPr>
@@ -14834,11 +14929,11 @@
           <a:p>
             <a:r>
               <a:rPr lang="es-ES" dirty="0"/>
-              <a:t>04 </a:t>
+              <a:t>03 </a:t>
             </a:r>
             <a:r>
               <a:rPr lang="es-ES" dirty="0" err="1"/>
-              <a:t>pull</a:t>
+              <a:t>push</a:t>
             </a:r>
             <a:r>
               <a:rPr lang="es-ES" dirty="0"/>
@@ -14852,7 +14947,7 @@
           <p:cNvPr id="3" name="Marcador de contenido 2">
             <a:extLst>
               <a:ext uri="{FF2B5EF4-FFF2-40B4-BE49-F238E27FC236}">
-                <a16:creationId xmlns:a16="http://schemas.microsoft.com/office/drawing/2014/main" id="{CD756E7A-795A-A7E5-DCFF-01F67F1BD838}"/>
+                <a16:creationId xmlns:a16="http://schemas.microsoft.com/office/drawing/2014/main" id="{35103DED-9702-A50D-0957-5A2B4F9F9C80}"/>
               </a:ext>
             </a:extLst>
           </p:cNvPr>
@@ -14872,19 +14967,35 @@
               <a:buNone/>
             </a:pPr>
             <a:r>
-              <a:rPr lang="es-ES" dirty="0" err="1"/>
+              <a:rPr lang="es-ES" dirty="0" err="1">
+                <a:latin typeface="JetBrains Mono" panose="02000009000000000000" pitchFamily="49" charset="0"/>
+                <a:ea typeface="JetBrains Mono" panose="02000009000000000000" pitchFamily="49" charset="0"/>
+                <a:cs typeface="JetBrains Mono" panose="02000009000000000000" pitchFamily="49" charset="0"/>
+              </a:rPr>
               <a:t>git</a:t>
             </a:r>
             <a:r>
-              <a:rPr lang="es-ES" dirty="0"/>
+              <a:rPr lang="es-ES" dirty="0">
+                <a:latin typeface="JetBrains Mono" panose="02000009000000000000" pitchFamily="49" charset="0"/>
+                <a:ea typeface="JetBrains Mono" panose="02000009000000000000" pitchFamily="49" charset="0"/>
+                <a:cs typeface="JetBrains Mono" panose="02000009000000000000" pitchFamily="49" charset="0"/>
+              </a:rPr>
               <a:t> </a:t>
             </a:r>
             <a:r>
-              <a:rPr lang="es-ES" dirty="0" err="1"/>
-              <a:t>fetch</a:t>
-            </a:r>
-            <a:r>
-              <a:rPr lang="es-ES" dirty="0"/>
+              <a:rPr lang="es-ES" dirty="0" err="1">
+                <a:latin typeface="JetBrains Mono" panose="02000009000000000000" pitchFamily="49" charset="0"/>
+                <a:ea typeface="JetBrains Mono" panose="02000009000000000000" pitchFamily="49" charset="0"/>
+                <a:cs typeface="JetBrains Mono" panose="02000009000000000000" pitchFamily="49" charset="0"/>
+              </a:rPr>
+              <a:t>push</a:t>
+            </a:r>
+            <a:r>
+              <a:rPr lang="es-ES" dirty="0">
+                <a:latin typeface="JetBrains Mono" panose="02000009000000000000" pitchFamily="49" charset="0"/>
+                <a:ea typeface="JetBrains Mono" panose="02000009000000000000" pitchFamily="49" charset="0"/>
+                <a:cs typeface="JetBrains Mono" panose="02000009000000000000" pitchFamily="49" charset="0"/>
+              </a:rPr>
               <a:t> --tags [remote]</a:t>
             </a:r>
           </a:p>
@@ -14893,7 +15004,7 @@
     </p:spTree>
     <p:extLst>
       <p:ext uri="{BB962C8B-B14F-4D97-AF65-F5344CB8AC3E}">
-        <p14:creationId xmlns:p14="http://schemas.microsoft.com/office/powerpoint/2010/main" val="2628481012"/>
+        <p14:creationId xmlns:p14="http://schemas.microsoft.com/office/powerpoint/2010/main" val="847557729"/>
       </p:ext>
     </p:extLst>
   </p:cSld>
@@ -14922,6 +15033,131 @@
       </p:grpSpPr>
       <p:sp>
         <p:nvSpPr>
+          <p:cNvPr id="2" name="Título 1">
+            <a:extLst>
+              <a:ext uri="{FF2B5EF4-FFF2-40B4-BE49-F238E27FC236}">
+                <a16:creationId xmlns:a16="http://schemas.microsoft.com/office/drawing/2014/main" id="{7C0ED10D-5D2B-C733-2D7E-024113D6A65F}"/>
+              </a:ext>
+            </a:extLst>
+          </p:cNvPr>
+          <p:cNvSpPr>
+            <a:spLocks noGrp="1"/>
+          </p:cNvSpPr>
+          <p:nvPr>
+            <p:ph type="title"/>
+          </p:nvPr>
+        </p:nvSpPr>
+        <p:spPr/>
+        <p:txBody>
+          <a:bodyPr/>
+          <a:lstStyle/>
+          <a:p>
+            <a:r>
+              <a:rPr lang="es-ES" dirty="0"/>
+              <a:t>04 </a:t>
+            </a:r>
+            <a:r>
+              <a:rPr lang="es-ES" dirty="0" err="1"/>
+              <a:t>pull</a:t>
+            </a:r>
+            <a:r>
+              <a:rPr lang="es-ES" dirty="0"/>
+              <a:t> tags</a:t>
+            </a:r>
+          </a:p>
+        </p:txBody>
+      </p:sp>
+      <p:sp>
+        <p:nvSpPr>
+          <p:cNvPr id="3" name="Marcador de contenido 2">
+            <a:extLst>
+              <a:ext uri="{FF2B5EF4-FFF2-40B4-BE49-F238E27FC236}">
+                <a16:creationId xmlns:a16="http://schemas.microsoft.com/office/drawing/2014/main" id="{CD756E7A-795A-A7E5-DCFF-01F67F1BD838}"/>
+              </a:ext>
+            </a:extLst>
+          </p:cNvPr>
+          <p:cNvSpPr>
+            <a:spLocks noGrp="1"/>
+          </p:cNvSpPr>
+          <p:nvPr>
+            <p:ph idx="1"/>
+          </p:nvPr>
+        </p:nvSpPr>
+        <p:spPr/>
+        <p:txBody>
+          <a:bodyPr/>
+          <a:lstStyle/>
+          <a:p>
+            <a:pPr marL="0" indent="0">
+              <a:buNone/>
+            </a:pPr>
+            <a:r>
+              <a:rPr lang="es-ES" dirty="0" err="1">
+                <a:latin typeface="JetBrains Mono" panose="02000009000000000000" pitchFamily="49" charset="0"/>
+                <a:ea typeface="JetBrains Mono" panose="02000009000000000000" pitchFamily="49" charset="0"/>
+                <a:cs typeface="JetBrains Mono" panose="02000009000000000000" pitchFamily="49" charset="0"/>
+              </a:rPr>
+              <a:t>git</a:t>
+            </a:r>
+            <a:r>
+              <a:rPr lang="es-ES" dirty="0">
+                <a:latin typeface="JetBrains Mono" panose="02000009000000000000" pitchFamily="49" charset="0"/>
+                <a:ea typeface="JetBrains Mono" panose="02000009000000000000" pitchFamily="49" charset="0"/>
+                <a:cs typeface="JetBrains Mono" panose="02000009000000000000" pitchFamily="49" charset="0"/>
+              </a:rPr>
+              <a:t> </a:t>
+            </a:r>
+            <a:r>
+              <a:rPr lang="es-ES" dirty="0" err="1">
+                <a:latin typeface="JetBrains Mono" panose="02000009000000000000" pitchFamily="49" charset="0"/>
+                <a:ea typeface="JetBrains Mono" panose="02000009000000000000" pitchFamily="49" charset="0"/>
+                <a:cs typeface="JetBrains Mono" panose="02000009000000000000" pitchFamily="49" charset="0"/>
+              </a:rPr>
+              <a:t>fetch</a:t>
+            </a:r>
+            <a:r>
+              <a:rPr lang="es-ES" dirty="0">
+                <a:latin typeface="JetBrains Mono" panose="02000009000000000000" pitchFamily="49" charset="0"/>
+                <a:ea typeface="JetBrains Mono" panose="02000009000000000000" pitchFamily="49" charset="0"/>
+                <a:cs typeface="JetBrains Mono" panose="02000009000000000000" pitchFamily="49" charset="0"/>
+              </a:rPr>
+              <a:t> --tags [remote]</a:t>
+            </a:r>
+          </a:p>
+        </p:txBody>
+      </p:sp>
+    </p:spTree>
+    <p:extLst>
+      <p:ext uri="{BB962C8B-B14F-4D97-AF65-F5344CB8AC3E}">
+        <p14:creationId xmlns:p14="http://schemas.microsoft.com/office/powerpoint/2010/main" val="2628481012"/>
+      </p:ext>
+    </p:extLst>
+  </p:cSld>
+  <p:clrMapOvr>
+    <a:masterClrMapping/>
+  </p:clrMapOvr>
+</p:sld>
+</file>
+
+<file path=ppt/slides/slide63.xml><?xml version="1.0" encoding="utf-8"?>
+<p:sld xmlns:a="http://schemas.openxmlformats.org/drawingml/2006/main" xmlns:r="http://schemas.openxmlformats.org/officeDocument/2006/relationships" xmlns:p="http://schemas.openxmlformats.org/presentationml/2006/main">
+  <p:cSld>
+    <p:spTree>
+      <p:nvGrpSpPr>
+        <p:cNvPr id="1" name=""/>
+        <p:cNvGrpSpPr/>
+        <p:nvPr/>
+      </p:nvGrpSpPr>
+      <p:grpSpPr>
+        <a:xfrm>
+          <a:off x="0" y="0"/>
+          <a:ext cx="0" cy="0"/>
+          <a:chOff x="0" y="0"/>
+          <a:chExt cx="0" cy="0"/>
+        </a:xfrm>
+      </p:grpSpPr>
+      <p:sp>
+        <p:nvSpPr>
           <p:cNvPr id="4" name="Título 3">
             <a:extLst>
               <a:ext uri="{FF2B5EF4-FFF2-40B4-BE49-F238E27FC236}">
@@ -14995,7 +15231,7 @@
 </p:sld>
 </file>
 
-<file path=ppt/slides/slide63.xml><?xml version="1.0" encoding="utf-8"?>
+<file path=ppt/slides/slide64.xml><?xml version="1.0" encoding="utf-8"?>
 <p:sld xmlns:a="http://schemas.openxmlformats.org/drawingml/2006/main" xmlns:r="http://schemas.openxmlformats.org/officeDocument/2006/relationships" xmlns:p="http://schemas.openxmlformats.org/presentationml/2006/main">
   <p:cSld>
     <p:spTree>
@@ -15561,7 +15797,7 @@
 </p:sld>
 </file>
 
-<file path=ppt/slides/slide64.xml><?xml version="1.0" encoding="utf-8"?>
+<file path=ppt/slides/slide65.xml><?xml version="1.0" encoding="utf-8"?>
 <p:sld xmlns:a="http://schemas.openxmlformats.org/drawingml/2006/main" xmlns:r="http://schemas.openxmlformats.org/officeDocument/2006/relationships" xmlns:p="http://schemas.openxmlformats.org/presentationml/2006/main">
   <p:cSld>
     <p:spTree>
@@ -15706,7 +15942,7 @@
 </p:sld>
 </file>
 
-<file path=ppt/slides/slide65.xml><?xml version="1.0" encoding="utf-8"?>
+<file path=ppt/slides/slide66.xml><?xml version="1.0" encoding="utf-8"?>
 <p:sld xmlns:a="http://schemas.openxmlformats.org/drawingml/2006/main" xmlns:r="http://schemas.openxmlformats.org/officeDocument/2006/relationships" xmlns:p="http://schemas.openxmlformats.org/presentationml/2006/main">
   <p:cSld>
     <p:spTree>
@@ -16030,7 +16266,7 @@
 </p:sld>
 </file>
 
-<file path=ppt/slides/slide66.xml><?xml version="1.0" encoding="utf-8"?>
+<file path=ppt/slides/slide67.xml><?xml version="1.0" encoding="utf-8"?>
 <p:sld xmlns:a="http://schemas.openxmlformats.org/drawingml/2006/main" xmlns:r="http://schemas.openxmlformats.org/officeDocument/2006/relationships" xmlns:p="http://schemas.openxmlformats.org/presentationml/2006/main">
   <p:cSld>
     <p:spTree>
@@ -16728,94 +16964,6 @@
 </p:sld>
 </file>
 
-<file path=ppt/slides/slide67.xml><?xml version="1.0" encoding="utf-8"?>
-<p:sld xmlns:a="http://schemas.openxmlformats.org/drawingml/2006/main" xmlns:r="http://schemas.openxmlformats.org/officeDocument/2006/relationships" xmlns:p="http://schemas.openxmlformats.org/presentationml/2006/main">
-  <p:cSld>
-    <p:spTree>
-      <p:nvGrpSpPr>
-        <p:cNvPr id="1" name=""/>
-        <p:cNvGrpSpPr/>
-        <p:nvPr/>
-      </p:nvGrpSpPr>
-      <p:grpSpPr>
-        <a:xfrm>
-          <a:off x="0" y="0"/>
-          <a:ext cx="0" cy="0"/>
-          <a:chOff x="0" y="0"/>
-          <a:chExt cx="0" cy="0"/>
-        </a:xfrm>
-      </p:grpSpPr>
-      <p:sp>
-        <p:nvSpPr>
-          <p:cNvPr id="2" name="Título 1">
-            <a:extLst>
-              <a:ext uri="{FF2B5EF4-FFF2-40B4-BE49-F238E27FC236}">
-                <a16:creationId xmlns:a16="http://schemas.microsoft.com/office/drawing/2014/main" id="{AFBAF115-1CD5-EAD9-062A-3078AB2423CE}"/>
-              </a:ext>
-            </a:extLst>
-          </p:cNvPr>
-          <p:cNvSpPr>
-            <a:spLocks noGrp="1"/>
-          </p:cNvSpPr>
-          <p:nvPr>
-            <p:ph type="title"/>
-          </p:nvPr>
-        </p:nvSpPr>
-        <p:spPr/>
-        <p:txBody>
-          <a:bodyPr/>
-          <a:lstStyle/>
-          <a:p>
-            <a:r>
-              <a:rPr lang="es-ES" dirty="0"/>
-              <a:t>03 --no-</a:t>
-            </a:r>
-            <a:r>
-              <a:rPr lang="es-ES" dirty="0" err="1"/>
-              <a:t>verify</a:t>
-            </a:r>
-            <a:endParaRPr lang="es-ES" dirty="0"/>
-          </a:p>
-        </p:txBody>
-      </p:sp>
-      <p:sp>
-        <p:nvSpPr>
-          <p:cNvPr id="3" name="Marcador de contenido 2">
-            <a:extLst>
-              <a:ext uri="{FF2B5EF4-FFF2-40B4-BE49-F238E27FC236}">
-                <a16:creationId xmlns:a16="http://schemas.microsoft.com/office/drawing/2014/main" id="{71EDD1B4-FAF2-2993-D21A-1E86019CDFDA}"/>
-              </a:ext>
-            </a:extLst>
-          </p:cNvPr>
-          <p:cNvSpPr>
-            <a:spLocks noGrp="1"/>
-          </p:cNvSpPr>
-          <p:nvPr>
-            <p:ph idx="1"/>
-          </p:nvPr>
-        </p:nvSpPr>
-        <p:spPr/>
-        <p:txBody>
-          <a:bodyPr/>
-          <a:lstStyle/>
-          <a:p>
-            <a:endParaRPr lang="es-ES"/>
-          </a:p>
-        </p:txBody>
-      </p:sp>
-    </p:spTree>
-    <p:extLst>
-      <p:ext uri="{BB962C8B-B14F-4D97-AF65-F5344CB8AC3E}">
-        <p14:creationId xmlns:p14="http://schemas.microsoft.com/office/powerpoint/2010/main" val="2282696071"/>
-      </p:ext>
-    </p:extLst>
-  </p:cSld>
-  <p:clrMapOvr>
-    <a:masterClrMapping/>
-  </p:clrMapOvr>
-</p:sld>
-</file>
-
 <file path=ppt/slides/slide68.xml><?xml version="1.0" encoding="utf-8"?>
 <p:sld xmlns:a="http://schemas.openxmlformats.org/drawingml/2006/main" xmlns:r="http://schemas.openxmlformats.org/officeDocument/2006/relationships" xmlns:p="http://schemas.openxmlformats.org/presentationml/2006/main">
   <p:cSld>
@@ -16835,10 +16983,10 @@
       </p:grpSpPr>
       <p:sp>
         <p:nvSpPr>
-          <p:cNvPr id="4" name="Título 3">
-            <a:extLst>
-              <a:ext uri="{FF2B5EF4-FFF2-40B4-BE49-F238E27FC236}">
-                <a16:creationId xmlns:a16="http://schemas.microsoft.com/office/drawing/2014/main" id="{6368BCFD-3DDA-008F-ABD9-B8A0FE7F8A10}"/>
+          <p:cNvPr id="2" name="Título 1">
+            <a:extLst>
+              <a:ext uri="{FF2B5EF4-FFF2-40B4-BE49-F238E27FC236}">
+                <a16:creationId xmlns:a16="http://schemas.microsoft.com/office/drawing/2014/main" id="{AFBAF115-1CD5-EAD9-062A-3078AB2423CE}"/>
               </a:ext>
             </a:extLst>
           </p:cNvPr>
@@ -16855,24 +17003,12 @@
           <a:lstStyle/>
           <a:p>
             <a:r>
+              <a:rPr lang="es-ES" dirty="0"/>
+              <a:t>03 --no-</a:t>
+            </a:r>
+            <a:r>
               <a:rPr lang="es-ES" dirty="0" err="1"/>
-              <a:t>trunk</a:t>
-            </a:r>
-            <a:r>
-              <a:rPr lang="es-ES" dirty="0"/>
-              <a:t> </a:t>
-            </a:r>
-            <a:r>
-              <a:rPr lang="es-ES" dirty="0" err="1"/>
-              <a:t>based</a:t>
-            </a:r>
-            <a:r>
-              <a:rPr lang="es-ES" dirty="0"/>
-              <a:t> </a:t>
-            </a:r>
-            <a:r>
-              <a:rPr lang="es-ES" dirty="0" err="1"/>
-              <a:t>development</a:t>
+              <a:t>verify</a:t>
             </a:r>
             <a:endParaRPr lang="es-ES" dirty="0"/>
           </a:p>
@@ -16880,18 +17016,18 @@
       </p:sp>
       <p:sp>
         <p:nvSpPr>
-          <p:cNvPr id="5" name="Marcador de texto 4">
-            <a:extLst>
-              <a:ext uri="{FF2B5EF4-FFF2-40B4-BE49-F238E27FC236}">
-                <a16:creationId xmlns:a16="http://schemas.microsoft.com/office/drawing/2014/main" id="{FC10CEA5-03D8-6473-263D-B1A30B2DB4E2}"/>
-              </a:ext>
-            </a:extLst>
-          </p:cNvPr>
-          <p:cNvSpPr>
-            <a:spLocks noGrp="1"/>
-          </p:cNvSpPr>
-          <p:nvPr>
-            <p:ph type="body" idx="1"/>
+          <p:cNvPr id="3" name="Marcador de contenido 2">
+            <a:extLst>
+              <a:ext uri="{FF2B5EF4-FFF2-40B4-BE49-F238E27FC236}">
+                <a16:creationId xmlns:a16="http://schemas.microsoft.com/office/drawing/2014/main" id="{71EDD1B4-FAF2-2993-D21A-1E86019CDFDA}"/>
+              </a:ext>
+            </a:extLst>
+          </p:cNvPr>
+          <p:cNvSpPr>
+            <a:spLocks noGrp="1"/>
+          </p:cNvSpPr>
+          <p:nvPr>
+            <p:ph idx="1"/>
           </p:nvPr>
         </p:nvSpPr>
         <p:spPr/>
@@ -16906,7 +17042,7 @@
     </p:spTree>
     <p:extLst>
       <p:ext uri="{BB962C8B-B14F-4D97-AF65-F5344CB8AC3E}">
-        <p14:creationId xmlns:p14="http://schemas.microsoft.com/office/powerpoint/2010/main" val="3642158899"/>
+        <p14:creationId xmlns:p14="http://schemas.microsoft.com/office/powerpoint/2010/main" val="2282696071"/>
       </p:ext>
     </p:extLst>
   </p:cSld>
@@ -16935,543 +17071,78 @@
       </p:grpSpPr>
       <p:sp>
         <p:nvSpPr>
-          <p:cNvPr id="13" name="Rectángulo 12">
-            <a:extLst>
-              <a:ext uri="{FF2B5EF4-FFF2-40B4-BE49-F238E27FC236}">
-                <a16:creationId xmlns:a16="http://schemas.microsoft.com/office/drawing/2014/main" id="{0A67494D-F4E8-77C9-93B9-0D3E7A315327}"/>
-              </a:ext>
-            </a:extLst>
-          </p:cNvPr>
-          <p:cNvSpPr/>
-          <p:nvPr/>
-        </p:nvSpPr>
-        <p:spPr>
-          <a:xfrm>
-            <a:off x="0" y="0"/>
-            <a:ext cx="12192000" cy="6858000"/>
-          </a:xfrm>
-          <a:prstGeom prst="rect">
-            <a:avLst/>
-          </a:prstGeom>
-          <a:solidFill>
-            <a:srgbClr val="80B3FF"/>
-          </a:solidFill>
-          <a:ln>
-            <a:noFill/>
-          </a:ln>
-        </p:spPr>
-        <p:style>
-          <a:lnRef idx="2">
-            <a:schemeClr val="accent1">
-              <a:shade val="50000"/>
-            </a:schemeClr>
-          </a:lnRef>
-          <a:fillRef idx="1">
-            <a:schemeClr val="accent1"/>
-          </a:fillRef>
-          <a:effectRef idx="0">
-            <a:schemeClr val="accent1"/>
-          </a:effectRef>
-          <a:fontRef idx="minor">
-            <a:schemeClr val="lt1"/>
-          </a:fontRef>
-        </p:style>
-        <p:txBody>
-          <a:bodyPr rtlCol="0" anchor="ctr"/>
-          <a:lstStyle/>
-          <a:p>
-            <a:pPr algn="ctr"/>
+          <p:cNvPr id="4" name="Título 3">
+            <a:extLst>
+              <a:ext uri="{FF2B5EF4-FFF2-40B4-BE49-F238E27FC236}">
+                <a16:creationId xmlns:a16="http://schemas.microsoft.com/office/drawing/2014/main" id="{6368BCFD-3DDA-008F-ABD9-B8A0FE7F8A10}"/>
+              </a:ext>
+            </a:extLst>
+          </p:cNvPr>
+          <p:cNvSpPr>
+            <a:spLocks noGrp="1"/>
+          </p:cNvSpPr>
+          <p:nvPr>
+            <p:ph type="title"/>
+          </p:nvPr>
+        </p:nvSpPr>
+        <p:spPr/>
+        <p:txBody>
+          <a:bodyPr/>
+          <a:lstStyle/>
+          <a:p>
+            <a:r>
+              <a:rPr lang="es-ES" dirty="0" err="1"/>
+              <a:t>trunk</a:t>
+            </a:r>
+            <a:r>
+              <a:rPr lang="es-ES" dirty="0"/>
+              <a:t> </a:t>
+            </a:r>
+            <a:r>
+              <a:rPr lang="es-ES" dirty="0" err="1"/>
+              <a:t>based</a:t>
+            </a:r>
+            <a:r>
+              <a:rPr lang="es-ES" dirty="0"/>
+              <a:t> </a:t>
+            </a:r>
+            <a:r>
+              <a:rPr lang="es-ES" dirty="0" err="1"/>
+              <a:t>development</a:t>
+            </a:r>
+            <a:endParaRPr lang="es-ES" dirty="0"/>
+          </a:p>
+        </p:txBody>
+      </p:sp>
+      <p:sp>
+        <p:nvSpPr>
+          <p:cNvPr id="5" name="Marcador de texto 4">
+            <a:extLst>
+              <a:ext uri="{FF2B5EF4-FFF2-40B4-BE49-F238E27FC236}">
+                <a16:creationId xmlns:a16="http://schemas.microsoft.com/office/drawing/2014/main" id="{FC10CEA5-03D8-6473-263D-B1A30B2DB4E2}"/>
+              </a:ext>
+            </a:extLst>
+          </p:cNvPr>
+          <p:cNvSpPr>
+            <a:spLocks noGrp="1"/>
+          </p:cNvSpPr>
+          <p:nvPr>
+            <p:ph type="body" idx="1"/>
+          </p:nvPr>
+        </p:nvSpPr>
+        <p:spPr/>
+        <p:txBody>
+          <a:bodyPr/>
+          <a:lstStyle/>
+          <a:p>
             <a:endParaRPr lang="es-ES"/>
-          </a:p>
-        </p:txBody>
-      </p:sp>
-      <p:sp>
-        <p:nvSpPr>
-          <p:cNvPr id="2" name="Título 1">
-            <a:extLst>
-              <a:ext uri="{FF2B5EF4-FFF2-40B4-BE49-F238E27FC236}">
-                <a16:creationId xmlns:a16="http://schemas.microsoft.com/office/drawing/2014/main" id="{D6014098-37A6-D724-8EC6-CC46403A75DB}"/>
-              </a:ext>
-            </a:extLst>
-          </p:cNvPr>
-          <p:cNvSpPr>
-            <a:spLocks noGrp="1"/>
-          </p:cNvSpPr>
-          <p:nvPr>
-            <p:ph type="title"/>
-          </p:nvPr>
-        </p:nvSpPr>
-        <p:spPr>
-          <a:xfrm>
-            <a:off x="831850" y="1618581"/>
-            <a:ext cx="3916613" cy="2852737"/>
-          </a:xfrm>
-        </p:spPr>
-        <p:txBody>
-          <a:bodyPr anchor="t" anchorCtr="0">
-            <a:normAutofit/>
-          </a:bodyPr>
-          <a:lstStyle/>
-          <a:p>
-            <a:r>
-              <a:rPr lang="es-ES" sz="4000" dirty="0" err="1"/>
-              <a:t>trunk</a:t>
-            </a:r>
-            <a:r>
-              <a:rPr lang="es-ES" sz="4000" dirty="0"/>
-              <a:t> </a:t>
-            </a:r>
-            <a:r>
-              <a:rPr lang="es-ES" sz="4000" dirty="0" err="1"/>
-              <a:t>based</a:t>
-            </a:r>
-            <a:r>
-              <a:rPr lang="es-ES" sz="4000" dirty="0"/>
-              <a:t> </a:t>
-            </a:r>
-            <a:r>
-              <a:rPr lang="es-ES" sz="4000" dirty="0" err="1"/>
-              <a:t>development</a:t>
-            </a:r>
-            <a:endParaRPr lang="es-ES" sz="4000" dirty="0"/>
-          </a:p>
-        </p:txBody>
-      </p:sp>
-      <p:sp>
-        <p:nvSpPr>
-          <p:cNvPr id="3" name="Marcador de texto 2">
-            <a:extLst>
-              <a:ext uri="{FF2B5EF4-FFF2-40B4-BE49-F238E27FC236}">
-                <a16:creationId xmlns:a16="http://schemas.microsoft.com/office/drawing/2014/main" id="{E052FC13-3CFD-635F-3A34-906EB2BBB5BA}"/>
-              </a:ext>
-            </a:extLst>
-          </p:cNvPr>
-          <p:cNvSpPr>
-            <a:spLocks noGrp="1"/>
-          </p:cNvSpPr>
-          <p:nvPr>
-            <p:ph type="body" idx="1"/>
-          </p:nvPr>
-        </p:nvSpPr>
-        <p:spPr/>
-        <p:txBody>
-          <a:bodyPr/>
-          <a:lstStyle/>
-          <a:p>
-            <a:endParaRPr lang="es-ES"/>
-          </a:p>
-        </p:txBody>
-      </p:sp>
-      <p:sp>
-        <p:nvSpPr>
-          <p:cNvPr id="6" name="Rectángulo 5">
-            <a:extLst>
-              <a:ext uri="{FF2B5EF4-FFF2-40B4-BE49-F238E27FC236}">
-                <a16:creationId xmlns:a16="http://schemas.microsoft.com/office/drawing/2014/main" id="{BC88E46F-5F61-C849-6B29-2BE4B2D15C28}"/>
-              </a:ext>
-            </a:extLst>
-          </p:cNvPr>
-          <p:cNvSpPr/>
-          <p:nvPr/>
-        </p:nvSpPr>
-        <p:spPr>
-          <a:xfrm rot="2700000">
-            <a:off x="3848490" y="-1341262"/>
-            <a:ext cx="8624068" cy="13376789"/>
-          </a:xfrm>
-          <a:prstGeom prst="rect">
-            <a:avLst/>
-          </a:prstGeom>
-          <a:solidFill>
-            <a:srgbClr val="FFE680"/>
-          </a:solidFill>
-          <a:ln>
-            <a:noFill/>
-          </a:ln>
-        </p:spPr>
-        <p:style>
-          <a:lnRef idx="2">
-            <a:schemeClr val="accent1">
-              <a:shade val="50000"/>
-            </a:schemeClr>
-          </a:lnRef>
-          <a:fillRef idx="1">
-            <a:schemeClr val="accent1"/>
-          </a:fillRef>
-          <a:effectRef idx="0">
-            <a:schemeClr val="accent1"/>
-          </a:effectRef>
-          <a:fontRef idx="minor">
-            <a:schemeClr val="lt1"/>
-          </a:fontRef>
-        </p:style>
-        <p:txBody>
-          <a:bodyPr rtlCol="0" anchor="ctr"/>
-          <a:lstStyle/>
-          <a:p>
-            <a:pPr algn="ctr"/>
-            <a:endParaRPr lang="es-ES" dirty="0"/>
-          </a:p>
-        </p:txBody>
-      </p:sp>
-      <p:sp>
-        <p:nvSpPr>
-          <p:cNvPr id="7" name="CuadroTexto 6">
-            <a:extLst>
-              <a:ext uri="{FF2B5EF4-FFF2-40B4-BE49-F238E27FC236}">
-                <a16:creationId xmlns:a16="http://schemas.microsoft.com/office/drawing/2014/main" id="{DCAB4AA9-AC46-D673-78F1-21EC361FEE20}"/>
-              </a:ext>
-            </a:extLst>
-          </p:cNvPr>
-          <p:cNvSpPr txBox="1"/>
-          <p:nvPr/>
-        </p:nvSpPr>
-        <p:spPr>
-          <a:xfrm>
-            <a:off x="4531018" y="3429000"/>
-            <a:ext cx="3512180" cy="923330"/>
-          </a:xfrm>
-          <a:prstGeom prst="rect">
-            <a:avLst/>
-          </a:prstGeom>
-          <a:noFill/>
-        </p:spPr>
-        <p:txBody>
-          <a:bodyPr wrap="none" rtlCol="0">
-            <a:spAutoFit/>
-          </a:bodyPr>
-          <a:lstStyle/>
-          <a:p>
-            <a:r>
-              <a:rPr lang="es-ES" sz="3600" b="1" dirty="0">
-                <a:latin typeface="Montserrat" panose="00000500000000000000" pitchFamily="50" charset="0"/>
-              </a:rPr>
-              <a:t>01 integración</a:t>
-            </a:r>
-          </a:p>
-          <a:p>
-            <a:r>
-              <a:rPr lang="es-ES" dirty="0" err="1">
-                <a:latin typeface="Montserrat" panose="00000500000000000000" pitchFamily="50" charset="0"/>
-              </a:rPr>
-              <a:t>Lorem</a:t>
-            </a:r>
-            <a:r>
-              <a:rPr lang="es-ES" dirty="0">
-                <a:latin typeface="Montserrat" panose="00000500000000000000" pitchFamily="50" charset="0"/>
-              </a:rPr>
-              <a:t> </a:t>
-            </a:r>
-            <a:r>
-              <a:rPr lang="es-ES" dirty="0" err="1">
-                <a:latin typeface="Montserrat" panose="00000500000000000000" pitchFamily="50" charset="0"/>
-              </a:rPr>
-              <a:t>ipsum</a:t>
-            </a:r>
-            <a:r>
-              <a:rPr lang="es-ES" dirty="0">
-                <a:latin typeface="Montserrat" panose="00000500000000000000" pitchFamily="50" charset="0"/>
-              </a:rPr>
-              <a:t> dolor </a:t>
-            </a:r>
-            <a:r>
-              <a:rPr lang="es-ES" dirty="0" err="1">
-                <a:latin typeface="Montserrat" panose="00000500000000000000" pitchFamily="50" charset="0"/>
-              </a:rPr>
-              <a:t>sit</a:t>
-            </a:r>
-            <a:r>
-              <a:rPr lang="es-ES" dirty="0">
-                <a:latin typeface="Montserrat" panose="00000500000000000000" pitchFamily="50" charset="0"/>
-              </a:rPr>
-              <a:t> </a:t>
-            </a:r>
-            <a:r>
-              <a:rPr lang="es-ES" dirty="0" err="1">
-                <a:latin typeface="Montserrat" panose="00000500000000000000" pitchFamily="50" charset="0"/>
-              </a:rPr>
-              <a:t>amet</a:t>
-            </a:r>
-            <a:endParaRPr lang="es-ES" dirty="0">
-              <a:latin typeface="Montserrat" panose="00000500000000000000" pitchFamily="50" charset="0"/>
-            </a:endParaRPr>
-          </a:p>
-        </p:txBody>
-      </p:sp>
-      <p:sp>
-        <p:nvSpPr>
-          <p:cNvPr id="10" name="CuadroTexto 9">
-            <a:extLst>
-              <a:ext uri="{FF2B5EF4-FFF2-40B4-BE49-F238E27FC236}">
-                <a16:creationId xmlns:a16="http://schemas.microsoft.com/office/drawing/2014/main" id="{21A1C553-D82E-AD8E-45D6-7638F081678E}"/>
-              </a:ext>
-            </a:extLst>
-          </p:cNvPr>
-          <p:cNvSpPr txBox="1"/>
-          <p:nvPr/>
-        </p:nvSpPr>
-        <p:spPr>
-          <a:xfrm>
-            <a:off x="8468124" y="3429000"/>
-            <a:ext cx="3360215" cy="923330"/>
-          </a:xfrm>
-          <a:prstGeom prst="rect">
-            <a:avLst/>
-          </a:prstGeom>
-          <a:noFill/>
-        </p:spPr>
-        <p:txBody>
-          <a:bodyPr wrap="none" rtlCol="0">
-            <a:spAutoFit/>
-          </a:bodyPr>
-          <a:lstStyle/>
-          <a:p>
-            <a:r>
-              <a:rPr lang="es-ES" sz="3600" b="1" dirty="0">
-                <a:latin typeface="Montserrat" panose="00000500000000000000" pitchFamily="50" charset="0"/>
-              </a:rPr>
-              <a:t>02 </a:t>
-            </a:r>
-            <a:r>
-              <a:rPr lang="es-ES" sz="3600" b="1" dirty="0" err="1">
-                <a:latin typeface="Montserrat" panose="00000500000000000000" pitchFamily="50" charset="0"/>
-              </a:rPr>
-              <a:t>flag</a:t>
-            </a:r>
-            <a:endParaRPr lang="es-ES" sz="3600" b="1" dirty="0">
-              <a:latin typeface="Montserrat" panose="00000500000000000000" pitchFamily="50" charset="0"/>
-            </a:endParaRPr>
-          </a:p>
-          <a:p>
-            <a:r>
-              <a:rPr lang="es-ES" dirty="0" err="1">
-                <a:latin typeface="Montserrat" panose="00000500000000000000" pitchFamily="50" charset="0"/>
-              </a:rPr>
-              <a:t>Lorem</a:t>
-            </a:r>
-            <a:r>
-              <a:rPr lang="es-ES" dirty="0">
-                <a:latin typeface="Montserrat" panose="00000500000000000000" pitchFamily="50" charset="0"/>
-              </a:rPr>
-              <a:t> </a:t>
-            </a:r>
-            <a:r>
-              <a:rPr lang="es-ES" dirty="0" err="1">
-                <a:latin typeface="Montserrat" panose="00000500000000000000" pitchFamily="50" charset="0"/>
-              </a:rPr>
-              <a:t>ipsum</a:t>
-            </a:r>
-            <a:r>
-              <a:rPr lang="es-ES" dirty="0">
-                <a:latin typeface="Montserrat" panose="00000500000000000000" pitchFamily="50" charset="0"/>
-              </a:rPr>
-              <a:t> dolor </a:t>
-            </a:r>
-            <a:r>
-              <a:rPr lang="es-ES" dirty="0" err="1">
-                <a:latin typeface="Montserrat" panose="00000500000000000000" pitchFamily="50" charset="0"/>
-              </a:rPr>
-              <a:t>sit</a:t>
-            </a:r>
-            <a:r>
-              <a:rPr lang="es-ES" dirty="0">
-                <a:latin typeface="Montserrat" panose="00000500000000000000" pitchFamily="50" charset="0"/>
-              </a:rPr>
-              <a:t> </a:t>
-            </a:r>
-            <a:r>
-              <a:rPr lang="es-ES" dirty="0" err="1">
-                <a:latin typeface="Montserrat" panose="00000500000000000000" pitchFamily="50" charset="0"/>
-              </a:rPr>
-              <a:t>amet</a:t>
-            </a:r>
-            <a:endParaRPr lang="es-ES" dirty="0">
-              <a:latin typeface="Montserrat" panose="00000500000000000000" pitchFamily="50" charset="0"/>
-            </a:endParaRPr>
-          </a:p>
-        </p:txBody>
-      </p:sp>
-      <p:sp>
-        <p:nvSpPr>
-          <p:cNvPr id="11" name="CuadroTexto 10">
-            <a:extLst>
-              <a:ext uri="{FF2B5EF4-FFF2-40B4-BE49-F238E27FC236}">
-                <a16:creationId xmlns:a16="http://schemas.microsoft.com/office/drawing/2014/main" id="{7FC37678-9D97-D521-2485-D7E362C2C016}"/>
-              </a:ext>
-            </a:extLst>
-          </p:cNvPr>
-          <p:cNvSpPr txBox="1"/>
-          <p:nvPr/>
-        </p:nvSpPr>
-        <p:spPr>
-          <a:xfrm>
-            <a:off x="4531018" y="5166320"/>
-            <a:ext cx="3360215" cy="923330"/>
-          </a:xfrm>
-          <a:prstGeom prst="rect">
-            <a:avLst/>
-          </a:prstGeom>
-          <a:noFill/>
-        </p:spPr>
-        <p:txBody>
-          <a:bodyPr wrap="none" rtlCol="0">
-            <a:spAutoFit/>
-          </a:bodyPr>
-          <a:lstStyle/>
-          <a:p>
-            <a:r>
-              <a:rPr lang="es-ES" sz="3600" b="1" dirty="0">
-                <a:latin typeface="Montserrat" panose="00000500000000000000" pitchFamily="50" charset="0"/>
-              </a:rPr>
-              <a:t>03 </a:t>
-            </a:r>
-            <a:r>
-              <a:rPr lang="es-ES" sz="3600" b="1" dirty="0" err="1">
-                <a:latin typeface="Montserrat" panose="00000500000000000000" pitchFamily="50" charset="0"/>
-              </a:rPr>
-              <a:t>branches</a:t>
-            </a:r>
-            <a:endParaRPr lang="es-ES" sz="3600" b="1" dirty="0">
-              <a:latin typeface="Montserrat" panose="00000500000000000000" pitchFamily="50" charset="0"/>
-            </a:endParaRPr>
-          </a:p>
-          <a:p>
-            <a:r>
-              <a:rPr lang="es-ES" dirty="0" err="1">
-                <a:latin typeface="Montserrat" panose="00000500000000000000" pitchFamily="50" charset="0"/>
-              </a:rPr>
-              <a:t>Lorem</a:t>
-            </a:r>
-            <a:r>
-              <a:rPr lang="es-ES" dirty="0">
-                <a:latin typeface="Montserrat" panose="00000500000000000000" pitchFamily="50" charset="0"/>
-              </a:rPr>
-              <a:t> </a:t>
-            </a:r>
-            <a:r>
-              <a:rPr lang="es-ES" dirty="0" err="1">
-                <a:latin typeface="Montserrat" panose="00000500000000000000" pitchFamily="50" charset="0"/>
-              </a:rPr>
-              <a:t>ipsum</a:t>
-            </a:r>
-            <a:r>
-              <a:rPr lang="es-ES" dirty="0">
-                <a:latin typeface="Montserrat" panose="00000500000000000000" pitchFamily="50" charset="0"/>
-              </a:rPr>
-              <a:t> dolor </a:t>
-            </a:r>
-            <a:r>
-              <a:rPr lang="es-ES" dirty="0" err="1">
-                <a:latin typeface="Montserrat" panose="00000500000000000000" pitchFamily="50" charset="0"/>
-              </a:rPr>
-              <a:t>sit</a:t>
-            </a:r>
-            <a:r>
-              <a:rPr lang="es-ES" dirty="0">
-                <a:latin typeface="Montserrat" panose="00000500000000000000" pitchFamily="50" charset="0"/>
-              </a:rPr>
-              <a:t> </a:t>
-            </a:r>
-            <a:r>
-              <a:rPr lang="es-ES" dirty="0" err="1">
-                <a:latin typeface="Montserrat" panose="00000500000000000000" pitchFamily="50" charset="0"/>
-              </a:rPr>
-              <a:t>amet</a:t>
-            </a:r>
-            <a:endParaRPr lang="es-ES" dirty="0">
-              <a:latin typeface="Montserrat" panose="00000500000000000000" pitchFamily="50" charset="0"/>
-            </a:endParaRPr>
-          </a:p>
-        </p:txBody>
-      </p:sp>
-      <p:sp>
-        <p:nvSpPr>
-          <p:cNvPr id="12" name="CuadroTexto 11">
-            <a:extLst>
-              <a:ext uri="{FF2B5EF4-FFF2-40B4-BE49-F238E27FC236}">
-                <a16:creationId xmlns:a16="http://schemas.microsoft.com/office/drawing/2014/main" id="{6818D6A5-8C68-A161-B03E-989703854C7D}"/>
-              </a:ext>
-            </a:extLst>
-          </p:cNvPr>
-          <p:cNvSpPr txBox="1"/>
-          <p:nvPr/>
-        </p:nvSpPr>
-        <p:spPr>
-          <a:xfrm>
-            <a:off x="8468124" y="5166320"/>
-            <a:ext cx="3506088" cy="923330"/>
-          </a:xfrm>
-          <a:prstGeom prst="rect">
-            <a:avLst/>
-          </a:prstGeom>
-          <a:noFill/>
-        </p:spPr>
-        <p:txBody>
-          <a:bodyPr wrap="none" rtlCol="0">
-            <a:spAutoFit/>
-          </a:bodyPr>
-          <a:lstStyle/>
-          <a:p>
-            <a:r>
-              <a:rPr lang="es-ES" sz="3600" b="1" dirty="0">
-                <a:latin typeface="Montserrat" panose="00000500000000000000" pitchFamily="50" charset="0"/>
-              </a:rPr>
-              <a:t>04 despliegue</a:t>
-            </a:r>
-          </a:p>
-          <a:p>
-            <a:r>
-              <a:rPr lang="es-ES" dirty="0" err="1">
-                <a:latin typeface="Montserrat" panose="00000500000000000000" pitchFamily="50" charset="0"/>
-              </a:rPr>
-              <a:t>Lorem</a:t>
-            </a:r>
-            <a:r>
-              <a:rPr lang="es-ES" dirty="0">
-                <a:latin typeface="Montserrat" panose="00000500000000000000" pitchFamily="50" charset="0"/>
-              </a:rPr>
-              <a:t> </a:t>
-            </a:r>
-            <a:r>
-              <a:rPr lang="es-ES" dirty="0" err="1">
-                <a:latin typeface="Montserrat" panose="00000500000000000000" pitchFamily="50" charset="0"/>
-              </a:rPr>
-              <a:t>ipsum</a:t>
-            </a:r>
-            <a:r>
-              <a:rPr lang="es-ES" dirty="0">
-                <a:latin typeface="Montserrat" panose="00000500000000000000" pitchFamily="50" charset="0"/>
-              </a:rPr>
-              <a:t> dolor </a:t>
-            </a:r>
-            <a:r>
-              <a:rPr lang="es-ES" dirty="0" err="1">
-                <a:latin typeface="Montserrat" panose="00000500000000000000" pitchFamily="50" charset="0"/>
-              </a:rPr>
-              <a:t>sit</a:t>
-            </a:r>
-            <a:r>
-              <a:rPr lang="es-ES" dirty="0">
-                <a:latin typeface="Montserrat" panose="00000500000000000000" pitchFamily="50" charset="0"/>
-              </a:rPr>
-              <a:t> </a:t>
-            </a:r>
-            <a:r>
-              <a:rPr lang="es-ES" dirty="0" err="1">
-                <a:latin typeface="Montserrat" panose="00000500000000000000" pitchFamily="50" charset="0"/>
-              </a:rPr>
-              <a:t>amet</a:t>
-            </a:r>
-            <a:endParaRPr lang="es-ES" dirty="0">
-              <a:latin typeface="Montserrat" panose="00000500000000000000" pitchFamily="50" charset="0"/>
-            </a:endParaRPr>
           </a:p>
         </p:txBody>
       </p:sp>
     </p:spTree>
     <p:extLst>
       <p:ext uri="{BB962C8B-B14F-4D97-AF65-F5344CB8AC3E}">
-        <p14:creationId xmlns:p14="http://schemas.microsoft.com/office/powerpoint/2010/main" val="2268757082"/>
+        <p14:creationId xmlns:p14="http://schemas.microsoft.com/office/powerpoint/2010/main" val="3642158899"/>
       </p:ext>
     </p:extLst>
   </p:cSld>
@@ -17663,10 +17334,62 @@
       </p:grpSpPr>
       <p:sp>
         <p:nvSpPr>
+          <p:cNvPr id="13" name="Rectángulo 12">
+            <a:extLst>
+              <a:ext uri="{FF2B5EF4-FFF2-40B4-BE49-F238E27FC236}">
+                <a16:creationId xmlns:a16="http://schemas.microsoft.com/office/drawing/2014/main" id="{0A67494D-F4E8-77C9-93B9-0D3E7A315327}"/>
+              </a:ext>
+            </a:extLst>
+          </p:cNvPr>
+          <p:cNvSpPr/>
+          <p:nvPr/>
+        </p:nvSpPr>
+        <p:spPr>
+          <a:xfrm>
+            <a:off x="0" y="0"/>
+            <a:ext cx="12192000" cy="6858000"/>
+          </a:xfrm>
+          <a:prstGeom prst="rect">
+            <a:avLst/>
+          </a:prstGeom>
+          <a:solidFill>
+            <a:srgbClr val="80B3FF"/>
+          </a:solidFill>
+          <a:ln>
+            <a:noFill/>
+          </a:ln>
+        </p:spPr>
+        <p:style>
+          <a:lnRef idx="2">
+            <a:schemeClr val="accent1">
+              <a:shade val="50000"/>
+            </a:schemeClr>
+          </a:lnRef>
+          <a:fillRef idx="1">
+            <a:schemeClr val="accent1"/>
+          </a:fillRef>
+          <a:effectRef idx="0">
+            <a:schemeClr val="accent1"/>
+          </a:effectRef>
+          <a:fontRef idx="minor">
+            <a:schemeClr val="lt1"/>
+          </a:fontRef>
+        </p:style>
+        <p:txBody>
+          <a:bodyPr rtlCol="0" anchor="ctr"/>
+          <a:lstStyle/>
+          <a:p>
+            <a:pPr algn="ctr"/>
+            <a:endParaRPr lang="es-ES"/>
+          </a:p>
+        </p:txBody>
+      </p:sp>
+      <p:sp>
+        <p:nvSpPr>
           <p:cNvPr id="2" name="Título 1">
             <a:extLst>
               <a:ext uri="{FF2B5EF4-FFF2-40B4-BE49-F238E27FC236}">
-                <a16:creationId xmlns:a16="http://schemas.microsoft.com/office/drawing/2014/main" id="{5BA28A46-F191-CDF9-A733-3F432F204DF2}"/>
+                <a16:creationId xmlns:a16="http://schemas.microsoft.com/office/drawing/2014/main" id="{D6014098-37A6-D724-8EC6-CC46403A75DB}"/>
               </a:ext>
             </a:extLst>
           </p:cNvPr>
@@ -17677,47 +17400,477 @@
             <p:ph type="title"/>
           </p:nvPr>
         </p:nvSpPr>
+        <p:spPr>
+          <a:xfrm>
+            <a:off x="831850" y="1618581"/>
+            <a:ext cx="3916613" cy="2852737"/>
+          </a:xfrm>
+        </p:spPr>
+        <p:txBody>
+          <a:bodyPr anchor="t" anchorCtr="0">
+            <a:normAutofit/>
+          </a:bodyPr>
+          <a:lstStyle/>
+          <a:p>
+            <a:r>
+              <a:rPr lang="es-ES" sz="4000" dirty="0" err="1"/>
+              <a:t>trunk</a:t>
+            </a:r>
+            <a:r>
+              <a:rPr lang="es-ES" sz="4000" dirty="0"/>
+              <a:t> </a:t>
+            </a:r>
+            <a:r>
+              <a:rPr lang="es-ES" sz="4000" dirty="0" err="1"/>
+              <a:t>based</a:t>
+            </a:r>
+            <a:r>
+              <a:rPr lang="es-ES" sz="4000" dirty="0"/>
+              <a:t> </a:t>
+            </a:r>
+            <a:r>
+              <a:rPr lang="es-ES" sz="4000" dirty="0" err="1"/>
+              <a:t>development</a:t>
+            </a:r>
+            <a:endParaRPr lang="es-ES" sz="4000" dirty="0"/>
+          </a:p>
+        </p:txBody>
+      </p:sp>
+      <p:sp>
+        <p:nvSpPr>
+          <p:cNvPr id="3" name="Marcador de texto 2">
+            <a:extLst>
+              <a:ext uri="{FF2B5EF4-FFF2-40B4-BE49-F238E27FC236}">
+                <a16:creationId xmlns:a16="http://schemas.microsoft.com/office/drawing/2014/main" id="{E052FC13-3CFD-635F-3A34-906EB2BBB5BA}"/>
+              </a:ext>
+            </a:extLst>
+          </p:cNvPr>
+          <p:cNvSpPr>
+            <a:spLocks noGrp="1"/>
+          </p:cNvSpPr>
+          <p:nvPr>
+            <p:ph type="body" idx="1"/>
+          </p:nvPr>
+        </p:nvSpPr>
         <p:spPr/>
         <p:txBody>
           <a:bodyPr/>
           <a:lstStyle/>
           <a:p>
-            <a:r>
-              <a:rPr lang="es-ES" dirty="0"/>
-              <a:t>01 integración continua</a:t>
-            </a:r>
-          </a:p>
-        </p:txBody>
-      </p:sp>
-      <p:sp>
-        <p:nvSpPr>
-          <p:cNvPr id="3" name="Marcador de contenido 2">
-            <a:extLst>
-              <a:ext uri="{FF2B5EF4-FFF2-40B4-BE49-F238E27FC236}">
-                <a16:creationId xmlns:a16="http://schemas.microsoft.com/office/drawing/2014/main" id="{AE93AFF9-F6D3-312F-9AFF-97D2802447ED}"/>
-              </a:ext>
-            </a:extLst>
-          </p:cNvPr>
-          <p:cNvSpPr>
-            <a:spLocks noGrp="1"/>
-          </p:cNvSpPr>
-          <p:nvPr>
-            <p:ph idx="1"/>
-          </p:nvPr>
-        </p:nvSpPr>
-        <p:spPr/>
-        <p:txBody>
-          <a:bodyPr/>
-          <a:lstStyle/>
-          <a:p>
             <a:endParaRPr lang="es-ES"/>
+          </a:p>
+        </p:txBody>
+      </p:sp>
+      <p:sp>
+        <p:nvSpPr>
+          <p:cNvPr id="6" name="Rectángulo 5">
+            <a:extLst>
+              <a:ext uri="{FF2B5EF4-FFF2-40B4-BE49-F238E27FC236}">
+                <a16:creationId xmlns:a16="http://schemas.microsoft.com/office/drawing/2014/main" id="{BC88E46F-5F61-C849-6B29-2BE4B2D15C28}"/>
+              </a:ext>
+            </a:extLst>
+          </p:cNvPr>
+          <p:cNvSpPr/>
+          <p:nvPr/>
+        </p:nvSpPr>
+        <p:spPr>
+          <a:xfrm rot="2700000">
+            <a:off x="3848490" y="-1341262"/>
+            <a:ext cx="8624068" cy="13376789"/>
+          </a:xfrm>
+          <a:prstGeom prst="rect">
+            <a:avLst/>
+          </a:prstGeom>
+          <a:solidFill>
+            <a:srgbClr val="FFE680"/>
+          </a:solidFill>
+          <a:ln>
+            <a:noFill/>
+          </a:ln>
+        </p:spPr>
+        <p:style>
+          <a:lnRef idx="2">
+            <a:schemeClr val="accent1">
+              <a:shade val="50000"/>
+            </a:schemeClr>
+          </a:lnRef>
+          <a:fillRef idx="1">
+            <a:schemeClr val="accent1"/>
+          </a:fillRef>
+          <a:effectRef idx="0">
+            <a:schemeClr val="accent1"/>
+          </a:effectRef>
+          <a:fontRef idx="minor">
+            <a:schemeClr val="lt1"/>
+          </a:fontRef>
+        </p:style>
+        <p:txBody>
+          <a:bodyPr rtlCol="0" anchor="ctr"/>
+          <a:lstStyle/>
+          <a:p>
+            <a:pPr algn="ctr"/>
+            <a:endParaRPr lang="es-ES" dirty="0"/>
+          </a:p>
+        </p:txBody>
+      </p:sp>
+      <p:sp>
+        <p:nvSpPr>
+          <p:cNvPr id="7" name="CuadroTexto 6">
+            <a:extLst>
+              <a:ext uri="{FF2B5EF4-FFF2-40B4-BE49-F238E27FC236}">
+                <a16:creationId xmlns:a16="http://schemas.microsoft.com/office/drawing/2014/main" id="{DCAB4AA9-AC46-D673-78F1-21EC361FEE20}"/>
+              </a:ext>
+            </a:extLst>
+          </p:cNvPr>
+          <p:cNvSpPr txBox="1"/>
+          <p:nvPr/>
+        </p:nvSpPr>
+        <p:spPr>
+          <a:xfrm>
+            <a:off x="4531018" y="3429000"/>
+            <a:ext cx="3512180" cy="923330"/>
+          </a:xfrm>
+          <a:prstGeom prst="rect">
+            <a:avLst/>
+          </a:prstGeom>
+          <a:noFill/>
+        </p:spPr>
+        <p:txBody>
+          <a:bodyPr wrap="none" rtlCol="0">
+            <a:spAutoFit/>
+          </a:bodyPr>
+          <a:lstStyle/>
+          <a:p>
+            <a:r>
+              <a:rPr lang="es-ES" sz="3600" b="1" dirty="0">
+                <a:latin typeface="Montserrat" panose="00000500000000000000" pitchFamily="50" charset="0"/>
+              </a:rPr>
+              <a:t>01 integración</a:t>
+            </a:r>
+          </a:p>
+          <a:p>
+            <a:r>
+              <a:rPr lang="es-ES" dirty="0" err="1">
+                <a:latin typeface="Montserrat" panose="00000500000000000000" pitchFamily="50" charset="0"/>
+              </a:rPr>
+              <a:t>Lorem</a:t>
+            </a:r>
+            <a:r>
+              <a:rPr lang="es-ES" dirty="0">
+                <a:latin typeface="Montserrat" panose="00000500000000000000" pitchFamily="50" charset="0"/>
+              </a:rPr>
+              <a:t> </a:t>
+            </a:r>
+            <a:r>
+              <a:rPr lang="es-ES" dirty="0" err="1">
+                <a:latin typeface="Montserrat" panose="00000500000000000000" pitchFamily="50" charset="0"/>
+              </a:rPr>
+              <a:t>ipsum</a:t>
+            </a:r>
+            <a:r>
+              <a:rPr lang="es-ES" dirty="0">
+                <a:latin typeface="Montserrat" panose="00000500000000000000" pitchFamily="50" charset="0"/>
+              </a:rPr>
+              <a:t> dolor </a:t>
+            </a:r>
+            <a:r>
+              <a:rPr lang="es-ES" dirty="0" err="1">
+                <a:latin typeface="Montserrat" panose="00000500000000000000" pitchFamily="50" charset="0"/>
+              </a:rPr>
+              <a:t>sit</a:t>
+            </a:r>
+            <a:r>
+              <a:rPr lang="es-ES" dirty="0">
+                <a:latin typeface="Montserrat" panose="00000500000000000000" pitchFamily="50" charset="0"/>
+              </a:rPr>
+              <a:t> </a:t>
+            </a:r>
+            <a:r>
+              <a:rPr lang="es-ES" dirty="0" err="1">
+                <a:latin typeface="Montserrat" panose="00000500000000000000" pitchFamily="50" charset="0"/>
+              </a:rPr>
+              <a:t>amet</a:t>
+            </a:r>
+            <a:endParaRPr lang="es-ES" dirty="0">
+              <a:latin typeface="Montserrat" panose="00000500000000000000" pitchFamily="50" charset="0"/>
+            </a:endParaRPr>
+          </a:p>
+        </p:txBody>
+      </p:sp>
+      <p:sp>
+        <p:nvSpPr>
+          <p:cNvPr id="10" name="CuadroTexto 9">
+            <a:extLst>
+              <a:ext uri="{FF2B5EF4-FFF2-40B4-BE49-F238E27FC236}">
+                <a16:creationId xmlns:a16="http://schemas.microsoft.com/office/drawing/2014/main" id="{21A1C553-D82E-AD8E-45D6-7638F081678E}"/>
+              </a:ext>
+            </a:extLst>
+          </p:cNvPr>
+          <p:cNvSpPr txBox="1"/>
+          <p:nvPr/>
+        </p:nvSpPr>
+        <p:spPr>
+          <a:xfrm>
+            <a:off x="8468124" y="3429000"/>
+            <a:ext cx="3360215" cy="923330"/>
+          </a:xfrm>
+          <a:prstGeom prst="rect">
+            <a:avLst/>
+          </a:prstGeom>
+          <a:noFill/>
+        </p:spPr>
+        <p:txBody>
+          <a:bodyPr wrap="none" rtlCol="0">
+            <a:spAutoFit/>
+          </a:bodyPr>
+          <a:lstStyle/>
+          <a:p>
+            <a:r>
+              <a:rPr lang="es-ES" sz="3600" b="1" dirty="0">
+                <a:latin typeface="Montserrat" panose="00000500000000000000" pitchFamily="50" charset="0"/>
+              </a:rPr>
+              <a:t>02 </a:t>
+            </a:r>
+            <a:r>
+              <a:rPr lang="es-ES" sz="3600" b="1" dirty="0" err="1">
+                <a:latin typeface="Montserrat" panose="00000500000000000000" pitchFamily="50" charset="0"/>
+              </a:rPr>
+              <a:t>flag</a:t>
+            </a:r>
+            <a:endParaRPr lang="es-ES" sz="3600" b="1" dirty="0">
+              <a:latin typeface="Montserrat" panose="00000500000000000000" pitchFamily="50" charset="0"/>
+            </a:endParaRPr>
+          </a:p>
+          <a:p>
+            <a:r>
+              <a:rPr lang="es-ES" dirty="0" err="1">
+                <a:latin typeface="Montserrat" panose="00000500000000000000" pitchFamily="50" charset="0"/>
+              </a:rPr>
+              <a:t>Lorem</a:t>
+            </a:r>
+            <a:r>
+              <a:rPr lang="es-ES" dirty="0">
+                <a:latin typeface="Montserrat" panose="00000500000000000000" pitchFamily="50" charset="0"/>
+              </a:rPr>
+              <a:t> </a:t>
+            </a:r>
+            <a:r>
+              <a:rPr lang="es-ES" dirty="0" err="1">
+                <a:latin typeface="Montserrat" panose="00000500000000000000" pitchFamily="50" charset="0"/>
+              </a:rPr>
+              <a:t>ipsum</a:t>
+            </a:r>
+            <a:r>
+              <a:rPr lang="es-ES" dirty="0">
+                <a:latin typeface="Montserrat" panose="00000500000000000000" pitchFamily="50" charset="0"/>
+              </a:rPr>
+              <a:t> dolor </a:t>
+            </a:r>
+            <a:r>
+              <a:rPr lang="es-ES" dirty="0" err="1">
+                <a:latin typeface="Montserrat" panose="00000500000000000000" pitchFamily="50" charset="0"/>
+              </a:rPr>
+              <a:t>sit</a:t>
+            </a:r>
+            <a:r>
+              <a:rPr lang="es-ES" dirty="0">
+                <a:latin typeface="Montserrat" panose="00000500000000000000" pitchFamily="50" charset="0"/>
+              </a:rPr>
+              <a:t> </a:t>
+            </a:r>
+            <a:r>
+              <a:rPr lang="es-ES" dirty="0" err="1">
+                <a:latin typeface="Montserrat" panose="00000500000000000000" pitchFamily="50" charset="0"/>
+              </a:rPr>
+              <a:t>amet</a:t>
+            </a:r>
+            <a:endParaRPr lang="es-ES" dirty="0">
+              <a:latin typeface="Montserrat" panose="00000500000000000000" pitchFamily="50" charset="0"/>
+            </a:endParaRPr>
+          </a:p>
+        </p:txBody>
+      </p:sp>
+      <p:sp>
+        <p:nvSpPr>
+          <p:cNvPr id="11" name="CuadroTexto 10">
+            <a:extLst>
+              <a:ext uri="{FF2B5EF4-FFF2-40B4-BE49-F238E27FC236}">
+                <a16:creationId xmlns:a16="http://schemas.microsoft.com/office/drawing/2014/main" id="{7FC37678-9D97-D521-2485-D7E362C2C016}"/>
+              </a:ext>
+            </a:extLst>
+          </p:cNvPr>
+          <p:cNvSpPr txBox="1"/>
+          <p:nvPr/>
+        </p:nvSpPr>
+        <p:spPr>
+          <a:xfrm>
+            <a:off x="4531018" y="5166320"/>
+            <a:ext cx="3360215" cy="923330"/>
+          </a:xfrm>
+          <a:prstGeom prst="rect">
+            <a:avLst/>
+          </a:prstGeom>
+          <a:noFill/>
+        </p:spPr>
+        <p:txBody>
+          <a:bodyPr wrap="none" rtlCol="0">
+            <a:spAutoFit/>
+          </a:bodyPr>
+          <a:lstStyle/>
+          <a:p>
+            <a:r>
+              <a:rPr lang="es-ES" sz="3600" b="1" dirty="0">
+                <a:latin typeface="Montserrat" panose="00000500000000000000" pitchFamily="50" charset="0"/>
+              </a:rPr>
+              <a:t>03 </a:t>
+            </a:r>
+            <a:r>
+              <a:rPr lang="es-ES" sz="3600" b="1" dirty="0" err="1">
+                <a:latin typeface="Montserrat" panose="00000500000000000000" pitchFamily="50" charset="0"/>
+              </a:rPr>
+              <a:t>branches</a:t>
+            </a:r>
+            <a:endParaRPr lang="es-ES" sz="3600" b="1" dirty="0">
+              <a:latin typeface="Montserrat" panose="00000500000000000000" pitchFamily="50" charset="0"/>
+            </a:endParaRPr>
+          </a:p>
+          <a:p>
+            <a:r>
+              <a:rPr lang="es-ES" dirty="0" err="1">
+                <a:latin typeface="Montserrat" panose="00000500000000000000" pitchFamily="50" charset="0"/>
+              </a:rPr>
+              <a:t>Lorem</a:t>
+            </a:r>
+            <a:r>
+              <a:rPr lang="es-ES" dirty="0">
+                <a:latin typeface="Montserrat" panose="00000500000000000000" pitchFamily="50" charset="0"/>
+              </a:rPr>
+              <a:t> </a:t>
+            </a:r>
+            <a:r>
+              <a:rPr lang="es-ES" dirty="0" err="1">
+                <a:latin typeface="Montserrat" panose="00000500000000000000" pitchFamily="50" charset="0"/>
+              </a:rPr>
+              <a:t>ipsum</a:t>
+            </a:r>
+            <a:r>
+              <a:rPr lang="es-ES" dirty="0">
+                <a:latin typeface="Montserrat" panose="00000500000000000000" pitchFamily="50" charset="0"/>
+              </a:rPr>
+              <a:t> dolor </a:t>
+            </a:r>
+            <a:r>
+              <a:rPr lang="es-ES" dirty="0" err="1">
+                <a:latin typeface="Montserrat" panose="00000500000000000000" pitchFamily="50" charset="0"/>
+              </a:rPr>
+              <a:t>sit</a:t>
+            </a:r>
+            <a:r>
+              <a:rPr lang="es-ES" dirty="0">
+                <a:latin typeface="Montserrat" panose="00000500000000000000" pitchFamily="50" charset="0"/>
+              </a:rPr>
+              <a:t> </a:t>
+            </a:r>
+            <a:r>
+              <a:rPr lang="es-ES" dirty="0" err="1">
+                <a:latin typeface="Montserrat" panose="00000500000000000000" pitchFamily="50" charset="0"/>
+              </a:rPr>
+              <a:t>amet</a:t>
+            </a:r>
+            <a:endParaRPr lang="es-ES" dirty="0">
+              <a:latin typeface="Montserrat" panose="00000500000000000000" pitchFamily="50" charset="0"/>
+            </a:endParaRPr>
+          </a:p>
+        </p:txBody>
+      </p:sp>
+      <p:sp>
+        <p:nvSpPr>
+          <p:cNvPr id="12" name="CuadroTexto 11">
+            <a:extLst>
+              <a:ext uri="{FF2B5EF4-FFF2-40B4-BE49-F238E27FC236}">
+                <a16:creationId xmlns:a16="http://schemas.microsoft.com/office/drawing/2014/main" id="{6818D6A5-8C68-A161-B03E-989703854C7D}"/>
+              </a:ext>
+            </a:extLst>
+          </p:cNvPr>
+          <p:cNvSpPr txBox="1"/>
+          <p:nvPr/>
+        </p:nvSpPr>
+        <p:spPr>
+          <a:xfrm>
+            <a:off x="8468124" y="5166320"/>
+            <a:ext cx="3506088" cy="923330"/>
+          </a:xfrm>
+          <a:prstGeom prst="rect">
+            <a:avLst/>
+          </a:prstGeom>
+          <a:noFill/>
+        </p:spPr>
+        <p:txBody>
+          <a:bodyPr wrap="none" rtlCol="0">
+            <a:spAutoFit/>
+          </a:bodyPr>
+          <a:lstStyle/>
+          <a:p>
+            <a:r>
+              <a:rPr lang="es-ES" sz="3600" b="1" dirty="0">
+                <a:latin typeface="Montserrat" panose="00000500000000000000" pitchFamily="50" charset="0"/>
+              </a:rPr>
+              <a:t>04 despliegue</a:t>
+            </a:r>
+          </a:p>
+          <a:p>
+            <a:r>
+              <a:rPr lang="es-ES" dirty="0" err="1">
+                <a:latin typeface="Montserrat" panose="00000500000000000000" pitchFamily="50" charset="0"/>
+              </a:rPr>
+              <a:t>Lorem</a:t>
+            </a:r>
+            <a:r>
+              <a:rPr lang="es-ES" dirty="0">
+                <a:latin typeface="Montserrat" panose="00000500000000000000" pitchFamily="50" charset="0"/>
+              </a:rPr>
+              <a:t> </a:t>
+            </a:r>
+            <a:r>
+              <a:rPr lang="es-ES" dirty="0" err="1">
+                <a:latin typeface="Montserrat" panose="00000500000000000000" pitchFamily="50" charset="0"/>
+              </a:rPr>
+              <a:t>ipsum</a:t>
+            </a:r>
+            <a:r>
+              <a:rPr lang="es-ES" dirty="0">
+                <a:latin typeface="Montserrat" panose="00000500000000000000" pitchFamily="50" charset="0"/>
+              </a:rPr>
+              <a:t> dolor </a:t>
+            </a:r>
+            <a:r>
+              <a:rPr lang="es-ES" dirty="0" err="1">
+                <a:latin typeface="Montserrat" panose="00000500000000000000" pitchFamily="50" charset="0"/>
+              </a:rPr>
+              <a:t>sit</a:t>
+            </a:r>
+            <a:r>
+              <a:rPr lang="es-ES" dirty="0">
+                <a:latin typeface="Montserrat" panose="00000500000000000000" pitchFamily="50" charset="0"/>
+              </a:rPr>
+              <a:t> </a:t>
+            </a:r>
+            <a:r>
+              <a:rPr lang="es-ES" dirty="0" err="1">
+                <a:latin typeface="Montserrat" panose="00000500000000000000" pitchFamily="50" charset="0"/>
+              </a:rPr>
+              <a:t>amet</a:t>
+            </a:r>
+            <a:endParaRPr lang="es-ES" dirty="0">
+              <a:latin typeface="Montserrat" panose="00000500000000000000" pitchFamily="50" charset="0"/>
+            </a:endParaRPr>
           </a:p>
         </p:txBody>
       </p:sp>
     </p:spTree>
     <p:extLst>
       <p:ext uri="{BB962C8B-B14F-4D97-AF65-F5344CB8AC3E}">
-        <p14:creationId xmlns:p14="http://schemas.microsoft.com/office/powerpoint/2010/main" val="13710978"/>
+        <p14:creationId xmlns:p14="http://schemas.microsoft.com/office/powerpoint/2010/main" val="2268757082"/>
       </p:ext>
     </p:extLst>
   </p:cSld>
@@ -17749,7 +17902,7 @@
           <p:cNvPr id="2" name="Título 1">
             <a:extLst>
               <a:ext uri="{FF2B5EF4-FFF2-40B4-BE49-F238E27FC236}">
-                <a16:creationId xmlns:a16="http://schemas.microsoft.com/office/drawing/2014/main" id="{C98C5A0B-56F7-B880-6036-9FD60C5E6E82}"/>
+                <a16:creationId xmlns:a16="http://schemas.microsoft.com/office/drawing/2014/main" id="{5BA28A46-F191-CDF9-A733-3F432F204DF2}"/>
               </a:ext>
             </a:extLst>
           </p:cNvPr>
@@ -17767,21 +17920,8 @@
           <a:p>
             <a:r>
               <a:rPr lang="es-ES" dirty="0"/>
-              <a:t>02 </a:t>
-            </a:r>
-            <a:r>
-              <a:rPr lang="es-ES" dirty="0" err="1"/>
-              <a:t>feature</a:t>
-            </a:r>
-            <a:r>
-              <a:rPr lang="es-ES" dirty="0"/>
-              <a:t> </a:t>
-            </a:r>
-            <a:r>
-              <a:rPr lang="es-ES" dirty="0" err="1"/>
-              <a:t>flags</a:t>
-            </a:r>
-            <a:endParaRPr lang="es-ES" dirty="0"/>
+              <a:t>01 integración continua</a:t>
+            </a:r>
           </a:p>
         </p:txBody>
       </p:sp>
@@ -17790,7 +17930,7 @@
           <p:cNvPr id="3" name="Marcador de contenido 2">
             <a:extLst>
               <a:ext uri="{FF2B5EF4-FFF2-40B4-BE49-F238E27FC236}">
-                <a16:creationId xmlns:a16="http://schemas.microsoft.com/office/drawing/2014/main" id="{1A0247AC-7988-A223-9867-77834C5C94D7}"/>
+                <a16:creationId xmlns:a16="http://schemas.microsoft.com/office/drawing/2014/main" id="{AE93AFF9-F6D3-312F-9AFF-97D2802447ED}"/>
               </a:ext>
             </a:extLst>
           </p:cNvPr>
@@ -17813,7 +17953,7 @@
     </p:spTree>
     <p:extLst>
       <p:ext uri="{BB962C8B-B14F-4D97-AF65-F5344CB8AC3E}">
-        <p14:creationId xmlns:p14="http://schemas.microsoft.com/office/powerpoint/2010/main" val="4274127110"/>
+        <p14:creationId xmlns:p14="http://schemas.microsoft.com/office/powerpoint/2010/main" val="13710978"/>
       </p:ext>
     </p:extLst>
   </p:cSld>
@@ -17845,7 +17985,7 @@
           <p:cNvPr id="2" name="Título 1">
             <a:extLst>
               <a:ext uri="{FF2B5EF4-FFF2-40B4-BE49-F238E27FC236}">
-                <a16:creationId xmlns:a16="http://schemas.microsoft.com/office/drawing/2014/main" id="{FFF86BAC-9F59-232B-BF63-4368459AF9A1}"/>
+                <a16:creationId xmlns:a16="http://schemas.microsoft.com/office/drawing/2014/main" id="{C98C5A0B-56F7-B880-6036-9FD60C5E6E82}"/>
               </a:ext>
             </a:extLst>
           </p:cNvPr>
@@ -17863,11 +18003,11 @@
           <a:p>
             <a:r>
               <a:rPr lang="es-ES" dirty="0"/>
-              <a:t>03 </a:t>
+              <a:t>02 </a:t>
             </a:r>
             <a:r>
               <a:rPr lang="es-ES" dirty="0" err="1"/>
-              <a:t>long-lived</a:t>
+              <a:t>feature</a:t>
             </a:r>
             <a:r>
               <a:rPr lang="es-ES" dirty="0"/>
@@ -17875,7 +18015,7 @@
             </a:r>
             <a:r>
               <a:rPr lang="es-ES" dirty="0" err="1"/>
-              <a:t>branches</a:t>
+              <a:t>flags</a:t>
             </a:r>
             <a:endParaRPr lang="es-ES" dirty="0"/>
           </a:p>
@@ -17886,7 +18026,7 @@
           <p:cNvPr id="3" name="Marcador de contenido 2">
             <a:extLst>
               <a:ext uri="{FF2B5EF4-FFF2-40B4-BE49-F238E27FC236}">
-                <a16:creationId xmlns:a16="http://schemas.microsoft.com/office/drawing/2014/main" id="{5E42BF09-5A27-4821-0EFA-9A71D9D06729}"/>
+                <a16:creationId xmlns:a16="http://schemas.microsoft.com/office/drawing/2014/main" id="{1A0247AC-7988-A223-9867-77834C5C94D7}"/>
               </a:ext>
             </a:extLst>
           </p:cNvPr>
@@ -17909,7 +18049,7 @@
     </p:spTree>
     <p:extLst>
       <p:ext uri="{BB962C8B-B14F-4D97-AF65-F5344CB8AC3E}">
-        <p14:creationId xmlns:p14="http://schemas.microsoft.com/office/powerpoint/2010/main" val="3822706311"/>
+        <p14:creationId xmlns:p14="http://schemas.microsoft.com/office/powerpoint/2010/main" val="4274127110"/>
       </p:ext>
     </p:extLst>
   </p:cSld>
@@ -17941,7 +18081,7 @@
           <p:cNvPr id="2" name="Título 1">
             <a:extLst>
               <a:ext uri="{FF2B5EF4-FFF2-40B4-BE49-F238E27FC236}">
-                <a16:creationId xmlns:a16="http://schemas.microsoft.com/office/drawing/2014/main" id="{333245B3-5FFE-E372-624B-CD08232FB57B}"/>
+                <a16:creationId xmlns:a16="http://schemas.microsoft.com/office/drawing/2014/main" id="{FFF86BAC-9F59-232B-BF63-4368459AF9A1}"/>
               </a:ext>
             </a:extLst>
           </p:cNvPr>
@@ -17959,11 +18099,19 @@
           <a:p>
             <a:r>
               <a:rPr lang="es-ES" dirty="0"/>
-              <a:t>04 despliegues a </a:t>
+              <a:t>03 </a:t>
             </a:r>
             <a:r>
               <a:rPr lang="es-ES" dirty="0" err="1"/>
-              <a:t>prod</a:t>
+              <a:t>long-lived</a:t>
+            </a:r>
+            <a:r>
+              <a:rPr lang="es-ES" dirty="0"/>
+              <a:t> </a:t>
+            </a:r>
+            <a:r>
+              <a:rPr lang="es-ES" dirty="0" err="1"/>
+              <a:t>branches</a:t>
             </a:r>
             <a:endParaRPr lang="es-ES" dirty="0"/>
           </a:p>
@@ -17974,7 +18122,7 @@
           <p:cNvPr id="3" name="Marcador de contenido 2">
             <a:extLst>
               <a:ext uri="{FF2B5EF4-FFF2-40B4-BE49-F238E27FC236}">
-                <a16:creationId xmlns:a16="http://schemas.microsoft.com/office/drawing/2014/main" id="{8B1F4C1F-B6FD-49FB-0179-6A309F8D7C24}"/>
+                <a16:creationId xmlns:a16="http://schemas.microsoft.com/office/drawing/2014/main" id="{5E42BF09-5A27-4821-0EFA-9A71D9D06729}"/>
               </a:ext>
             </a:extLst>
           </p:cNvPr>
@@ -17990,77 +18138,14 @@
           <a:bodyPr/>
           <a:lstStyle/>
           <a:p>
-            <a:pPr marL="0" indent="0">
-              <a:buNone/>
-            </a:pPr>
-            <a:r>
-              <a:rPr lang="es-ES" dirty="0"/>
-              <a:t>Despliegue a </a:t>
-            </a:r>
-            <a:r>
-              <a:rPr lang="es-ES" dirty="0" err="1"/>
-              <a:t>prod</a:t>
-            </a:r>
-            <a:r>
-              <a:rPr lang="es-ES" dirty="0"/>
-              <a:t> != </a:t>
-            </a:r>
-            <a:r>
-              <a:rPr lang="es-ES" dirty="0" err="1"/>
-              <a:t>release</a:t>
-            </a:r>
-            <a:r>
-              <a:rPr lang="es-ES" dirty="0"/>
-              <a:t> de una </a:t>
-            </a:r>
-            <a:r>
-              <a:rPr lang="es-ES" dirty="0" err="1"/>
-              <a:t>feature</a:t>
-            </a:r>
-            <a:endParaRPr lang="es-ES" dirty="0"/>
-          </a:p>
-          <a:p>
-            <a:pPr marL="0" indent="0">
-              <a:buNone/>
-            </a:pPr>
-            <a:endParaRPr lang="es-ES" dirty="0"/>
-          </a:p>
-          <a:p>
-            <a:pPr marL="0" indent="0">
-              <a:buNone/>
-            </a:pPr>
-            <a:r>
-              <a:rPr lang="es-ES" dirty="0"/>
-              <a:t>Es </a:t>
-            </a:r>
-            <a:r>
-              <a:rPr lang="es-ES" b="1" dirty="0"/>
-              <a:t>Producto</a:t>
-            </a:r>
-            <a:r>
-              <a:rPr lang="es-ES" dirty="0"/>
-              <a:t> quien tiene el control de sacar una </a:t>
-            </a:r>
-            <a:r>
-              <a:rPr lang="es-ES" dirty="0" err="1"/>
-              <a:t>feature</a:t>
-            </a:r>
-            <a:r>
-              <a:rPr lang="es-ES" dirty="0"/>
-              <a:t> ya </a:t>
-            </a:r>
-            <a:r>
-              <a:rPr lang="es-ES" dirty="0" err="1"/>
-              <a:t>desarollada</a:t>
-            </a:r>
-            <a:endParaRPr lang="es-ES" dirty="0"/>
+            <a:endParaRPr lang="es-ES"/>
           </a:p>
         </p:txBody>
       </p:sp>
     </p:spTree>
     <p:extLst>
       <p:ext uri="{BB962C8B-B14F-4D97-AF65-F5344CB8AC3E}">
-        <p14:creationId xmlns:p14="http://schemas.microsoft.com/office/powerpoint/2010/main" val="2904516688"/>
+        <p14:creationId xmlns:p14="http://schemas.microsoft.com/office/powerpoint/2010/main" val="3822706311"/>
       </p:ext>
     </p:extLst>
   </p:cSld>
@@ -18089,10 +18174,10 @@
       </p:grpSpPr>
       <p:sp>
         <p:nvSpPr>
-          <p:cNvPr id="4" name="Título 3">
-            <a:extLst>
-              <a:ext uri="{FF2B5EF4-FFF2-40B4-BE49-F238E27FC236}">
-                <a16:creationId xmlns:a16="http://schemas.microsoft.com/office/drawing/2014/main" id="{6368BCFD-3DDA-008F-ABD9-B8A0FE7F8A10}"/>
+          <p:cNvPr id="2" name="Título 1">
+            <a:extLst>
+              <a:ext uri="{FF2B5EF4-FFF2-40B4-BE49-F238E27FC236}">
+                <a16:creationId xmlns:a16="http://schemas.microsoft.com/office/drawing/2014/main" id="{333245B3-5FFE-E372-624B-CD08232FB57B}"/>
               </a:ext>
             </a:extLst>
           </p:cNvPr>
@@ -18110,25 +18195,30 @@
           <a:p>
             <a:r>
               <a:rPr lang="es-ES" dirty="0"/>
-              <a:t>trucos</a:t>
-            </a:r>
-          </a:p>
-        </p:txBody>
-      </p:sp>
-      <p:sp>
-        <p:nvSpPr>
-          <p:cNvPr id="5" name="Marcador de texto 4">
-            <a:extLst>
-              <a:ext uri="{FF2B5EF4-FFF2-40B4-BE49-F238E27FC236}">
-                <a16:creationId xmlns:a16="http://schemas.microsoft.com/office/drawing/2014/main" id="{FC10CEA5-03D8-6473-263D-B1A30B2DB4E2}"/>
-              </a:ext>
-            </a:extLst>
-          </p:cNvPr>
-          <p:cNvSpPr>
-            <a:spLocks noGrp="1"/>
-          </p:cNvSpPr>
-          <p:nvPr>
-            <p:ph type="body" idx="1"/>
+              <a:t>04 despliegues a </a:t>
+            </a:r>
+            <a:r>
+              <a:rPr lang="es-ES" dirty="0" err="1"/>
+              <a:t>prod</a:t>
+            </a:r>
+            <a:endParaRPr lang="es-ES" dirty="0"/>
+          </a:p>
+        </p:txBody>
+      </p:sp>
+      <p:sp>
+        <p:nvSpPr>
+          <p:cNvPr id="3" name="Marcador de contenido 2">
+            <a:extLst>
+              <a:ext uri="{FF2B5EF4-FFF2-40B4-BE49-F238E27FC236}">
+                <a16:creationId xmlns:a16="http://schemas.microsoft.com/office/drawing/2014/main" id="{8B1F4C1F-B6FD-49FB-0179-6A309F8D7C24}"/>
+              </a:ext>
+            </a:extLst>
+          </p:cNvPr>
+          <p:cNvSpPr>
+            <a:spLocks noGrp="1"/>
+          </p:cNvSpPr>
+          <p:nvPr>
+            <p:ph idx="1"/>
           </p:nvPr>
         </p:nvSpPr>
         <p:spPr/>
@@ -18136,14 +18226,77 @@
           <a:bodyPr/>
           <a:lstStyle/>
           <a:p>
-            <a:endParaRPr lang="es-ES"/>
+            <a:pPr marL="0" indent="0">
+              <a:buNone/>
+            </a:pPr>
+            <a:r>
+              <a:rPr lang="es-ES" dirty="0"/>
+              <a:t>Despliegue a </a:t>
+            </a:r>
+            <a:r>
+              <a:rPr lang="es-ES" dirty="0" err="1"/>
+              <a:t>prod</a:t>
+            </a:r>
+            <a:r>
+              <a:rPr lang="es-ES" dirty="0"/>
+              <a:t> != </a:t>
+            </a:r>
+            <a:r>
+              <a:rPr lang="es-ES" dirty="0" err="1"/>
+              <a:t>release</a:t>
+            </a:r>
+            <a:r>
+              <a:rPr lang="es-ES" dirty="0"/>
+              <a:t> de una </a:t>
+            </a:r>
+            <a:r>
+              <a:rPr lang="es-ES" dirty="0" err="1"/>
+              <a:t>feature</a:t>
+            </a:r>
+            <a:endParaRPr lang="es-ES" dirty="0"/>
+          </a:p>
+          <a:p>
+            <a:pPr marL="0" indent="0">
+              <a:buNone/>
+            </a:pPr>
+            <a:endParaRPr lang="es-ES" dirty="0"/>
+          </a:p>
+          <a:p>
+            <a:pPr marL="0" indent="0">
+              <a:buNone/>
+            </a:pPr>
+            <a:r>
+              <a:rPr lang="es-ES" dirty="0"/>
+              <a:t>Es </a:t>
+            </a:r>
+            <a:r>
+              <a:rPr lang="es-ES" b="1" dirty="0"/>
+              <a:t>Producto</a:t>
+            </a:r>
+            <a:r>
+              <a:rPr lang="es-ES" dirty="0"/>
+              <a:t> quien tiene el control de sacar una </a:t>
+            </a:r>
+            <a:r>
+              <a:rPr lang="es-ES" dirty="0" err="1"/>
+              <a:t>feature</a:t>
+            </a:r>
+            <a:r>
+              <a:rPr lang="es-ES" dirty="0"/>
+              <a:t> ya </a:t>
+            </a:r>
+            <a:r>
+              <a:rPr lang="es-ES" dirty="0" err="1"/>
+              <a:t>desarollada</a:t>
+            </a:r>
+            <a:endParaRPr lang="es-ES" dirty="0"/>
           </a:p>
         </p:txBody>
       </p:sp>
     </p:spTree>
     <p:extLst>
       <p:ext uri="{BB962C8B-B14F-4D97-AF65-F5344CB8AC3E}">
-        <p14:creationId xmlns:p14="http://schemas.microsoft.com/office/powerpoint/2010/main" val="668813129"/>
+        <p14:creationId xmlns:p14="http://schemas.microsoft.com/office/powerpoint/2010/main" val="2904516688"/>
       </p:ext>
     </p:extLst>
   </p:cSld>
@@ -18172,10 +18325,10 @@
       </p:grpSpPr>
       <p:sp>
         <p:nvSpPr>
-          <p:cNvPr id="2" name="Título 1">
-            <a:extLst>
-              <a:ext uri="{FF2B5EF4-FFF2-40B4-BE49-F238E27FC236}">
-                <a16:creationId xmlns:a16="http://schemas.microsoft.com/office/drawing/2014/main" id="{6ED2A4A0-BA20-EBF3-07C2-2448955594EE}"/>
+          <p:cNvPr id="4" name="Título 3">
+            <a:extLst>
+              <a:ext uri="{FF2B5EF4-FFF2-40B4-BE49-F238E27FC236}">
+                <a16:creationId xmlns:a16="http://schemas.microsoft.com/office/drawing/2014/main" id="{6368BCFD-3DDA-008F-ABD9-B8A0FE7F8A10}"/>
               </a:ext>
             </a:extLst>
           </p:cNvPr>
@@ -18193,25 +18346,25 @@
           <a:p>
             <a:r>
               <a:rPr lang="es-ES" dirty="0"/>
-              <a:t>01 eliminar virtualmente</a:t>
-            </a:r>
-          </a:p>
-        </p:txBody>
-      </p:sp>
-      <p:sp>
-        <p:nvSpPr>
-          <p:cNvPr id="3" name="Marcador de contenido 2">
-            <a:extLst>
-              <a:ext uri="{FF2B5EF4-FFF2-40B4-BE49-F238E27FC236}">
-                <a16:creationId xmlns:a16="http://schemas.microsoft.com/office/drawing/2014/main" id="{7D11C8D5-6C9D-855F-9F46-0D2026871D18}"/>
-              </a:ext>
-            </a:extLst>
-          </p:cNvPr>
-          <p:cNvSpPr>
-            <a:spLocks noGrp="1"/>
-          </p:cNvSpPr>
-          <p:nvPr>
-            <p:ph idx="1"/>
+              <a:t>trucos</a:t>
+            </a:r>
+          </a:p>
+        </p:txBody>
+      </p:sp>
+      <p:sp>
+        <p:nvSpPr>
+          <p:cNvPr id="5" name="Marcador de texto 4">
+            <a:extLst>
+              <a:ext uri="{FF2B5EF4-FFF2-40B4-BE49-F238E27FC236}">
+                <a16:creationId xmlns:a16="http://schemas.microsoft.com/office/drawing/2014/main" id="{FC10CEA5-03D8-6473-263D-B1A30B2DB4E2}"/>
+              </a:ext>
+            </a:extLst>
+          </p:cNvPr>
+          <p:cNvSpPr>
+            <a:spLocks noGrp="1"/>
+          </p:cNvSpPr>
+          <p:nvPr>
+            <p:ph type="body" idx="1"/>
           </p:nvPr>
         </p:nvSpPr>
         <p:spPr/>
@@ -18219,71 +18372,14 @@
           <a:bodyPr/>
           <a:lstStyle/>
           <a:p>
-            <a:pPr marL="0" indent="0">
-              <a:buNone/>
-            </a:pPr>
-            <a:r>
-              <a:rPr lang="es-ES" dirty="0"/>
-              <a:t>A veces hemos </a:t>
-            </a:r>
-            <a:r>
-              <a:rPr lang="es-ES" dirty="0" err="1"/>
-              <a:t>comitteado</a:t>
-            </a:r>
-            <a:r>
-              <a:rPr lang="es-ES" dirty="0"/>
-              <a:t> un archivo que no hacía falta, pero no lo queremos borrar en local.</a:t>
-            </a:r>
-          </a:p>
-          <a:p>
-            <a:pPr marL="0" indent="0">
-              <a:buNone/>
-            </a:pPr>
-            <a:endParaRPr lang="es-ES" dirty="0"/>
-          </a:p>
-          <a:p>
-            <a:pPr marL="0" indent="0">
-              <a:buNone/>
-            </a:pPr>
-            <a:r>
-              <a:rPr lang="es-ES" dirty="0" err="1"/>
-              <a:t>git</a:t>
-            </a:r>
-            <a:r>
-              <a:rPr lang="es-ES" dirty="0"/>
-              <a:t> </a:t>
-            </a:r>
-            <a:r>
-              <a:rPr lang="es-ES" dirty="0" err="1"/>
-              <a:t>rm</a:t>
-            </a:r>
-            <a:r>
-              <a:rPr lang="es-ES" dirty="0"/>
-              <a:t> --</a:t>
-            </a:r>
-            <a:r>
-              <a:rPr lang="es-ES" dirty="0" err="1"/>
-              <a:t>cached</a:t>
-            </a:r>
-            <a:r>
-              <a:rPr lang="es-ES" dirty="0"/>
-              <a:t> [</a:t>
-            </a:r>
-            <a:r>
-              <a:rPr lang="es-ES" dirty="0" err="1"/>
-              <a:t>filename</a:t>
-            </a:r>
-            <a:r>
-              <a:rPr lang="es-ES" dirty="0"/>
-              <a:t>]</a:t>
-            </a:r>
+            <a:endParaRPr lang="es-ES"/>
           </a:p>
         </p:txBody>
       </p:sp>
     </p:spTree>
     <p:extLst>
       <p:ext uri="{BB962C8B-B14F-4D97-AF65-F5344CB8AC3E}">
-        <p14:creationId xmlns:p14="http://schemas.microsoft.com/office/powerpoint/2010/main" val="3800716164"/>
+        <p14:creationId xmlns:p14="http://schemas.microsoft.com/office/powerpoint/2010/main" val="668813129"/>
       </p:ext>
     </p:extLst>
   </p:cSld>
@@ -18312,10 +18408,10 @@
       </p:grpSpPr>
       <p:sp>
         <p:nvSpPr>
-          <p:cNvPr id="4" name="Título 3">
-            <a:extLst>
-              <a:ext uri="{FF2B5EF4-FFF2-40B4-BE49-F238E27FC236}">
-                <a16:creationId xmlns:a16="http://schemas.microsoft.com/office/drawing/2014/main" id="{9E81A120-F498-68E2-A9C5-384A0125A072}"/>
+          <p:cNvPr id="2" name="Título 1">
+            <a:extLst>
+              <a:ext uri="{FF2B5EF4-FFF2-40B4-BE49-F238E27FC236}">
+                <a16:creationId xmlns:a16="http://schemas.microsoft.com/office/drawing/2014/main" id="{6ED2A4A0-BA20-EBF3-07C2-2448955594EE}"/>
               </a:ext>
             </a:extLst>
           </p:cNvPr>
@@ -18332,42 +18428,130 @@
           <a:lstStyle/>
           <a:p>
             <a:r>
-              <a:rPr lang="es-ES"/>
-              <a:t>cierre</a:t>
-            </a:r>
+              <a:rPr lang="es-ES" dirty="0"/>
+              <a:t>01 eliminar virtualmente</a:t>
+            </a:r>
+          </a:p>
+        </p:txBody>
+      </p:sp>
+      <p:sp>
+        <p:nvSpPr>
+          <p:cNvPr id="3" name="Marcador de contenido 2">
+            <a:extLst>
+              <a:ext uri="{FF2B5EF4-FFF2-40B4-BE49-F238E27FC236}">
+                <a16:creationId xmlns:a16="http://schemas.microsoft.com/office/drawing/2014/main" id="{7D11C8D5-6C9D-855F-9F46-0D2026871D18}"/>
+              </a:ext>
+            </a:extLst>
+          </p:cNvPr>
+          <p:cNvSpPr>
+            <a:spLocks noGrp="1"/>
+          </p:cNvSpPr>
+          <p:nvPr>
+            <p:ph idx="1"/>
+          </p:nvPr>
+        </p:nvSpPr>
+        <p:spPr/>
+        <p:txBody>
+          <a:bodyPr/>
+          <a:lstStyle/>
+          <a:p>
+            <a:pPr marL="0" indent="0">
+              <a:buNone/>
+            </a:pPr>
+            <a:r>
+              <a:rPr lang="es-ES" dirty="0"/>
+              <a:t>A veces hemos </a:t>
+            </a:r>
+            <a:r>
+              <a:rPr lang="es-ES" dirty="0" err="1"/>
+              <a:t>comitteado</a:t>
+            </a:r>
+            <a:r>
+              <a:rPr lang="es-ES" dirty="0"/>
+              <a:t> un archivo que no hacía falta, pero no lo queremos borrar en local.</a:t>
+            </a:r>
+          </a:p>
+          <a:p>
+            <a:pPr marL="0" indent="0">
+              <a:buNone/>
+            </a:pPr>
             <a:endParaRPr lang="es-ES" dirty="0"/>
           </a:p>
-        </p:txBody>
-      </p:sp>
-      <p:sp>
-        <p:nvSpPr>
-          <p:cNvPr id="5" name="Marcador de texto 4">
-            <a:extLst>
-              <a:ext uri="{FF2B5EF4-FFF2-40B4-BE49-F238E27FC236}">
-                <a16:creationId xmlns:a16="http://schemas.microsoft.com/office/drawing/2014/main" id="{06D44842-545D-540A-4CC0-02D163B31A0D}"/>
-              </a:ext>
-            </a:extLst>
-          </p:cNvPr>
-          <p:cNvSpPr>
-            <a:spLocks noGrp="1"/>
-          </p:cNvSpPr>
-          <p:nvPr>
-            <p:ph type="body" idx="1"/>
-          </p:nvPr>
-        </p:nvSpPr>
-        <p:spPr/>
-        <p:txBody>
-          <a:bodyPr/>
-          <a:lstStyle/>
-          <a:p>
-            <a:endParaRPr lang="es-ES" dirty="0"/>
+          <a:p>
+            <a:pPr marL="0" indent="0">
+              <a:buNone/>
+            </a:pPr>
+            <a:r>
+              <a:rPr lang="es-ES" dirty="0" err="1">
+                <a:latin typeface="JetBrains Mono" panose="02000009000000000000" pitchFamily="49" charset="0"/>
+                <a:ea typeface="JetBrains Mono" panose="02000009000000000000" pitchFamily="49" charset="0"/>
+                <a:cs typeface="JetBrains Mono" panose="02000009000000000000" pitchFamily="49" charset="0"/>
+              </a:rPr>
+              <a:t>git</a:t>
+            </a:r>
+            <a:r>
+              <a:rPr lang="es-ES" dirty="0">
+                <a:latin typeface="JetBrains Mono" panose="02000009000000000000" pitchFamily="49" charset="0"/>
+                <a:ea typeface="JetBrains Mono" panose="02000009000000000000" pitchFamily="49" charset="0"/>
+                <a:cs typeface="JetBrains Mono" panose="02000009000000000000" pitchFamily="49" charset="0"/>
+              </a:rPr>
+              <a:t> </a:t>
+            </a:r>
+            <a:r>
+              <a:rPr lang="es-ES" dirty="0" err="1">
+                <a:latin typeface="JetBrains Mono" panose="02000009000000000000" pitchFamily="49" charset="0"/>
+                <a:ea typeface="JetBrains Mono" panose="02000009000000000000" pitchFamily="49" charset="0"/>
+                <a:cs typeface="JetBrains Mono" panose="02000009000000000000" pitchFamily="49" charset="0"/>
+              </a:rPr>
+              <a:t>rm</a:t>
+            </a:r>
+            <a:r>
+              <a:rPr lang="es-ES" dirty="0">
+                <a:latin typeface="JetBrains Mono" panose="02000009000000000000" pitchFamily="49" charset="0"/>
+                <a:ea typeface="JetBrains Mono" panose="02000009000000000000" pitchFamily="49" charset="0"/>
+                <a:cs typeface="JetBrains Mono" panose="02000009000000000000" pitchFamily="49" charset="0"/>
+              </a:rPr>
+              <a:t> --</a:t>
+            </a:r>
+            <a:r>
+              <a:rPr lang="es-ES" dirty="0" err="1">
+                <a:latin typeface="JetBrains Mono" panose="02000009000000000000" pitchFamily="49" charset="0"/>
+                <a:ea typeface="JetBrains Mono" panose="02000009000000000000" pitchFamily="49" charset="0"/>
+                <a:cs typeface="JetBrains Mono" panose="02000009000000000000" pitchFamily="49" charset="0"/>
+              </a:rPr>
+              <a:t>cached</a:t>
+            </a:r>
+            <a:r>
+              <a:rPr lang="es-ES" dirty="0">
+                <a:latin typeface="JetBrains Mono" panose="02000009000000000000" pitchFamily="49" charset="0"/>
+                <a:ea typeface="JetBrains Mono" panose="02000009000000000000" pitchFamily="49" charset="0"/>
+                <a:cs typeface="JetBrains Mono" panose="02000009000000000000" pitchFamily="49" charset="0"/>
+              </a:rPr>
+              <a:t> [</a:t>
+            </a:r>
+            <a:r>
+              <a:rPr lang="es-ES" dirty="0" err="1">
+                <a:latin typeface="JetBrains Mono" panose="02000009000000000000" pitchFamily="49" charset="0"/>
+                <a:ea typeface="JetBrains Mono" panose="02000009000000000000" pitchFamily="49" charset="0"/>
+                <a:cs typeface="JetBrains Mono" panose="02000009000000000000" pitchFamily="49" charset="0"/>
+              </a:rPr>
+              <a:t>filename</a:t>
+            </a:r>
+            <a:r>
+              <a:rPr lang="es-ES" dirty="0">
+                <a:latin typeface="JetBrains Mono" panose="02000009000000000000" pitchFamily="49" charset="0"/>
+                <a:ea typeface="JetBrains Mono" panose="02000009000000000000" pitchFamily="49" charset="0"/>
+                <a:cs typeface="JetBrains Mono" panose="02000009000000000000" pitchFamily="49" charset="0"/>
+              </a:rPr>
+              <a:t>]</a:t>
+            </a:r>
           </a:p>
         </p:txBody>
       </p:sp>
     </p:spTree>
     <p:extLst>
       <p:ext uri="{BB962C8B-B14F-4D97-AF65-F5344CB8AC3E}">
-        <p14:creationId xmlns:p14="http://schemas.microsoft.com/office/powerpoint/2010/main" val="1879195494"/>
+        <p14:creationId xmlns:p14="http://schemas.microsoft.com/office/powerpoint/2010/main" val="3800716164"/>
       </p:ext>
     </p:extLst>
   </p:cSld>
@@ -18399,6 +18583,592 @@
           <p:cNvPr id="2" name="Título 1">
             <a:extLst>
               <a:ext uri="{FF2B5EF4-FFF2-40B4-BE49-F238E27FC236}">
+                <a16:creationId xmlns:a16="http://schemas.microsoft.com/office/drawing/2014/main" id="{296D6677-8C12-2E53-58D2-CA053D2F66DE}"/>
+              </a:ext>
+            </a:extLst>
+          </p:cNvPr>
+          <p:cNvSpPr>
+            <a:spLocks noGrp="1"/>
+          </p:cNvSpPr>
+          <p:nvPr>
+            <p:ph type="title"/>
+          </p:nvPr>
+        </p:nvSpPr>
+        <p:spPr/>
+        <p:txBody>
+          <a:bodyPr/>
+          <a:lstStyle/>
+          <a:p>
+            <a:r>
+              <a:rPr lang="es-ES" dirty="0"/>
+              <a:t>02 máquina del tiempo</a:t>
+            </a:r>
+          </a:p>
+        </p:txBody>
+      </p:sp>
+      <p:sp>
+        <p:nvSpPr>
+          <p:cNvPr id="3" name="Marcador de contenido 2">
+            <a:extLst>
+              <a:ext uri="{FF2B5EF4-FFF2-40B4-BE49-F238E27FC236}">
+                <a16:creationId xmlns:a16="http://schemas.microsoft.com/office/drawing/2014/main" id="{3AE5112A-A9EF-40E7-0F55-E40294ADCC59}"/>
+              </a:ext>
+            </a:extLst>
+          </p:cNvPr>
+          <p:cNvSpPr>
+            <a:spLocks noGrp="1"/>
+          </p:cNvSpPr>
+          <p:nvPr>
+            <p:ph idx="1"/>
+          </p:nvPr>
+        </p:nvSpPr>
+        <p:spPr/>
+        <p:txBody>
+          <a:bodyPr/>
+          <a:lstStyle/>
+          <a:p>
+            <a:pPr marL="0" indent="0">
+              <a:buNone/>
+            </a:pPr>
+            <a:r>
+              <a:rPr lang="es-ES" dirty="0"/>
+              <a:t>“Esto hace X semanas funcionaba”</a:t>
+            </a:r>
+          </a:p>
+          <a:p>
+            <a:pPr marL="0" indent="0">
+              <a:buNone/>
+            </a:pPr>
+            <a:endParaRPr lang="es-ES" dirty="0"/>
+          </a:p>
+          <a:p>
+            <a:pPr marL="0" indent="0">
+              <a:buNone/>
+            </a:pPr>
+            <a:r>
+              <a:rPr lang="es-ES" dirty="0" err="1">
+                <a:latin typeface="JetBrains Mono" panose="02000009000000000000" pitchFamily="49" charset="0"/>
+                <a:ea typeface="JetBrains Mono" panose="02000009000000000000" pitchFamily="49" charset="0"/>
+                <a:cs typeface="JetBrains Mono" panose="02000009000000000000" pitchFamily="49" charset="0"/>
+              </a:rPr>
+              <a:t>git</a:t>
+            </a:r>
+            <a:r>
+              <a:rPr lang="es-ES" dirty="0">
+                <a:latin typeface="JetBrains Mono" panose="02000009000000000000" pitchFamily="49" charset="0"/>
+                <a:ea typeface="JetBrains Mono" panose="02000009000000000000" pitchFamily="49" charset="0"/>
+                <a:cs typeface="JetBrains Mono" panose="02000009000000000000" pitchFamily="49" charset="0"/>
+              </a:rPr>
+              <a:t> </a:t>
+            </a:r>
+            <a:r>
+              <a:rPr lang="es-ES" dirty="0" err="1">
+                <a:latin typeface="JetBrains Mono" panose="02000009000000000000" pitchFamily="49" charset="0"/>
+                <a:ea typeface="JetBrains Mono" panose="02000009000000000000" pitchFamily="49" charset="0"/>
+                <a:cs typeface="JetBrains Mono" panose="02000009000000000000" pitchFamily="49" charset="0"/>
+              </a:rPr>
+              <a:t>checkout</a:t>
+            </a:r>
+            <a:r>
+              <a:rPr lang="es-ES" dirty="0">
+                <a:latin typeface="JetBrains Mono" panose="02000009000000000000" pitchFamily="49" charset="0"/>
+                <a:ea typeface="JetBrains Mono" panose="02000009000000000000" pitchFamily="49" charset="0"/>
+                <a:cs typeface="JetBrains Mono" panose="02000009000000000000" pitchFamily="49" charset="0"/>
+              </a:rPr>
+              <a:t> [rama]~[</a:t>
+            </a:r>
+            <a:r>
+              <a:rPr lang="es-ES" dirty="0" err="1">
+                <a:latin typeface="JetBrains Mono" panose="02000009000000000000" pitchFamily="49" charset="0"/>
+                <a:ea typeface="JetBrains Mono" panose="02000009000000000000" pitchFamily="49" charset="0"/>
+                <a:cs typeface="JetBrains Mono" panose="02000009000000000000" pitchFamily="49" charset="0"/>
+              </a:rPr>
+              <a:t>commits</a:t>
+            </a:r>
+            <a:r>
+              <a:rPr lang="es-ES" dirty="0">
+                <a:latin typeface="JetBrains Mono" panose="02000009000000000000" pitchFamily="49" charset="0"/>
+                <a:ea typeface="JetBrains Mono" panose="02000009000000000000" pitchFamily="49" charset="0"/>
+                <a:cs typeface="JetBrains Mono" panose="02000009000000000000" pitchFamily="49" charset="0"/>
+              </a:rPr>
+              <a:t>]</a:t>
+            </a:r>
+          </a:p>
+          <a:p>
+            <a:pPr marL="0" indent="0">
+              <a:buNone/>
+            </a:pPr>
+            <a:endParaRPr lang="es-ES" dirty="0"/>
+          </a:p>
+          <a:p>
+            <a:pPr marL="0" indent="0">
+              <a:buNone/>
+            </a:pPr>
+            <a:r>
+              <a:rPr lang="es-ES" dirty="0"/>
+              <a:t>Búsqueda binaria hasta encontrar el </a:t>
+            </a:r>
+            <a:r>
+              <a:rPr lang="es-ES" dirty="0" err="1"/>
+              <a:t>commit</a:t>
+            </a:r>
+            <a:r>
+              <a:rPr lang="es-ES" dirty="0"/>
+              <a:t> que tiene la culpa</a:t>
+            </a:r>
+          </a:p>
+        </p:txBody>
+      </p:sp>
+    </p:spTree>
+    <p:extLst>
+      <p:ext uri="{BB962C8B-B14F-4D97-AF65-F5344CB8AC3E}">
+        <p14:creationId xmlns:p14="http://schemas.microsoft.com/office/powerpoint/2010/main" val="1313367275"/>
+      </p:ext>
+    </p:extLst>
+  </p:cSld>
+  <p:clrMapOvr>
+    <a:masterClrMapping/>
+  </p:clrMapOvr>
+</p:sld>
+</file>
+
+<file path=ppt/slides/slide78.xml><?xml version="1.0" encoding="utf-8"?>
+<p:sld xmlns:a="http://schemas.openxmlformats.org/drawingml/2006/main" xmlns:r="http://schemas.openxmlformats.org/officeDocument/2006/relationships" xmlns:p="http://schemas.openxmlformats.org/presentationml/2006/main">
+  <p:cSld>
+    <p:spTree>
+      <p:nvGrpSpPr>
+        <p:cNvPr id="1" name=""/>
+        <p:cNvGrpSpPr/>
+        <p:nvPr/>
+      </p:nvGrpSpPr>
+      <p:grpSpPr>
+        <a:xfrm>
+          <a:off x="0" y="0"/>
+          <a:ext cx="0" cy="0"/>
+          <a:chOff x="0" y="0"/>
+          <a:chExt cx="0" cy="0"/>
+        </a:xfrm>
+      </p:grpSpPr>
+      <p:sp>
+        <p:nvSpPr>
+          <p:cNvPr id="2" name="Título 1">
+            <a:extLst>
+              <a:ext uri="{FF2B5EF4-FFF2-40B4-BE49-F238E27FC236}">
+                <a16:creationId xmlns:a16="http://schemas.microsoft.com/office/drawing/2014/main" id="{E115AADF-2B8C-A8CB-57FE-3D0F14E1FD0E}"/>
+              </a:ext>
+            </a:extLst>
+          </p:cNvPr>
+          <p:cNvSpPr>
+            <a:spLocks noGrp="1"/>
+          </p:cNvSpPr>
+          <p:nvPr>
+            <p:ph type="title"/>
+          </p:nvPr>
+        </p:nvSpPr>
+        <p:spPr/>
+        <p:txBody>
+          <a:bodyPr/>
+          <a:lstStyle/>
+          <a:p>
+            <a:r>
+              <a:rPr lang="es-ES" dirty="0"/>
+              <a:t>03 </a:t>
+            </a:r>
+            <a:r>
+              <a:rPr lang="es-ES" dirty="0" err="1"/>
+              <a:t>PRs</a:t>
+            </a:r>
+            <a:r>
+              <a:rPr lang="es-ES" dirty="0"/>
+              <a:t> y ramas de otras ramas</a:t>
+            </a:r>
+          </a:p>
+        </p:txBody>
+      </p:sp>
+      <p:sp>
+        <p:nvSpPr>
+          <p:cNvPr id="3" name="Marcador de contenido 2">
+            <a:extLst>
+              <a:ext uri="{FF2B5EF4-FFF2-40B4-BE49-F238E27FC236}">
+                <a16:creationId xmlns:a16="http://schemas.microsoft.com/office/drawing/2014/main" id="{FE1F3C00-73A0-FE33-3100-81B6BC53F163}"/>
+              </a:ext>
+            </a:extLst>
+          </p:cNvPr>
+          <p:cNvSpPr>
+            <a:spLocks noGrp="1"/>
+          </p:cNvSpPr>
+          <p:nvPr>
+            <p:ph idx="1"/>
+          </p:nvPr>
+        </p:nvSpPr>
+        <p:spPr/>
+        <p:txBody>
+          <a:bodyPr/>
+          <a:lstStyle/>
+          <a:p>
+            <a:pPr marL="0" indent="0">
+              <a:buNone/>
+            </a:pPr>
+            <a:r>
+              <a:rPr lang="es-ES" dirty="0"/>
+              <a:t>Cuando muchas tareas tiene que desplegarse de una, ¿qué hacemos?</a:t>
+            </a:r>
+          </a:p>
+          <a:p>
+            <a:pPr marL="0" indent="0">
+              <a:buNone/>
+            </a:pPr>
+            <a:endParaRPr lang="es-ES" dirty="0"/>
+          </a:p>
+          <a:p>
+            <a:pPr marL="0" indent="0">
+              <a:buNone/>
+            </a:pPr>
+            <a:r>
+              <a:rPr lang="es-ES" dirty="0"/>
+              <a:t>Rama principal, vamos </a:t>
+            </a:r>
+            <a:r>
+              <a:rPr lang="es-ES" dirty="0" err="1"/>
+              <a:t>mergeando</a:t>
+            </a:r>
+            <a:r>
+              <a:rPr lang="es-ES" dirty="0"/>
+              <a:t> a esa y luego la </a:t>
+            </a:r>
+            <a:r>
+              <a:rPr lang="es-ES" dirty="0" err="1"/>
+              <a:t>mergeamos</a:t>
+            </a:r>
+            <a:r>
+              <a:rPr lang="es-ES" dirty="0"/>
+              <a:t> de golpe?</a:t>
+            </a:r>
+          </a:p>
+          <a:p>
+            <a:pPr marL="0" indent="0">
+              <a:buNone/>
+            </a:pPr>
+            <a:endParaRPr lang="es-ES" dirty="0"/>
+          </a:p>
+          <a:p>
+            <a:pPr marL="0" indent="0">
+              <a:buNone/>
+            </a:pPr>
+            <a:r>
+              <a:rPr lang="es-ES" dirty="0"/>
+              <a:t>¿Por qué no, desarrollar las partes y luego juntarlas sin que el usuario se entere?</a:t>
+            </a:r>
+          </a:p>
+        </p:txBody>
+      </p:sp>
+    </p:spTree>
+    <p:extLst>
+      <p:ext uri="{BB962C8B-B14F-4D97-AF65-F5344CB8AC3E}">
+        <p14:creationId xmlns:p14="http://schemas.microsoft.com/office/powerpoint/2010/main" val="769850471"/>
+      </p:ext>
+    </p:extLst>
+  </p:cSld>
+  <p:clrMapOvr>
+    <a:masterClrMapping/>
+  </p:clrMapOvr>
+</p:sld>
+</file>
+
+<file path=ppt/slides/slide79.xml><?xml version="1.0" encoding="utf-8"?>
+<p:sld xmlns:a="http://schemas.openxmlformats.org/drawingml/2006/main" xmlns:r="http://schemas.openxmlformats.org/officeDocument/2006/relationships" xmlns:p="http://schemas.openxmlformats.org/presentationml/2006/main">
+  <p:cSld>
+    <p:spTree>
+      <p:nvGrpSpPr>
+        <p:cNvPr id="1" name=""/>
+        <p:cNvGrpSpPr/>
+        <p:nvPr/>
+      </p:nvGrpSpPr>
+      <p:grpSpPr>
+        <a:xfrm>
+          <a:off x="0" y="0"/>
+          <a:ext cx="0" cy="0"/>
+          <a:chOff x="0" y="0"/>
+          <a:chExt cx="0" cy="0"/>
+        </a:xfrm>
+      </p:grpSpPr>
+      <p:sp>
+        <p:nvSpPr>
+          <p:cNvPr id="4" name="Título 3">
+            <a:extLst>
+              <a:ext uri="{FF2B5EF4-FFF2-40B4-BE49-F238E27FC236}">
+                <a16:creationId xmlns:a16="http://schemas.microsoft.com/office/drawing/2014/main" id="{9E81A120-F498-68E2-A9C5-384A0125A072}"/>
+              </a:ext>
+            </a:extLst>
+          </p:cNvPr>
+          <p:cNvSpPr>
+            <a:spLocks noGrp="1"/>
+          </p:cNvSpPr>
+          <p:nvPr>
+            <p:ph type="title"/>
+          </p:nvPr>
+        </p:nvSpPr>
+        <p:spPr/>
+        <p:txBody>
+          <a:bodyPr/>
+          <a:lstStyle/>
+          <a:p>
+            <a:r>
+              <a:rPr lang="es-ES"/>
+              <a:t>cierre</a:t>
+            </a:r>
+            <a:endParaRPr lang="es-ES" dirty="0"/>
+          </a:p>
+        </p:txBody>
+      </p:sp>
+      <p:sp>
+        <p:nvSpPr>
+          <p:cNvPr id="5" name="Marcador de texto 4">
+            <a:extLst>
+              <a:ext uri="{FF2B5EF4-FFF2-40B4-BE49-F238E27FC236}">
+                <a16:creationId xmlns:a16="http://schemas.microsoft.com/office/drawing/2014/main" id="{06D44842-545D-540A-4CC0-02D163B31A0D}"/>
+              </a:ext>
+            </a:extLst>
+          </p:cNvPr>
+          <p:cNvSpPr>
+            <a:spLocks noGrp="1"/>
+          </p:cNvSpPr>
+          <p:nvPr>
+            <p:ph type="body" idx="1"/>
+          </p:nvPr>
+        </p:nvSpPr>
+        <p:spPr/>
+        <p:txBody>
+          <a:bodyPr/>
+          <a:lstStyle/>
+          <a:p>
+            <a:endParaRPr lang="es-ES" dirty="0"/>
+          </a:p>
+        </p:txBody>
+      </p:sp>
+    </p:spTree>
+    <p:extLst>
+      <p:ext uri="{BB962C8B-B14F-4D97-AF65-F5344CB8AC3E}">
+        <p14:creationId xmlns:p14="http://schemas.microsoft.com/office/powerpoint/2010/main" val="1879195494"/>
+      </p:ext>
+    </p:extLst>
+  </p:cSld>
+  <p:clrMapOvr>
+    <a:masterClrMapping/>
+  </p:clrMapOvr>
+</p:sld>
+</file>
+
+<file path=ppt/slides/slide8.xml><?xml version="1.0" encoding="utf-8"?>
+<p:sld xmlns:a="http://schemas.openxmlformats.org/drawingml/2006/main" xmlns:r="http://schemas.openxmlformats.org/officeDocument/2006/relationships" xmlns:p="http://schemas.openxmlformats.org/presentationml/2006/main">
+  <p:cSld>
+    <p:spTree>
+      <p:nvGrpSpPr>
+        <p:cNvPr id="1" name=""/>
+        <p:cNvGrpSpPr/>
+        <p:nvPr/>
+      </p:nvGrpSpPr>
+      <p:grpSpPr>
+        <a:xfrm>
+          <a:off x="0" y="0"/>
+          <a:ext cx="0" cy="0"/>
+          <a:chOff x="0" y="0"/>
+          <a:chExt cx="0" cy="0"/>
+        </a:xfrm>
+      </p:grpSpPr>
+      <p:sp>
+        <p:nvSpPr>
+          <p:cNvPr id="4" name="Título 3">
+            <a:extLst>
+              <a:ext uri="{FF2B5EF4-FFF2-40B4-BE49-F238E27FC236}">
+                <a16:creationId xmlns:a16="http://schemas.microsoft.com/office/drawing/2014/main" id="{3447352C-F5B5-3055-9354-54EB564CB6BD}"/>
+              </a:ext>
+            </a:extLst>
+          </p:cNvPr>
+          <p:cNvSpPr>
+            <a:spLocks noGrp="1"/>
+          </p:cNvSpPr>
+          <p:nvPr>
+            <p:ph type="title"/>
+          </p:nvPr>
+        </p:nvSpPr>
+        <p:spPr/>
+        <p:txBody>
+          <a:bodyPr/>
+          <a:lstStyle/>
+          <a:p>
+            <a:r>
+              <a:rPr lang="es-ES" dirty="0"/>
+              <a:t>01 </a:t>
+            </a:r>
+            <a:r>
+              <a:rPr lang="es-ES" dirty="0" err="1"/>
+              <a:t>git</a:t>
+            </a:r>
+            <a:endParaRPr lang="es-ES" dirty="0"/>
+          </a:p>
+        </p:txBody>
+      </p:sp>
+      <p:sp>
+        <p:nvSpPr>
+          <p:cNvPr id="5" name="Marcador de contenido 4">
+            <a:extLst>
+              <a:ext uri="{FF2B5EF4-FFF2-40B4-BE49-F238E27FC236}">
+                <a16:creationId xmlns:a16="http://schemas.microsoft.com/office/drawing/2014/main" id="{5D80ADFE-2796-5FAF-EEDE-8232A84752BA}"/>
+              </a:ext>
+            </a:extLst>
+          </p:cNvPr>
+          <p:cNvSpPr>
+            <a:spLocks noGrp="1"/>
+          </p:cNvSpPr>
+          <p:nvPr>
+            <p:ph idx="1"/>
+          </p:nvPr>
+        </p:nvSpPr>
+        <p:spPr/>
+        <p:txBody>
+          <a:bodyPr/>
+          <a:lstStyle/>
+          <a:p>
+            <a:pPr marL="0" indent="0">
+              <a:buNone/>
+            </a:pPr>
+            <a:r>
+              <a:rPr lang="es-ES" dirty="0"/>
+              <a:t>Sistema Control de Versiones</a:t>
+            </a:r>
+          </a:p>
+          <a:p>
+            <a:pPr marL="0" indent="0">
+              <a:buNone/>
+            </a:pPr>
+            <a:endParaRPr lang="es-ES" dirty="0"/>
+          </a:p>
+          <a:p>
+            <a:pPr marL="0" indent="0">
+              <a:buNone/>
+            </a:pPr>
+            <a:r>
+              <a:rPr lang="es-ES" b="1" dirty="0"/>
+              <a:t>¿Por qué?</a:t>
+            </a:r>
+          </a:p>
+          <a:p>
+            <a:pPr marL="0" indent="0">
+              <a:buNone/>
+            </a:pPr>
+            <a:r>
+              <a:rPr lang="es-ES" dirty="0"/>
+              <a:t>Soluciones incompletas o demasiado complejas</a:t>
+            </a:r>
+          </a:p>
+          <a:p>
+            <a:pPr marL="0" indent="0">
+              <a:buNone/>
+            </a:pPr>
+            <a:endParaRPr lang="es-ES" dirty="0"/>
+          </a:p>
+          <a:p>
+            <a:pPr marL="0" indent="0">
+              <a:buNone/>
+            </a:pPr>
+            <a:r>
+              <a:rPr lang="es-ES" b="1" dirty="0"/>
+              <a:t>¿Para qué?</a:t>
+            </a:r>
+            <a:endParaRPr lang="es-ES" dirty="0"/>
+          </a:p>
+        </p:txBody>
+      </p:sp>
+      <p:sp>
+        <p:nvSpPr>
+          <p:cNvPr id="3" name="Rectángulo 2">
+            <a:extLst>
+              <a:ext uri="{FF2B5EF4-FFF2-40B4-BE49-F238E27FC236}">
+                <a16:creationId xmlns:a16="http://schemas.microsoft.com/office/drawing/2014/main" id="{F3070903-22C2-8765-ACDB-32B230CAB258}"/>
+              </a:ext>
+            </a:extLst>
+          </p:cNvPr>
+          <p:cNvSpPr/>
+          <p:nvPr/>
+        </p:nvSpPr>
+        <p:spPr>
+          <a:xfrm>
+            <a:off x="759125" y="1590676"/>
+            <a:ext cx="10239554" cy="933450"/>
+          </a:xfrm>
+          <a:prstGeom prst="rect">
+            <a:avLst/>
+          </a:prstGeom>
+          <a:solidFill>
+            <a:schemeClr val="bg1">
+              <a:alpha val="75000"/>
+            </a:schemeClr>
+          </a:solidFill>
+          <a:ln>
+            <a:noFill/>
+          </a:ln>
+        </p:spPr>
+        <p:style>
+          <a:lnRef idx="2">
+            <a:schemeClr val="accent1">
+              <a:shade val="50000"/>
+            </a:schemeClr>
+          </a:lnRef>
+          <a:fillRef idx="1">
+            <a:schemeClr val="accent1"/>
+          </a:fillRef>
+          <a:effectRef idx="0">
+            <a:schemeClr val="accent1"/>
+          </a:effectRef>
+          <a:fontRef idx="minor">
+            <a:schemeClr val="lt1"/>
+          </a:fontRef>
+        </p:style>
+        <p:txBody>
+          <a:bodyPr rtlCol="0" anchor="ctr"/>
+          <a:lstStyle/>
+          <a:p>
+            <a:pPr algn="ctr"/>
+            <a:endParaRPr lang="es-ES"/>
+          </a:p>
+        </p:txBody>
+      </p:sp>
+    </p:spTree>
+    <p:extLst>
+      <p:ext uri="{BB962C8B-B14F-4D97-AF65-F5344CB8AC3E}">
+        <p14:creationId xmlns:p14="http://schemas.microsoft.com/office/powerpoint/2010/main" val="2968221041"/>
+      </p:ext>
+    </p:extLst>
+  </p:cSld>
+  <p:clrMapOvr>
+    <a:masterClrMapping/>
+  </p:clrMapOvr>
+</p:sld>
+</file>
+
+<file path=ppt/slides/slide80.xml><?xml version="1.0" encoding="utf-8"?>
+<p:sld xmlns:a="http://schemas.openxmlformats.org/drawingml/2006/main" xmlns:r="http://schemas.openxmlformats.org/officeDocument/2006/relationships" xmlns:p="http://schemas.openxmlformats.org/presentationml/2006/main">
+  <p:cSld>
+    <p:spTree>
+      <p:nvGrpSpPr>
+        <p:cNvPr id="1" name=""/>
+        <p:cNvGrpSpPr/>
+        <p:nvPr/>
+      </p:nvGrpSpPr>
+      <p:grpSpPr>
+        <a:xfrm>
+          <a:off x="0" y="0"/>
+          <a:ext cx="0" cy="0"/>
+          <a:chOff x="0" y="0"/>
+          <a:chExt cx="0" cy="0"/>
+        </a:xfrm>
+      </p:grpSpPr>
+      <p:sp>
+        <p:nvSpPr>
+          <p:cNvPr id="2" name="Título 1">
+            <a:extLst>
+              <a:ext uri="{FF2B5EF4-FFF2-40B4-BE49-F238E27FC236}">
                 <a16:creationId xmlns:a16="http://schemas.microsoft.com/office/drawing/2014/main" id="{073F5DAA-74F0-77EA-8270-BCED1A8EA656}"/>
               </a:ext>
             </a:extLst>
@@ -18460,7 +19230,7 @@
 </p:sld>
 </file>
 
-<file path=ppt/slides/slide78.xml><?xml version="1.0" encoding="utf-8"?>
+<file path=ppt/slides/slide81.xml><?xml version="1.0" encoding="utf-8"?>
 <p:sld xmlns:a="http://schemas.openxmlformats.org/drawingml/2006/main" xmlns:r="http://schemas.openxmlformats.org/officeDocument/2006/relationships" xmlns:p="http://schemas.openxmlformats.org/presentationml/2006/main">
   <p:cSld>
     <p:spTree>
@@ -18789,7 +19559,7 @@
 </p:sld>
 </file>
 
-<file path=ppt/slides/slide79.xml><?xml version="1.0" encoding="utf-8"?>
+<file path=ppt/slides/slide82.xml><?xml version="1.0" encoding="utf-8"?>
 <p:sld xmlns:a="http://schemas.openxmlformats.org/drawingml/2006/main" xmlns:r="http://schemas.openxmlformats.org/officeDocument/2006/relationships" xmlns:p="http://schemas.openxmlformats.org/presentationml/2006/main">
   <p:cSld>
     <p:spTree>
@@ -18953,7 +19723,7 @@
 </p:sld>
 </file>
 
-<file path=ppt/slides/slide8.xml><?xml version="1.0" encoding="utf-8"?>
+<file path=ppt/slides/slide83.xml><?xml version="1.0" encoding="utf-8"?>
 <p:sld xmlns:a="http://schemas.openxmlformats.org/drawingml/2006/main" xmlns:r="http://schemas.openxmlformats.org/officeDocument/2006/relationships" xmlns:p="http://schemas.openxmlformats.org/presentationml/2006/main">
   <p:cSld>
     <p:spTree>
@@ -18972,10 +19742,10 @@
       </p:grpSpPr>
       <p:sp>
         <p:nvSpPr>
-          <p:cNvPr id="4" name="Título 3">
-            <a:extLst>
-              <a:ext uri="{FF2B5EF4-FFF2-40B4-BE49-F238E27FC236}">
-                <a16:creationId xmlns:a16="http://schemas.microsoft.com/office/drawing/2014/main" id="{3447352C-F5B5-3055-9354-54EB564CB6BD}"/>
+          <p:cNvPr id="2" name="Título 1">
+            <a:extLst>
+              <a:ext uri="{FF2B5EF4-FFF2-40B4-BE49-F238E27FC236}">
+                <a16:creationId xmlns:a16="http://schemas.microsoft.com/office/drawing/2014/main" id="{FD7DA80B-888A-7133-C326-59AFC7902EE8}"/>
               </a:ext>
             </a:extLst>
           </p:cNvPr>
@@ -18991,32 +19761,28 @@
           <a:bodyPr/>
           <a:lstStyle/>
           <a:p>
+            <a:pPr algn="r"/>
             <a:r>
               <a:rPr lang="es-ES" dirty="0"/>
-              <a:t>01 </a:t>
-            </a:r>
-            <a:r>
-              <a:rPr lang="es-ES" dirty="0" err="1"/>
-              <a:t>git</a:t>
-            </a:r>
-            <a:endParaRPr lang="es-ES" dirty="0"/>
-          </a:p>
-        </p:txBody>
-      </p:sp>
-      <p:sp>
-        <p:nvSpPr>
-          <p:cNvPr id="5" name="Marcador de contenido 4">
-            <a:extLst>
-              <a:ext uri="{FF2B5EF4-FFF2-40B4-BE49-F238E27FC236}">
-                <a16:creationId xmlns:a16="http://schemas.microsoft.com/office/drawing/2014/main" id="{5D80ADFE-2796-5FAF-EEDE-8232A84752BA}"/>
-              </a:ext>
-            </a:extLst>
-          </p:cNvPr>
-          <p:cNvSpPr>
-            <a:spLocks noGrp="1"/>
-          </p:cNvSpPr>
-          <p:nvPr>
-            <p:ph idx="1"/>
+              <a:t>preguntas</a:t>
+            </a:r>
+          </a:p>
+        </p:txBody>
+      </p:sp>
+      <p:sp>
+        <p:nvSpPr>
+          <p:cNvPr id="5" name="Marcador de texto 4">
+            <a:extLst>
+              <a:ext uri="{FF2B5EF4-FFF2-40B4-BE49-F238E27FC236}">
+                <a16:creationId xmlns:a16="http://schemas.microsoft.com/office/drawing/2014/main" id="{DCDB20D1-4585-FFB0-BE00-DF98CF8C93EB}"/>
+              </a:ext>
+            </a:extLst>
+          </p:cNvPr>
+          <p:cNvSpPr>
+            <a:spLocks noGrp="1"/>
+          </p:cNvSpPr>
+          <p:nvPr>
+            <p:ph type="body" idx="1"/>
           </p:nvPr>
         </p:nvSpPr>
         <p:spPr/>
@@ -19024,106 +19790,6 @@
           <a:bodyPr/>
           <a:lstStyle/>
           <a:p>
-            <a:pPr marL="0" indent="0">
-              <a:buNone/>
-            </a:pPr>
-            <a:r>
-              <a:rPr lang="es-ES" dirty="0"/>
-              <a:t>Sistema Control de Versiones</a:t>
-            </a:r>
-          </a:p>
-          <a:p>
-            <a:pPr marL="0" indent="0">
-              <a:buNone/>
-            </a:pPr>
-            <a:endParaRPr lang="es-ES" dirty="0"/>
-          </a:p>
-          <a:p>
-            <a:pPr marL="0" indent="0">
-              <a:buNone/>
-            </a:pPr>
-            <a:r>
-              <a:rPr lang="es-ES" b="1" dirty="0"/>
-              <a:t>¿Por qué?</a:t>
-            </a:r>
-          </a:p>
-          <a:p>
-            <a:pPr marL="0" indent="0">
-              <a:buNone/>
-            </a:pPr>
-            <a:r>
-              <a:rPr lang="es-ES" dirty="0"/>
-              <a:t>Soluciones incompletas o demasiado complejas</a:t>
-            </a:r>
-          </a:p>
-          <a:p>
-            <a:pPr marL="0" indent="0">
-              <a:buNone/>
-            </a:pPr>
-            <a:endParaRPr lang="es-ES" dirty="0"/>
-          </a:p>
-          <a:p>
-            <a:pPr marL="0" indent="0">
-              <a:buNone/>
-            </a:pPr>
-            <a:r>
-              <a:rPr lang="es-ES" b="1" dirty="0"/>
-              <a:t>¿Para qué?</a:t>
-            </a:r>
-            <a:endParaRPr lang="es-ES" dirty="0"/>
-          </a:p>
-        </p:txBody>
-      </p:sp>
-      <p:sp>
-        <p:nvSpPr>
-          <p:cNvPr id="3" name="Rectángulo 2">
-            <a:extLst>
-              <a:ext uri="{FF2B5EF4-FFF2-40B4-BE49-F238E27FC236}">
-                <a16:creationId xmlns:a16="http://schemas.microsoft.com/office/drawing/2014/main" id="{F3070903-22C2-8765-ACDB-32B230CAB258}"/>
-              </a:ext>
-            </a:extLst>
-          </p:cNvPr>
-          <p:cNvSpPr/>
-          <p:nvPr/>
-        </p:nvSpPr>
-        <p:spPr>
-          <a:xfrm>
-            <a:off x="759125" y="1590676"/>
-            <a:ext cx="10239554" cy="933450"/>
-          </a:xfrm>
-          <a:prstGeom prst="rect">
-            <a:avLst/>
-          </a:prstGeom>
-          <a:solidFill>
-            <a:schemeClr val="bg1">
-              <a:alpha val="75000"/>
-            </a:schemeClr>
-          </a:solidFill>
-          <a:ln>
-            <a:noFill/>
-          </a:ln>
-        </p:spPr>
-        <p:style>
-          <a:lnRef idx="2">
-            <a:schemeClr val="accent1">
-              <a:shade val="50000"/>
-            </a:schemeClr>
-          </a:lnRef>
-          <a:fillRef idx="1">
-            <a:schemeClr val="accent1"/>
-          </a:fillRef>
-          <a:effectRef idx="0">
-            <a:schemeClr val="accent1"/>
-          </a:effectRef>
-          <a:fontRef idx="minor">
-            <a:schemeClr val="lt1"/>
-          </a:fontRef>
-        </p:style>
-        <p:txBody>
-          <a:bodyPr rtlCol="0" anchor="ctr"/>
-          <a:lstStyle/>
-          <a:p>
-            <a:pPr algn="ctr"/>
             <a:endParaRPr lang="es-ES"/>
           </a:p>
         </p:txBody>
@@ -19131,7 +19797,7 @@
     </p:spTree>
     <p:extLst>
       <p:ext uri="{BB962C8B-B14F-4D97-AF65-F5344CB8AC3E}">
-        <p14:creationId xmlns:p14="http://schemas.microsoft.com/office/powerpoint/2010/main" val="2968221041"/>
+        <p14:creationId xmlns:p14="http://schemas.microsoft.com/office/powerpoint/2010/main" val="2951753011"/>
       </p:ext>
     </p:extLst>
   </p:cSld>
@@ -19141,7 +19807,7 @@
 </p:sld>
 </file>
 
-<file path=ppt/slides/slide80.xml><?xml version="1.0" encoding="utf-8"?>
+<file path=ppt/slides/slide84.xml><?xml version="1.0" encoding="utf-8"?>
 <p:sld xmlns:a="http://schemas.openxmlformats.org/drawingml/2006/main" xmlns:r="http://schemas.openxmlformats.org/officeDocument/2006/relationships" xmlns:p="http://schemas.openxmlformats.org/presentationml/2006/main">
   <p:cSld>
     <p:spTree>
@@ -19160,90 +19826,6 @@
       </p:grpSpPr>
       <p:sp>
         <p:nvSpPr>
-          <p:cNvPr id="2" name="Título 1">
-            <a:extLst>
-              <a:ext uri="{FF2B5EF4-FFF2-40B4-BE49-F238E27FC236}">
-                <a16:creationId xmlns:a16="http://schemas.microsoft.com/office/drawing/2014/main" id="{FD7DA80B-888A-7133-C326-59AFC7902EE8}"/>
-              </a:ext>
-            </a:extLst>
-          </p:cNvPr>
-          <p:cNvSpPr>
-            <a:spLocks noGrp="1"/>
-          </p:cNvSpPr>
-          <p:nvPr>
-            <p:ph type="title"/>
-          </p:nvPr>
-        </p:nvSpPr>
-        <p:spPr/>
-        <p:txBody>
-          <a:bodyPr/>
-          <a:lstStyle/>
-          <a:p>
-            <a:pPr algn="r"/>
-            <a:r>
-              <a:rPr lang="es-ES" dirty="0"/>
-              <a:t>preguntas</a:t>
-            </a:r>
-          </a:p>
-        </p:txBody>
-      </p:sp>
-      <p:sp>
-        <p:nvSpPr>
-          <p:cNvPr id="5" name="Marcador de texto 4">
-            <a:extLst>
-              <a:ext uri="{FF2B5EF4-FFF2-40B4-BE49-F238E27FC236}">
-                <a16:creationId xmlns:a16="http://schemas.microsoft.com/office/drawing/2014/main" id="{DCDB20D1-4585-FFB0-BE00-DF98CF8C93EB}"/>
-              </a:ext>
-            </a:extLst>
-          </p:cNvPr>
-          <p:cNvSpPr>
-            <a:spLocks noGrp="1"/>
-          </p:cNvSpPr>
-          <p:nvPr>
-            <p:ph type="body" idx="1"/>
-          </p:nvPr>
-        </p:nvSpPr>
-        <p:spPr/>
-        <p:txBody>
-          <a:bodyPr/>
-          <a:lstStyle/>
-          <a:p>
-            <a:endParaRPr lang="es-ES"/>
-          </a:p>
-        </p:txBody>
-      </p:sp>
-    </p:spTree>
-    <p:extLst>
-      <p:ext uri="{BB962C8B-B14F-4D97-AF65-F5344CB8AC3E}">
-        <p14:creationId xmlns:p14="http://schemas.microsoft.com/office/powerpoint/2010/main" val="2951753011"/>
-      </p:ext>
-    </p:extLst>
-  </p:cSld>
-  <p:clrMapOvr>
-    <a:masterClrMapping/>
-  </p:clrMapOvr>
-</p:sld>
-</file>
-
-<file path=ppt/slides/slide81.xml><?xml version="1.0" encoding="utf-8"?>
-<p:sld xmlns:a="http://schemas.openxmlformats.org/drawingml/2006/main" xmlns:r="http://schemas.openxmlformats.org/officeDocument/2006/relationships" xmlns:p="http://schemas.openxmlformats.org/presentationml/2006/main">
-  <p:cSld>
-    <p:spTree>
-      <p:nvGrpSpPr>
-        <p:cNvPr id="1" name=""/>
-        <p:cNvGrpSpPr/>
-        <p:nvPr/>
-      </p:nvGrpSpPr>
-      <p:grpSpPr>
-        <a:xfrm>
-          <a:off x="0" y="0"/>
-          <a:ext cx="0" cy="0"/>
-          <a:chOff x="0" y="0"/>
-          <a:chExt cx="0" cy="0"/>
-        </a:xfrm>
-      </p:grpSpPr>
-      <p:sp>
-        <p:nvSpPr>
           <p:cNvPr id="4" name="Título 3">
             <a:extLst>
               <a:ext uri="{FF2B5EF4-FFF2-40B4-BE49-F238E27FC236}">
@@ -19308,7 +19890,7 @@
 </p:sld>
 </file>
 
-<file path=ppt/slides/slide82.xml><?xml version="1.0" encoding="utf-8"?>
+<file path=ppt/slides/slide85.xml><?xml version="1.0" encoding="utf-8"?>
 <p:sld xmlns:a="http://schemas.openxmlformats.org/drawingml/2006/main" xmlns:r="http://schemas.openxmlformats.org/officeDocument/2006/relationships" xmlns:p="http://schemas.openxmlformats.org/presentationml/2006/main">
   <p:cSld>
     <p:spTree>
@@ -19838,7 +20420,7 @@
 </p:sld>
 </file>
 
-<file path=ppt/slides/slide83.xml><?xml version="1.0" encoding="utf-8"?>
+<file path=ppt/slides/slide86.xml><?xml version="1.0" encoding="utf-8"?>
 <p:sld xmlns:a="http://schemas.openxmlformats.org/drawingml/2006/main" xmlns:r="http://schemas.openxmlformats.org/officeDocument/2006/relationships" xmlns:p="http://schemas.openxmlformats.org/presentationml/2006/main">
   <p:cSld>
     <p:spTree>
